--- a/demo.pptx
+++ b/demo.pptx
@@ -1,26 +1,23 @@
 
 <file path=ppt/presentation.xml><?xml version="1.0" encoding="utf-8"?>
-<p:presentation xmlns:a="http://schemas.openxmlformats.org/drawingml/2006/main" xmlns:r="http://schemas.openxmlformats.org/officeDocument/2006/relationships" xmlns:p="http://schemas.openxmlformats.org/presentationml/2006/main" saveSubsetFonts="1">
+<p:presentation xmlns:a="http://schemas.openxmlformats.org/drawingml/2006/main" xmlns:r="http://schemas.openxmlformats.org/officeDocument/2006/relationships" xmlns:p="http://schemas.openxmlformats.org/presentationml/2006/main" showSpecialPlsOnTitleSld="0" saveSubsetFonts="1">
   <p:sldMasterIdLst>
     <p:sldMasterId id="2147483648" r:id="rId1"/>
   </p:sldMasterIdLst>
   <p:notesMasterIdLst>
-    <p:notesMasterId r:id="rId15"/>
+    <p:notesMasterId r:id="rId12"/>
   </p:notesMasterIdLst>
   <p:sldIdLst>
     <p:sldId id="256" r:id="rId2"/>
     <p:sldId id="257" r:id="rId3"/>
     <p:sldId id="259" r:id="rId4"/>
-    <p:sldId id="258" r:id="rId5"/>
-    <p:sldId id="264" r:id="rId6"/>
-    <p:sldId id="260" r:id="rId7"/>
-    <p:sldId id="263" r:id="rId8"/>
-    <p:sldId id="261" r:id="rId9"/>
-    <p:sldId id="262" r:id="rId10"/>
-    <p:sldId id="268" r:id="rId11"/>
-    <p:sldId id="267" r:id="rId12"/>
-    <p:sldId id="266" r:id="rId13"/>
-    <p:sldId id="265" r:id="rId14"/>
+    <p:sldId id="264" r:id="rId5"/>
+    <p:sldId id="260" r:id="rId6"/>
+    <p:sldId id="263" r:id="rId7"/>
+    <p:sldId id="261" r:id="rId8"/>
+    <p:sldId id="262" r:id="rId9"/>
+    <p:sldId id="268" r:id="rId10"/>
+    <p:sldId id="265" r:id="rId11"/>
   </p:sldIdLst>
   <p:sldSz cx="9144000" cy="6858000" type="screen4x3"/>
   <p:notesSz cx="6858000" cy="9144000"/>
@@ -1363,11 +1360,11 @@
           <c:showPercent val="0"/>
           <c:showBubbleSize val="0"/>
         </c:dLbls>
-        <c:axId val="117091136"/>
-        <c:axId val="117091712"/>
+        <c:axId val="85922880"/>
+        <c:axId val="85923456"/>
       </c:scatterChart>
       <c:valAx>
-        <c:axId val="117091136"/>
+        <c:axId val="85922880"/>
         <c:scaling>
           <c:orientation val="minMax"/>
           <c:max val="75"/>
@@ -1397,12 +1394,12 @@
         <c:majorTickMark val="none"/>
         <c:minorTickMark val="none"/>
         <c:tickLblPos val="nextTo"/>
-        <c:crossAx val="117091712"/>
+        <c:crossAx val="85923456"/>
         <c:crosses val="autoZero"/>
         <c:crossBetween val="midCat"/>
       </c:valAx>
       <c:valAx>
-        <c:axId val="117091712"/>
+        <c:axId val="85923456"/>
         <c:scaling>
           <c:orientation val="minMax"/>
           <c:max val="2"/>
@@ -1439,7 +1436,7 @@
         <c:majorTickMark val="none"/>
         <c:minorTickMark val="none"/>
         <c:tickLblPos val="nextTo"/>
-        <c:crossAx val="117091136"/>
+        <c:crossAx val="85922880"/>
         <c:crosses val="autoZero"/>
         <c:crossBetween val="midCat"/>
       </c:valAx>
@@ -1601,11 +1598,11 @@
           <c:showPercent val="0"/>
           <c:showBubbleSize val="0"/>
         </c:dLbls>
-        <c:axId val="89052800"/>
-        <c:axId val="117089984"/>
+        <c:axId val="85925184"/>
+        <c:axId val="101081088"/>
       </c:scatterChart>
       <c:valAx>
-        <c:axId val="89052800"/>
+        <c:axId val="85925184"/>
         <c:scaling>
           <c:orientation val="minMax"/>
         </c:scaling>
@@ -1634,12 +1631,12 @@
         <c:majorTickMark val="out"/>
         <c:minorTickMark val="none"/>
         <c:tickLblPos val="nextTo"/>
-        <c:crossAx val="117089984"/>
+        <c:crossAx val="101081088"/>
         <c:crosses val="autoZero"/>
         <c:crossBetween val="midCat"/>
       </c:valAx>
       <c:valAx>
-        <c:axId val="117089984"/>
+        <c:axId val="101081088"/>
         <c:scaling>
           <c:orientation val="minMax"/>
         </c:scaling>
@@ -1669,7 +1666,7 @@
         <c:majorTickMark val="out"/>
         <c:minorTickMark val="none"/>
         <c:tickLblPos val="nextTo"/>
-        <c:crossAx val="89052800"/>
+        <c:crossAx val="85925184"/>
         <c:crosses val="autoZero"/>
         <c:crossBetween val="midCat"/>
       </c:valAx>
@@ -3440,10 +3437,24 @@
     <dgm:pt modelId="{770885D9-AB32-47BD-8D1D-F58B5343A396}" type="pres">
       <dgm:prSet presAssocID="{78237002-9841-493C-8594-C9F088AE9B5D}" presName="sibTrans" presStyleLbl="sibTrans2D1" presStyleIdx="0" presStyleCnt="5"/>
       <dgm:spPr/>
+      <dgm:t>
+        <a:bodyPr/>
+        <a:lstStyle/>
+        <a:p>
+          <a:endParaRPr lang="en-AU"/>
+        </a:p>
+      </dgm:t>
     </dgm:pt>
     <dgm:pt modelId="{49DE0D0B-58F5-49C1-9E07-7C98A45D4B80}" type="pres">
       <dgm:prSet presAssocID="{78237002-9841-493C-8594-C9F088AE9B5D}" presName="connectorText" presStyleLbl="sibTrans2D1" presStyleIdx="0" presStyleCnt="5"/>
       <dgm:spPr/>
+      <dgm:t>
+        <a:bodyPr/>
+        <a:lstStyle/>
+        <a:p>
+          <a:endParaRPr lang="en-AU"/>
+        </a:p>
+      </dgm:t>
     </dgm:pt>
     <dgm:pt modelId="{EE10AAEE-181B-4AFB-B3B6-D594168838B2}" type="pres">
       <dgm:prSet presAssocID="{27F47B45-A915-4AD9-8A1C-4749C7EA93DE}" presName="node" presStyleLbl="node1" presStyleIdx="1" presStyleCnt="6">
@@ -3463,10 +3474,24 @@
     <dgm:pt modelId="{36AE9231-5FCD-4213-8440-45120CECD2E5}" type="pres">
       <dgm:prSet presAssocID="{ED61F00C-D5B4-4238-832A-7AB9C394FCF8}" presName="sibTrans" presStyleLbl="sibTrans2D1" presStyleIdx="1" presStyleCnt="5"/>
       <dgm:spPr/>
+      <dgm:t>
+        <a:bodyPr/>
+        <a:lstStyle/>
+        <a:p>
+          <a:endParaRPr lang="en-AU"/>
+        </a:p>
+      </dgm:t>
     </dgm:pt>
     <dgm:pt modelId="{55BADA67-4AF7-42BF-8AF4-3E2544108883}" type="pres">
       <dgm:prSet presAssocID="{ED61F00C-D5B4-4238-832A-7AB9C394FCF8}" presName="connectorText" presStyleLbl="sibTrans2D1" presStyleIdx="1" presStyleCnt="5"/>
       <dgm:spPr/>
+      <dgm:t>
+        <a:bodyPr/>
+        <a:lstStyle/>
+        <a:p>
+          <a:endParaRPr lang="en-AU"/>
+        </a:p>
+      </dgm:t>
     </dgm:pt>
     <dgm:pt modelId="{7E2EF431-CE53-45F8-8745-E5AC9FD88159}" type="pres">
       <dgm:prSet presAssocID="{59EEDAF6-0391-4C6F-A30E-D39F652B5E40}" presName="node" presStyleLbl="node1" presStyleIdx="2" presStyleCnt="6">
@@ -3486,10 +3511,24 @@
     <dgm:pt modelId="{6A594DDA-4755-4A22-A992-ACCB7F7E8D73}" type="pres">
       <dgm:prSet presAssocID="{C49ACD2E-A82E-43B9-BC51-41C8161359DF}" presName="sibTrans" presStyleLbl="sibTrans2D1" presStyleIdx="2" presStyleCnt="5"/>
       <dgm:spPr/>
+      <dgm:t>
+        <a:bodyPr/>
+        <a:lstStyle/>
+        <a:p>
+          <a:endParaRPr lang="en-AU"/>
+        </a:p>
+      </dgm:t>
     </dgm:pt>
     <dgm:pt modelId="{3A2BEAC9-2384-48F2-A07C-E8F10AA03C13}" type="pres">
       <dgm:prSet presAssocID="{C49ACD2E-A82E-43B9-BC51-41C8161359DF}" presName="connectorText" presStyleLbl="sibTrans2D1" presStyleIdx="2" presStyleCnt="5"/>
       <dgm:spPr/>
+      <dgm:t>
+        <a:bodyPr/>
+        <a:lstStyle/>
+        <a:p>
+          <a:endParaRPr lang="en-AU"/>
+        </a:p>
+      </dgm:t>
     </dgm:pt>
     <dgm:pt modelId="{BCA9E431-B238-4C5F-8C1D-29EF23BB5BF3}" type="pres">
       <dgm:prSet presAssocID="{95FA0651-7D88-427F-84D5-902C9DA42DA1}" presName="node" presStyleLbl="node1" presStyleIdx="3" presStyleCnt="6">
@@ -3509,10 +3548,24 @@
     <dgm:pt modelId="{7F8895C4-7668-4088-8A4A-82EDE6801B4C}" type="pres">
       <dgm:prSet presAssocID="{1C41AA46-3E3C-46BA-907E-45A54834880C}" presName="sibTrans" presStyleLbl="sibTrans2D1" presStyleIdx="3" presStyleCnt="5"/>
       <dgm:spPr/>
+      <dgm:t>
+        <a:bodyPr/>
+        <a:lstStyle/>
+        <a:p>
+          <a:endParaRPr lang="en-AU"/>
+        </a:p>
+      </dgm:t>
     </dgm:pt>
     <dgm:pt modelId="{87A0E701-FFD9-400E-8027-9283C5B8BADE}" type="pres">
       <dgm:prSet presAssocID="{1C41AA46-3E3C-46BA-907E-45A54834880C}" presName="connectorText" presStyleLbl="sibTrans2D1" presStyleIdx="3" presStyleCnt="5"/>
       <dgm:spPr/>
+      <dgm:t>
+        <a:bodyPr/>
+        <a:lstStyle/>
+        <a:p>
+          <a:endParaRPr lang="en-AU"/>
+        </a:p>
+      </dgm:t>
     </dgm:pt>
     <dgm:pt modelId="{FE2BE94C-1656-4DA5-91ED-46644370DDBE}" type="pres">
       <dgm:prSet presAssocID="{380149B3-2B78-4F88-B5B1-F7252BA64F6E}" presName="node" presStyleLbl="node1" presStyleIdx="4" presStyleCnt="6">
@@ -3521,14 +3574,35 @@
         </dgm:presLayoutVars>
       </dgm:prSet>
       <dgm:spPr/>
+      <dgm:t>
+        <a:bodyPr/>
+        <a:lstStyle/>
+        <a:p>
+          <a:endParaRPr lang="en-AU"/>
+        </a:p>
+      </dgm:t>
     </dgm:pt>
     <dgm:pt modelId="{91BE2FF6-EF5E-44F7-B317-CE8A9F5FA1F6}" type="pres">
       <dgm:prSet presAssocID="{8050DC73-F85D-48B4-98AE-49BC43506236}" presName="sibTrans" presStyleLbl="sibTrans2D1" presStyleIdx="4" presStyleCnt="5"/>
       <dgm:spPr/>
+      <dgm:t>
+        <a:bodyPr/>
+        <a:lstStyle/>
+        <a:p>
+          <a:endParaRPr lang="en-AU"/>
+        </a:p>
+      </dgm:t>
     </dgm:pt>
     <dgm:pt modelId="{E1294A05-22C5-47E4-8340-08AD069FD1EA}" type="pres">
       <dgm:prSet presAssocID="{8050DC73-F85D-48B4-98AE-49BC43506236}" presName="connectorText" presStyleLbl="sibTrans2D1" presStyleIdx="4" presStyleCnt="5"/>
       <dgm:spPr/>
+      <dgm:t>
+        <a:bodyPr/>
+        <a:lstStyle/>
+        <a:p>
+          <a:endParaRPr lang="en-AU"/>
+        </a:p>
+      </dgm:t>
     </dgm:pt>
     <dgm:pt modelId="{EFF9D30E-1E7A-4758-8C8F-7B989472C3D7}" type="pres">
       <dgm:prSet presAssocID="{A2758FBF-894F-42E3-B2EB-C30FDA107310}" presName="node" presStyleLbl="node1" presStyleIdx="5" presStyleCnt="6">
@@ -3537,6 +3611,13 @@
         </dgm:presLayoutVars>
       </dgm:prSet>
       <dgm:spPr/>
+      <dgm:t>
+        <a:bodyPr/>
+        <a:lstStyle/>
+        <a:p>
+          <a:endParaRPr lang="en-AU"/>
+        </a:p>
+      </dgm:t>
     </dgm:pt>
   </dgm:ptLst>
   <dgm:cxnLst>
@@ -3544,14 +3625,14 @@
     <dgm:cxn modelId="{CC39276A-BD46-45F6-B233-EBD5CE30DC57}" srcId="{E7E6AC11-FD30-46A3-94A7-9533E294B709}" destId="{27F47B45-A915-4AD9-8A1C-4749C7EA93DE}" srcOrd="1" destOrd="0" parTransId="{1F5BDBAF-30DD-4E3A-9FD4-B7985CAE4FA7}" sibTransId="{ED61F00C-D5B4-4238-832A-7AB9C394FCF8}"/>
     <dgm:cxn modelId="{D2789F39-E374-4779-9BD4-74DCF1CB310D}" type="presOf" srcId="{C49ACD2E-A82E-43B9-BC51-41C8161359DF}" destId="{6A594DDA-4755-4A22-A992-ACCB7F7E8D73}" srcOrd="0" destOrd="0" presId="urn:microsoft.com/office/officeart/2005/8/layout/process1"/>
     <dgm:cxn modelId="{D508E81E-38DE-47E2-AF87-2950394A751F}" type="presOf" srcId="{C49ACD2E-A82E-43B9-BC51-41C8161359DF}" destId="{3A2BEAC9-2384-48F2-A07C-E8F10AA03C13}" srcOrd="1" destOrd="0" presId="urn:microsoft.com/office/officeart/2005/8/layout/process1"/>
+    <dgm:cxn modelId="{1AF8BB71-FD0A-4D50-BEBC-781128D64F5B}" type="presOf" srcId="{8050DC73-F85D-48B4-98AE-49BC43506236}" destId="{91BE2FF6-EF5E-44F7-B317-CE8A9F5FA1F6}" srcOrd="0" destOrd="0" presId="urn:microsoft.com/office/officeart/2005/8/layout/process1"/>
     <dgm:cxn modelId="{65DC9DA3-54E3-4661-8EE2-5ED0DDD2BF16}" type="presOf" srcId="{27F47B45-A915-4AD9-8A1C-4749C7EA93DE}" destId="{EE10AAEE-181B-4AFB-B3B6-D594168838B2}" srcOrd="0" destOrd="0" presId="urn:microsoft.com/office/officeart/2005/8/layout/process1"/>
-    <dgm:cxn modelId="{1AF8BB71-FD0A-4D50-BEBC-781128D64F5B}" type="presOf" srcId="{8050DC73-F85D-48B4-98AE-49BC43506236}" destId="{91BE2FF6-EF5E-44F7-B317-CE8A9F5FA1F6}" srcOrd="0" destOrd="0" presId="urn:microsoft.com/office/officeart/2005/8/layout/process1"/>
     <dgm:cxn modelId="{1E6E1495-8809-4804-9872-DC14F5A8C941}" srcId="{E7E6AC11-FD30-46A3-94A7-9533E294B709}" destId="{67EF015A-7276-4D43-AB37-98D80C78FA00}" srcOrd="0" destOrd="0" parTransId="{9A3A0625-7A60-4BB0-A864-91F41BFA4A94}" sibTransId="{78237002-9841-493C-8594-C9F088AE9B5D}"/>
+    <dgm:cxn modelId="{C2DB28A7-CFD7-4CB1-8390-E8DA464AFF78}" type="presOf" srcId="{380149B3-2B78-4F88-B5B1-F7252BA64F6E}" destId="{FE2BE94C-1656-4DA5-91ED-46644370DDBE}" srcOrd="0" destOrd="0" presId="urn:microsoft.com/office/officeart/2005/8/layout/process1"/>
     <dgm:cxn modelId="{92F335E5-4332-45FE-9C24-033DCCBC82EE}" type="presOf" srcId="{ED61F00C-D5B4-4238-832A-7AB9C394FCF8}" destId="{36AE9231-5FCD-4213-8440-45120CECD2E5}" srcOrd="0" destOrd="0" presId="urn:microsoft.com/office/officeart/2005/8/layout/process1"/>
-    <dgm:cxn modelId="{C2DB28A7-CFD7-4CB1-8390-E8DA464AFF78}" type="presOf" srcId="{380149B3-2B78-4F88-B5B1-F7252BA64F6E}" destId="{FE2BE94C-1656-4DA5-91ED-46644370DDBE}" srcOrd="0" destOrd="0" presId="urn:microsoft.com/office/officeart/2005/8/layout/process1"/>
+    <dgm:cxn modelId="{12E7C510-A26F-4E1B-9B1D-109639209DB4}" srcId="{E7E6AC11-FD30-46A3-94A7-9533E294B709}" destId="{95FA0651-7D88-427F-84D5-902C9DA42DA1}" srcOrd="3" destOrd="0" parTransId="{224BD138-1884-4B0C-A16E-9733CD4AFA44}" sibTransId="{1C41AA46-3E3C-46BA-907E-45A54834880C}"/>
     <dgm:cxn modelId="{7A066B14-14A0-4C20-81E5-923926113122}" type="presOf" srcId="{ED61F00C-D5B4-4238-832A-7AB9C394FCF8}" destId="{55BADA67-4AF7-42BF-8AF4-3E2544108883}" srcOrd="1" destOrd="0" presId="urn:microsoft.com/office/officeart/2005/8/layout/process1"/>
     <dgm:cxn modelId="{6B4F2BFE-664B-46E8-A33C-69971BC3B682}" type="presOf" srcId="{95FA0651-7D88-427F-84D5-902C9DA42DA1}" destId="{BCA9E431-B238-4C5F-8C1D-29EF23BB5BF3}" srcOrd="0" destOrd="0" presId="urn:microsoft.com/office/officeart/2005/8/layout/process1"/>
-    <dgm:cxn modelId="{12E7C510-A26F-4E1B-9B1D-109639209DB4}" srcId="{E7E6AC11-FD30-46A3-94A7-9533E294B709}" destId="{95FA0651-7D88-427F-84D5-902C9DA42DA1}" srcOrd="3" destOrd="0" parTransId="{224BD138-1884-4B0C-A16E-9733CD4AFA44}" sibTransId="{1C41AA46-3E3C-46BA-907E-45A54834880C}"/>
     <dgm:cxn modelId="{7C5FB62F-B8C2-4F74-9A98-82333DC5D4C4}" type="presOf" srcId="{67EF015A-7276-4D43-AB37-98D80C78FA00}" destId="{EA43FF05-7247-4179-A9E6-A77B45871120}" srcOrd="0" destOrd="0" presId="urn:microsoft.com/office/officeart/2005/8/layout/process1"/>
     <dgm:cxn modelId="{92E175E0-DCC5-484E-B44C-8D443413F875}" srcId="{E7E6AC11-FD30-46A3-94A7-9533E294B709}" destId="{380149B3-2B78-4F88-B5B1-F7252BA64F6E}" srcOrd="4" destOrd="0" parTransId="{0F8ABE13-4F07-42B4-A375-71A3B780EF72}" sibTransId="{8050DC73-F85D-48B4-98AE-49BC43506236}"/>
     <dgm:cxn modelId="{50C5B191-6FCC-4333-BD3F-59BEC17F8F22}" type="presOf" srcId="{59EEDAF6-0391-4C6F-A30E-D39F652B5E40}" destId="{7E2EF431-CE53-45F8-8745-E5AC9FD88159}" srcOrd="0" destOrd="0" presId="urn:microsoft.com/office/officeart/2005/8/layout/process1"/>
@@ -3584,7 +3665,7 @@
   <dgm:whole/>
   <dgm:extLst>
     <a:ext uri="http://schemas.microsoft.com/office/drawing/2008/diagram">
-      <dsp:dataModelExt xmlns:dsp="http://schemas.microsoft.com/office/drawing/2008/diagram" relId="rId6" minVer="http://schemas.openxmlformats.org/drawingml/2006/diagram"/>
+      <dsp:dataModelExt xmlns:dsp="http://schemas.microsoft.com/office/drawing/2008/diagram" relId="rId7" minVer="http://schemas.openxmlformats.org/drawingml/2006/diagram"/>
     </a:ext>
     <a:ext uri="{C62137D5-CB1D-491B-B009-E17868A290BF}">
       <dgm14:recolorImg xmlns:dgm14="http://schemas.microsoft.com/office/drawing/2010/diagram" val="1"/>
@@ -3801,14 +3882,35 @@
         </dgm:presLayoutVars>
       </dgm:prSet>
       <dgm:spPr/>
+      <dgm:t>
+        <a:bodyPr/>
+        <a:lstStyle/>
+        <a:p>
+          <a:endParaRPr lang="en-AU"/>
+        </a:p>
+      </dgm:t>
     </dgm:pt>
     <dgm:pt modelId="{D7DC4059-E4A3-4B1D-81BD-2BB665B772EA}" type="pres">
       <dgm:prSet presAssocID="{4463C3AF-7CAC-4ED9-BCA5-C1898E1F3F4D}" presName="sibTrans" presStyleLbl="sibTrans2D1" presStyleIdx="0" presStyleCnt="4"/>
       <dgm:spPr/>
+      <dgm:t>
+        <a:bodyPr/>
+        <a:lstStyle/>
+        <a:p>
+          <a:endParaRPr lang="en-AU"/>
+        </a:p>
+      </dgm:t>
     </dgm:pt>
     <dgm:pt modelId="{F28D8A28-8FA0-4A30-92AB-5A7EC3FACEC9}" type="pres">
       <dgm:prSet presAssocID="{4463C3AF-7CAC-4ED9-BCA5-C1898E1F3F4D}" presName="connectorText" presStyleLbl="sibTrans2D1" presStyleIdx="0" presStyleCnt="4"/>
       <dgm:spPr/>
+      <dgm:t>
+        <a:bodyPr/>
+        <a:lstStyle/>
+        <a:p>
+          <a:endParaRPr lang="en-AU"/>
+        </a:p>
+      </dgm:t>
     </dgm:pt>
     <dgm:pt modelId="{95997643-A050-4EBD-88B5-391ECF4192A9}" type="pres">
       <dgm:prSet presAssocID="{EEEC67D3-D9D0-45F7-A811-93140D8C2CB7}" presName="node" presStyleLbl="node1" presStyleIdx="1" presStyleCnt="5">
@@ -3817,14 +3919,35 @@
         </dgm:presLayoutVars>
       </dgm:prSet>
       <dgm:spPr/>
+      <dgm:t>
+        <a:bodyPr/>
+        <a:lstStyle/>
+        <a:p>
+          <a:endParaRPr lang="en-AU"/>
+        </a:p>
+      </dgm:t>
     </dgm:pt>
     <dgm:pt modelId="{EDD1F207-35A0-4411-AAF4-2A57409BF853}" type="pres">
       <dgm:prSet presAssocID="{2AC135F0-B6E4-4CE5-8AC3-074A1B888760}" presName="sibTrans" presStyleLbl="sibTrans2D1" presStyleIdx="1" presStyleCnt="4"/>
       <dgm:spPr/>
+      <dgm:t>
+        <a:bodyPr/>
+        <a:lstStyle/>
+        <a:p>
+          <a:endParaRPr lang="en-AU"/>
+        </a:p>
+      </dgm:t>
     </dgm:pt>
     <dgm:pt modelId="{EF6BF1B2-F878-457D-8860-7DA911F800AE}" type="pres">
       <dgm:prSet presAssocID="{2AC135F0-B6E4-4CE5-8AC3-074A1B888760}" presName="connectorText" presStyleLbl="sibTrans2D1" presStyleIdx="1" presStyleCnt="4"/>
       <dgm:spPr/>
+      <dgm:t>
+        <a:bodyPr/>
+        <a:lstStyle/>
+        <a:p>
+          <a:endParaRPr lang="en-AU"/>
+        </a:p>
+      </dgm:t>
     </dgm:pt>
     <dgm:pt modelId="{C96D21D5-3C3D-4CDD-9B8F-D68421575C4C}" type="pres">
       <dgm:prSet presAssocID="{1FED0FEA-0033-4ACC-83EF-51BBE4BCC232}" presName="node" presStyleLbl="node1" presStyleIdx="2" presStyleCnt="5" custLinFactNeighborX="-7001" custLinFactNeighborY="-2025">
@@ -3833,14 +3956,35 @@
         </dgm:presLayoutVars>
       </dgm:prSet>
       <dgm:spPr/>
+      <dgm:t>
+        <a:bodyPr/>
+        <a:lstStyle/>
+        <a:p>
+          <a:endParaRPr lang="en-AU"/>
+        </a:p>
+      </dgm:t>
     </dgm:pt>
     <dgm:pt modelId="{F8F1C41C-6127-4024-96DB-042BEB47823E}" type="pres">
       <dgm:prSet presAssocID="{EEB9971C-78F0-4467-A4DA-50BBA7288063}" presName="sibTrans" presStyleLbl="sibTrans2D1" presStyleIdx="2" presStyleCnt="4"/>
       <dgm:spPr/>
+      <dgm:t>
+        <a:bodyPr/>
+        <a:lstStyle/>
+        <a:p>
+          <a:endParaRPr lang="en-AU"/>
+        </a:p>
+      </dgm:t>
     </dgm:pt>
     <dgm:pt modelId="{6B18B2E7-5647-4F95-BDA0-9AECB6F978DD}" type="pres">
       <dgm:prSet presAssocID="{EEB9971C-78F0-4467-A4DA-50BBA7288063}" presName="connectorText" presStyleLbl="sibTrans2D1" presStyleIdx="2" presStyleCnt="4"/>
       <dgm:spPr/>
+      <dgm:t>
+        <a:bodyPr/>
+        <a:lstStyle/>
+        <a:p>
+          <a:endParaRPr lang="en-AU"/>
+        </a:p>
+      </dgm:t>
     </dgm:pt>
     <dgm:pt modelId="{3101D0D8-0331-4888-9ED7-843A16993582}" type="pres">
       <dgm:prSet presAssocID="{D49806E5-CDD2-4849-B042-9BD6BC9A8929}" presName="node" presStyleLbl="node1" presStyleIdx="3" presStyleCnt="5">
@@ -3860,10 +4004,24 @@
     <dgm:pt modelId="{5EDAD405-3EFC-48DE-A6CF-46DEE3A648E0}" type="pres">
       <dgm:prSet presAssocID="{065EED69-8A7E-435E-95A2-CF9DE5895F53}" presName="sibTrans" presStyleLbl="sibTrans2D1" presStyleIdx="3" presStyleCnt="4"/>
       <dgm:spPr/>
+      <dgm:t>
+        <a:bodyPr/>
+        <a:lstStyle/>
+        <a:p>
+          <a:endParaRPr lang="en-AU"/>
+        </a:p>
+      </dgm:t>
     </dgm:pt>
     <dgm:pt modelId="{15BE394C-9645-422A-AA30-98CBF83B8F4E}" type="pres">
       <dgm:prSet presAssocID="{065EED69-8A7E-435E-95A2-CF9DE5895F53}" presName="connectorText" presStyleLbl="sibTrans2D1" presStyleIdx="3" presStyleCnt="4"/>
       <dgm:spPr/>
+      <dgm:t>
+        <a:bodyPr/>
+        <a:lstStyle/>
+        <a:p>
+          <a:endParaRPr lang="en-AU"/>
+        </a:p>
+      </dgm:t>
     </dgm:pt>
     <dgm:pt modelId="{457B1BFB-5202-41F9-90AA-24D5756316D6}" type="pres">
       <dgm:prSet presAssocID="{E079F2EC-7E16-4A6B-9EFA-8C0F1C2C40BB}" presName="node" presStyleLbl="node1" presStyleIdx="4" presStyleCnt="5">
@@ -3872,28 +4030,35 @@
         </dgm:presLayoutVars>
       </dgm:prSet>
       <dgm:spPr/>
+      <dgm:t>
+        <a:bodyPr/>
+        <a:lstStyle/>
+        <a:p>
+          <a:endParaRPr lang="en-AU"/>
+        </a:p>
+      </dgm:t>
     </dgm:pt>
   </dgm:ptLst>
   <dgm:cxnLst>
+    <dgm:cxn modelId="{0CF5132E-4C46-415B-A1F1-763B086DC8C0}" type="presOf" srcId="{4463C3AF-7CAC-4ED9-BCA5-C1898E1F3F4D}" destId="{F28D8A28-8FA0-4A30-92AB-5A7EC3FACEC9}" srcOrd="1" destOrd="0" presId="urn:microsoft.com/office/officeart/2005/8/layout/process1"/>
+    <dgm:cxn modelId="{94420A20-E600-46A6-8744-B04AA6FF6D34}" type="presOf" srcId="{1FED0FEA-0033-4ACC-83EF-51BBE4BCC232}" destId="{C96D21D5-3C3D-4CDD-9B8F-D68421575C4C}" srcOrd="0" destOrd="0" presId="urn:microsoft.com/office/officeart/2005/8/layout/process1"/>
+    <dgm:cxn modelId="{52C536D8-0389-49BF-B656-BC46888648AB}" srcId="{4D05C6E4-7807-4470-8B86-DC12A31097DC}" destId="{E079F2EC-7E16-4A6B-9EFA-8C0F1C2C40BB}" srcOrd="4" destOrd="0" parTransId="{82E648C8-5AE3-4278-B442-E37296E0999A}" sibTransId="{A14F33A3-F578-43CE-B34D-1CC59185FA98}"/>
+    <dgm:cxn modelId="{521153A7-2F9E-4F40-BABD-8F9704724EC8}" type="presOf" srcId="{D49806E5-CDD2-4849-B042-9BD6BC9A8929}" destId="{3101D0D8-0331-4888-9ED7-843A16993582}" srcOrd="0" destOrd="0" presId="urn:microsoft.com/office/officeart/2005/8/layout/process1"/>
+    <dgm:cxn modelId="{59A73786-6827-45E7-A443-B2375C95DA20}" type="presOf" srcId="{31B22734-F6FB-419A-BD77-2350DD0F6B49}" destId="{40F4E242-EE64-44BF-9EEE-B9337E95EE8E}" srcOrd="0" destOrd="0" presId="urn:microsoft.com/office/officeart/2005/8/layout/process1"/>
+    <dgm:cxn modelId="{C237BBEA-C84E-44CD-ADB2-37A33656D685}" type="presOf" srcId="{E079F2EC-7E16-4A6B-9EFA-8C0F1C2C40BB}" destId="{457B1BFB-5202-41F9-90AA-24D5756316D6}" srcOrd="0" destOrd="0" presId="urn:microsoft.com/office/officeart/2005/8/layout/process1"/>
+    <dgm:cxn modelId="{524D03A6-7CFC-436B-87E2-17BBB376D64C}" srcId="{4D05C6E4-7807-4470-8B86-DC12A31097DC}" destId="{1FED0FEA-0033-4ACC-83EF-51BBE4BCC232}" srcOrd="2" destOrd="0" parTransId="{C3190221-DD1E-4CFC-981C-1D5E366F24A8}" sibTransId="{EEB9971C-78F0-4467-A4DA-50BBA7288063}"/>
+    <dgm:cxn modelId="{EE664E4B-5B7F-4A9D-94C8-513137E01400}" type="presOf" srcId="{065EED69-8A7E-435E-95A2-CF9DE5895F53}" destId="{15BE394C-9645-422A-AA30-98CBF83B8F4E}" srcOrd="1" destOrd="0" presId="urn:microsoft.com/office/officeart/2005/8/layout/process1"/>
+    <dgm:cxn modelId="{7FAF9646-E5D0-4BF1-81FA-CF9C630BD189}" type="presOf" srcId="{EEB9971C-78F0-4467-A4DA-50BBA7288063}" destId="{6B18B2E7-5647-4F95-BDA0-9AECB6F978DD}" srcOrd="1" destOrd="0" presId="urn:microsoft.com/office/officeart/2005/8/layout/process1"/>
+    <dgm:cxn modelId="{23C1B4ED-3300-488C-8B1F-42F77B17B2BE}" type="presOf" srcId="{065EED69-8A7E-435E-95A2-CF9DE5895F53}" destId="{5EDAD405-3EFC-48DE-A6CF-46DEE3A648E0}" srcOrd="0" destOrd="0" presId="urn:microsoft.com/office/officeart/2005/8/layout/process1"/>
     <dgm:cxn modelId="{FD579FEC-20CE-4E16-9BB0-D5EC53F50705}" type="presOf" srcId="{4D05C6E4-7807-4470-8B86-DC12A31097DC}" destId="{36527037-C323-4458-A2D1-F414AA7C1846}" srcOrd="0" destOrd="0" presId="urn:microsoft.com/office/officeart/2005/8/layout/process1"/>
-    <dgm:cxn modelId="{3D5F92ED-7BCF-46C8-81A4-EDBBE3ADD243}" srcId="{4D05C6E4-7807-4470-8B86-DC12A31097DC}" destId="{D49806E5-CDD2-4849-B042-9BD6BC9A8929}" srcOrd="3" destOrd="0" parTransId="{1800B50B-F56C-4083-AF45-A0B5C44CE70A}" sibTransId="{065EED69-8A7E-435E-95A2-CF9DE5895F53}"/>
-    <dgm:cxn modelId="{7FAF9646-E5D0-4BF1-81FA-CF9C630BD189}" type="presOf" srcId="{EEB9971C-78F0-4467-A4DA-50BBA7288063}" destId="{6B18B2E7-5647-4F95-BDA0-9AECB6F978DD}" srcOrd="1" destOrd="0" presId="urn:microsoft.com/office/officeart/2005/8/layout/process1"/>
+    <dgm:cxn modelId="{BF5F50D8-789C-4188-85BA-FB3AA193B7CB}" type="presOf" srcId="{2AC135F0-B6E4-4CE5-8AC3-074A1B888760}" destId="{EDD1F207-35A0-4411-AAF4-2A57409BF853}" srcOrd="0" destOrd="0" presId="urn:microsoft.com/office/officeart/2005/8/layout/process1"/>
     <dgm:cxn modelId="{4E58561C-9604-41A3-9A9B-00562598C45B}" type="presOf" srcId="{2AC135F0-B6E4-4CE5-8AC3-074A1B888760}" destId="{EF6BF1B2-F878-457D-8860-7DA911F800AE}" srcOrd="1" destOrd="0" presId="urn:microsoft.com/office/officeart/2005/8/layout/process1"/>
-    <dgm:cxn modelId="{EE664E4B-5B7F-4A9D-94C8-513137E01400}" type="presOf" srcId="{065EED69-8A7E-435E-95A2-CF9DE5895F53}" destId="{15BE394C-9645-422A-AA30-98CBF83B8F4E}" srcOrd="1" destOrd="0" presId="urn:microsoft.com/office/officeart/2005/8/layout/process1"/>
+    <dgm:cxn modelId="{F8AEBE07-6C33-4DF2-AA4F-6F34DDDAD1F5}" srcId="{4D05C6E4-7807-4470-8B86-DC12A31097DC}" destId="{31B22734-F6FB-419A-BD77-2350DD0F6B49}" srcOrd="0" destOrd="0" parTransId="{36CC5003-7725-4C46-8A2D-B4B85A47785D}" sibTransId="{4463C3AF-7CAC-4ED9-BCA5-C1898E1F3F4D}"/>
     <dgm:cxn modelId="{5BC9F7DA-6AC9-44E2-AF65-E6A0BCEF2EFF}" type="presOf" srcId="{EEEC67D3-D9D0-45F7-A811-93140D8C2CB7}" destId="{95997643-A050-4EBD-88B5-391ECF4192A9}" srcOrd="0" destOrd="0" presId="urn:microsoft.com/office/officeart/2005/8/layout/process1"/>
-    <dgm:cxn modelId="{521153A7-2F9E-4F40-BABD-8F9704724EC8}" type="presOf" srcId="{D49806E5-CDD2-4849-B042-9BD6BC9A8929}" destId="{3101D0D8-0331-4888-9ED7-843A16993582}" srcOrd="0" destOrd="0" presId="urn:microsoft.com/office/officeart/2005/8/layout/process1"/>
-    <dgm:cxn modelId="{F8AEBE07-6C33-4DF2-AA4F-6F34DDDAD1F5}" srcId="{4D05C6E4-7807-4470-8B86-DC12A31097DC}" destId="{31B22734-F6FB-419A-BD77-2350DD0F6B49}" srcOrd="0" destOrd="0" parTransId="{36CC5003-7725-4C46-8A2D-B4B85A47785D}" sibTransId="{4463C3AF-7CAC-4ED9-BCA5-C1898E1F3F4D}"/>
-    <dgm:cxn modelId="{59A73786-6827-45E7-A443-B2375C95DA20}" type="presOf" srcId="{31B22734-F6FB-419A-BD77-2350DD0F6B49}" destId="{40F4E242-EE64-44BF-9EEE-B9337E95EE8E}" srcOrd="0" destOrd="0" presId="urn:microsoft.com/office/officeart/2005/8/layout/process1"/>
-    <dgm:cxn modelId="{52C536D8-0389-49BF-B656-BC46888648AB}" srcId="{4D05C6E4-7807-4470-8B86-DC12A31097DC}" destId="{E079F2EC-7E16-4A6B-9EFA-8C0F1C2C40BB}" srcOrd="4" destOrd="0" parTransId="{82E648C8-5AE3-4278-B442-E37296E0999A}" sibTransId="{A14F33A3-F578-43CE-B34D-1CC59185FA98}"/>
-    <dgm:cxn modelId="{23C1B4ED-3300-488C-8B1F-42F77B17B2BE}" type="presOf" srcId="{065EED69-8A7E-435E-95A2-CF9DE5895F53}" destId="{5EDAD405-3EFC-48DE-A6CF-46DEE3A648E0}" srcOrd="0" destOrd="0" presId="urn:microsoft.com/office/officeart/2005/8/layout/process1"/>
-    <dgm:cxn modelId="{BF5F50D8-789C-4188-85BA-FB3AA193B7CB}" type="presOf" srcId="{2AC135F0-B6E4-4CE5-8AC3-074A1B888760}" destId="{EDD1F207-35A0-4411-AAF4-2A57409BF853}" srcOrd="0" destOrd="0" presId="urn:microsoft.com/office/officeart/2005/8/layout/process1"/>
-    <dgm:cxn modelId="{524D03A6-7CFC-436B-87E2-17BBB376D64C}" srcId="{4D05C6E4-7807-4470-8B86-DC12A31097DC}" destId="{1FED0FEA-0033-4ACC-83EF-51BBE4BCC232}" srcOrd="2" destOrd="0" parTransId="{C3190221-DD1E-4CFC-981C-1D5E366F24A8}" sibTransId="{EEB9971C-78F0-4467-A4DA-50BBA7288063}"/>
-    <dgm:cxn modelId="{0CF5132E-4C46-415B-A1F1-763B086DC8C0}" type="presOf" srcId="{4463C3AF-7CAC-4ED9-BCA5-C1898E1F3F4D}" destId="{F28D8A28-8FA0-4A30-92AB-5A7EC3FACEC9}" srcOrd="1" destOrd="0" presId="urn:microsoft.com/office/officeart/2005/8/layout/process1"/>
-    <dgm:cxn modelId="{C237BBEA-C84E-44CD-ADB2-37A33656D685}" type="presOf" srcId="{E079F2EC-7E16-4A6B-9EFA-8C0F1C2C40BB}" destId="{457B1BFB-5202-41F9-90AA-24D5756316D6}" srcOrd="0" destOrd="0" presId="urn:microsoft.com/office/officeart/2005/8/layout/process1"/>
-    <dgm:cxn modelId="{337A2C84-FC7F-4BC7-9396-ED643A5A6514}" type="presOf" srcId="{4463C3AF-7CAC-4ED9-BCA5-C1898E1F3F4D}" destId="{D7DC4059-E4A3-4B1D-81BD-2BB665B772EA}" srcOrd="0" destOrd="0" presId="urn:microsoft.com/office/officeart/2005/8/layout/process1"/>
-    <dgm:cxn modelId="{94420A20-E600-46A6-8744-B04AA6FF6D34}" type="presOf" srcId="{1FED0FEA-0033-4ACC-83EF-51BBE4BCC232}" destId="{C96D21D5-3C3D-4CDD-9B8F-D68421575C4C}" srcOrd="0" destOrd="0" presId="urn:microsoft.com/office/officeart/2005/8/layout/process1"/>
     <dgm:cxn modelId="{33A3257F-257A-47B0-9EDC-D468F0E43CF9}" srcId="{4D05C6E4-7807-4470-8B86-DC12A31097DC}" destId="{EEEC67D3-D9D0-45F7-A811-93140D8C2CB7}" srcOrd="1" destOrd="0" parTransId="{D652B26B-043E-45BC-BC05-0773827F8C0A}" sibTransId="{2AC135F0-B6E4-4CE5-8AC3-074A1B888760}"/>
     <dgm:cxn modelId="{C9789D94-57B9-4C87-AFC1-5231853F1118}" type="presOf" srcId="{EEB9971C-78F0-4467-A4DA-50BBA7288063}" destId="{F8F1C41C-6127-4024-96DB-042BEB47823E}" srcOrd="0" destOrd="0" presId="urn:microsoft.com/office/officeart/2005/8/layout/process1"/>
+    <dgm:cxn modelId="{3D5F92ED-7BCF-46C8-81A4-EDBBE3ADD243}" srcId="{4D05C6E4-7807-4470-8B86-DC12A31097DC}" destId="{D49806E5-CDD2-4849-B042-9BD6BC9A8929}" srcOrd="3" destOrd="0" parTransId="{1800B50B-F56C-4083-AF45-A0B5C44CE70A}" sibTransId="{065EED69-8A7E-435E-95A2-CF9DE5895F53}"/>
+    <dgm:cxn modelId="{337A2C84-FC7F-4BC7-9396-ED643A5A6514}" type="presOf" srcId="{4463C3AF-7CAC-4ED9-BCA5-C1898E1F3F4D}" destId="{D7DC4059-E4A3-4B1D-81BD-2BB665B772EA}" srcOrd="0" destOrd="0" presId="urn:microsoft.com/office/officeart/2005/8/layout/process1"/>
     <dgm:cxn modelId="{1212FD92-406C-424C-9C0D-FB661B470EC4}" type="presParOf" srcId="{36527037-C323-4458-A2D1-F414AA7C1846}" destId="{40F4E242-EE64-44BF-9EEE-B9337E95EE8E}" srcOrd="0" destOrd="0" presId="urn:microsoft.com/office/officeart/2005/8/layout/process1"/>
     <dgm:cxn modelId="{EABAFF96-8327-4EA2-AB58-AE84680FFABD}" type="presParOf" srcId="{36527037-C323-4458-A2D1-F414AA7C1846}" destId="{D7DC4059-E4A3-4B1D-81BD-2BB665B772EA}" srcOrd="1" destOrd="0" presId="urn:microsoft.com/office/officeart/2005/8/layout/process1"/>
     <dgm:cxn modelId="{46F2C53B-682B-4AE4-B42F-D5B81514A0BD}" type="presParOf" srcId="{D7DC4059-E4A3-4B1D-81BD-2BB665B772EA}" destId="{F28D8A28-8FA0-4A30-92AB-5A7EC3FACEC9}" srcOrd="0" destOrd="0" presId="urn:microsoft.com/office/officeart/2005/8/layout/process1"/>
@@ -3912,7 +4077,7 @@
   <dgm:whole/>
   <dgm:extLst>
     <a:ext uri="http://schemas.microsoft.com/office/drawing/2008/diagram">
-      <dsp:dataModelExt xmlns:dsp="http://schemas.microsoft.com/office/drawing/2008/diagram" relId="rId11" minVer="http://schemas.openxmlformats.org/drawingml/2006/diagram"/>
+      <dsp:dataModelExt xmlns:dsp="http://schemas.microsoft.com/office/drawing/2008/diagram" relId="rId12" minVer="http://schemas.openxmlformats.org/drawingml/2006/diagram"/>
     </a:ext>
   </dgm:extLst>
 </dgm:dataModel>
@@ -7861,7 +8026,7 @@
           <a:p>
             <a:fld id="{3AB83A17-A18D-42D6-833E-27450A3C79A5}" type="datetimeFigureOut">
               <a:rPr lang="en-AU" smtClean="0"/>
-              <a:t>25/05/2013</a:t>
+              <a:t>27/05/2013</a:t>
             </a:fld>
             <a:endParaRPr lang="en-AU"/>
           </a:p>
@@ -8179,68 +8344,31 @@
           <a:lstStyle/>
           <a:p>
             <a:r>
-              <a:rPr lang="en-US" sz="1800" dirty="0">
+              <a:rPr lang="en-US" dirty="0" smtClean="0">
                 <a:latin typeface="Times New Roman" pitchFamily="18" charset="0"/>
                 <a:ea typeface="ヒラギノ角ゴ Pro W3"/>
                 <a:cs typeface="ヒラギノ角ゴ Pro W3"/>
               </a:rPr>
-              <a:t>Triple Modular Redundancy (TMR) is a popular approach to mitigating the effects of SEUs</a:t>
-            </a:r>
-          </a:p>
-          <a:p>
-            <a:pPr lvl="1"/>
-            <a:r>
-              <a:rPr lang="en-US" sz="1500" dirty="0">
+              <a:t>c.f.</a:t>
+            </a:r>
+            <a:r>
+              <a:rPr lang="en-US" baseline="0" dirty="0" smtClean="0">
                 <a:latin typeface="Times New Roman" pitchFamily="18" charset="0"/>
                 <a:ea typeface="ヒラギノ角ゴ Pro W3"/>
                 <a:cs typeface="ヒラギノ角ゴ Pro W3"/>
               </a:rPr>
-              <a:t>The user design is triplicated and the outputs from each module are fed into a voting circuit to determine the correct output value</a:t>
-            </a:r>
-          </a:p>
-          <a:p>
-            <a:r>
-              <a:rPr lang="en-US" sz="1800" dirty="0">
+              <a:t> scrubbing. Reconfigure entire circuit.</a:t>
+            </a:r>
+          </a:p>
+          <a:p>
+            <a:r>
+              <a:rPr lang="en-US" baseline="0" dirty="0" smtClean="0">
                 <a:latin typeface="Times New Roman" pitchFamily="18" charset="0"/>
                 <a:ea typeface="ヒラギノ角ゴ Pro W3"/>
                 <a:cs typeface="ヒラギノ角ゴ Pro W3"/>
               </a:rPr>
-              <a:t>TMR significantly improves system reliability and availability in the presence of SEUs </a:t>
-            </a:r>
-          </a:p>
-          <a:p>
-            <a:r>
-              <a:rPr lang="en-US" sz="1800" dirty="0">
-                <a:latin typeface="Times New Roman" pitchFamily="18" charset="0"/>
-                <a:ea typeface="ヒラギノ角ゴ Pro W3"/>
-                <a:cs typeface="ヒラギノ角ゴ Pro W3"/>
-              </a:rPr>
-              <a:t>However, TMR results in substantial overhead in terms of area and power consumption.</a:t>
-            </a:r>
-          </a:p>
-          <a:p>
-            <a:pPr lvl="1"/>
-            <a:r>
-              <a:rPr lang="en-US" sz="1500" dirty="0">
-                <a:latin typeface="Times New Roman" pitchFamily="18" charset="0"/>
-                <a:ea typeface="ヒラギノ角ゴ Pro W3"/>
-                <a:cs typeface="ヒラギノ角ゴ Pro W3"/>
-              </a:rPr>
-              <a:t>selective/partial TMR and voter insertion has been used to minimize the overheads associated with TMR, in terms of area, clock speed and power consumption</a:t>
-            </a:r>
-          </a:p>
-          <a:p>
-            <a:pPr lvl="1"/>
-            <a:r>
-              <a:rPr lang="en-US" sz="1500" dirty="0">
-                <a:latin typeface="Times New Roman" pitchFamily="18" charset="0"/>
-                <a:ea typeface="ヒラギノ角ゴ Pro W3"/>
-                <a:cs typeface="ヒラギノ角ゴ Pro W3"/>
-              </a:rPr>
-              <a:t>Comes at the cost of reduced system reliability and availability, which may be undesirable for some applications</a:t>
-            </a:r>
-          </a:p>
-          <a:p>
+              <a:t>Tradeoffs larger/smaller partitions</a:t>
+            </a:r>
             <a:endParaRPr lang="en-US" dirty="0" smtClean="0">
               <a:latin typeface="Times New Roman" pitchFamily="18" charset="0"/>
               <a:ea typeface="ヒラギノ角ゴ Pro W3"/>
@@ -8419,6 +8547,14 @@
           <a:bodyPr/>
           <a:lstStyle/>
           <a:p>
+            <a:r>
+              <a:rPr lang="en-AU" dirty="0" smtClean="0"/>
+              <a:t>Partition,</a:t>
+            </a:r>
+            <a:r>
+              <a:rPr lang="en-AU" baseline="0" dirty="0" smtClean="0"/>
+              <a:t> Triplicate and Join written myself, Flatten and Test use ABC.</a:t>
+            </a:r>
             <a:endParaRPr lang="en-AU" dirty="0"/>
           </a:p>
         </p:txBody>
@@ -8440,7 +8576,191 @@
           <a:p>
             <a:fld id="{CEC56B86-64AF-4FF7-832F-5FA704021CE4}" type="slidenum">
               <a:rPr lang="en-AU" smtClean="0"/>
-              <a:t>7</a:t>
+              <a:t>4</a:t>
+            </a:fld>
+            <a:endParaRPr lang="en-AU"/>
+          </a:p>
+        </p:txBody>
+      </p:sp>
+    </p:spTree>
+    <p:extLst>
+      <p:ext uri="{BB962C8B-B14F-4D97-AF65-F5344CB8AC3E}">
+        <p14:creationId xmlns:p14="http://schemas.microsoft.com/office/powerpoint/2010/main" val="395858836"/>
+      </p:ext>
+    </p:extLst>
+  </p:cSld>
+  <p:clrMapOvr>
+    <a:masterClrMapping/>
+  </p:clrMapOvr>
+</p:notes>
+</file>
+
+<file path=ppt/notesSlides/notesSlide3.xml><?xml version="1.0" encoding="utf-8"?>
+<p:notes xmlns:a="http://schemas.openxmlformats.org/drawingml/2006/main" xmlns:r="http://schemas.openxmlformats.org/officeDocument/2006/relationships" xmlns:p="http://schemas.openxmlformats.org/presentationml/2006/main">
+  <p:cSld>
+    <p:spTree>
+      <p:nvGrpSpPr>
+        <p:cNvPr id="1" name=""/>
+        <p:cNvGrpSpPr/>
+        <p:nvPr/>
+      </p:nvGrpSpPr>
+      <p:grpSpPr>
+        <a:xfrm>
+          <a:off x="0" y="0"/>
+          <a:ext cx="0" cy="0"/>
+          <a:chOff x="0" y="0"/>
+          <a:chExt cx="0" cy="0"/>
+        </a:xfrm>
+      </p:grpSpPr>
+      <p:sp>
+        <p:nvSpPr>
+          <p:cNvPr id="2" name="Slide Image Placeholder 1"/>
+          <p:cNvSpPr>
+            <a:spLocks noGrp="1" noRot="1" noChangeAspect="1"/>
+          </p:cNvSpPr>
+          <p:nvPr>
+            <p:ph type="sldImg"/>
+          </p:nvPr>
+        </p:nvSpPr>
+        <p:spPr/>
+      </p:sp>
+      <p:sp>
+        <p:nvSpPr>
+          <p:cNvPr id="3" name="Notes Placeholder 2"/>
+          <p:cNvSpPr>
+            <a:spLocks noGrp="1"/>
+          </p:cNvSpPr>
+          <p:nvPr>
+            <p:ph type="body" idx="1"/>
+          </p:nvPr>
+        </p:nvSpPr>
+        <p:spPr/>
+        <p:txBody>
+          <a:bodyPr/>
+          <a:lstStyle/>
+          <a:p>
+            <a:r>
+              <a:rPr lang="en-AU" dirty="0" smtClean="0"/>
+              <a:t>Tried breadth first traversal. Much slower. End up cutting lots of edges</a:t>
+            </a:r>
+            <a:r>
+              <a:rPr lang="en-AU" baseline="0" dirty="0" smtClean="0"/>
+              <a:t> -&gt; almost voter per circuit element. Average 100% </a:t>
+            </a:r>
+            <a:r>
+              <a:rPr lang="en-AU" baseline="0" dirty="0" err="1" smtClean="0"/>
+              <a:t>vs</a:t>
+            </a:r>
+            <a:r>
+              <a:rPr lang="en-AU" baseline="0" dirty="0" smtClean="0"/>
+              <a:t> 60% slowdown for small partitions.</a:t>
+            </a:r>
+            <a:endParaRPr lang="en-AU" dirty="0"/>
+          </a:p>
+        </p:txBody>
+      </p:sp>
+      <p:sp>
+        <p:nvSpPr>
+          <p:cNvPr id="4" name="Slide Number Placeholder 3"/>
+          <p:cNvSpPr>
+            <a:spLocks noGrp="1"/>
+          </p:cNvSpPr>
+          <p:nvPr>
+            <p:ph type="sldNum" sz="quarter" idx="10"/>
+          </p:nvPr>
+        </p:nvSpPr>
+        <p:spPr/>
+        <p:txBody>
+          <a:bodyPr/>
+          <a:lstStyle/>
+          <a:p>
+            <a:fld id="{CEC56B86-64AF-4FF7-832F-5FA704021CE4}" type="slidenum">
+              <a:rPr lang="en-AU" smtClean="0"/>
+              <a:t>5</a:t>
+            </a:fld>
+            <a:endParaRPr lang="en-AU"/>
+          </a:p>
+        </p:txBody>
+      </p:sp>
+    </p:spTree>
+    <p:extLst>
+      <p:ext uri="{BB962C8B-B14F-4D97-AF65-F5344CB8AC3E}">
+        <p14:creationId xmlns:p14="http://schemas.microsoft.com/office/powerpoint/2010/main" val="1992078882"/>
+      </p:ext>
+    </p:extLst>
+  </p:cSld>
+  <p:clrMapOvr>
+    <a:masterClrMapping/>
+  </p:clrMapOvr>
+</p:notes>
+</file>
+
+<file path=ppt/notesSlides/notesSlide4.xml><?xml version="1.0" encoding="utf-8"?>
+<p:notes xmlns:a="http://schemas.openxmlformats.org/drawingml/2006/main" xmlns:r="http://schemas.openxmlformats.org/officeDocument/2006/relationships" xmlns:p="http://schemas.openxmlformats.org/presentationml/2006/main">
+  <p:cSld>
+    <p:spTree>
+      <p:nvGrpSpPr>
+        <p:cNvPr id="1" name=""/>
+        <p:cNvGrpSpPr/>
+        <p:nvPr/>
+      </p:nvGrpSpPr>
+      <p:grpSpPr>
+        <a:xfrm>
+          <a:off x="0" y="0"/>
+          <a:ext cx="0" cy="0"/>
+          <a:chOff x="0" y="0"/>
+          <a:chExt cx="0" cy="0"/>
+        </a:xfrm>
+      </p:grpSpPr>
+      <p:sp>
+        <p:nvSpPr>
+          <p:cNvPr id="2" name="Slide Image Placeholder 1"/>
+          <p:cNvSpPr>
+            <a:spLocks noGrp="1" noRot="1" noChangeAspect="1"/>
+          </p:cNvSpPr>
+          <p:nvPr>
+            <p:ph type="sldImg"/>
+          </p:nvPr>
+        </p:nvSpPr>
+        <p:spPr/>
+      </p:sp>
+      <p:sp>
+        <p:nvSpPr>
+          <p:cNvPr id="3" name="Notes Placeholder 2"/>
+          <p:cNvSpPr>
+            <a:spLocks noGrp="1"/>
+          </p:cNvSpPr>
+          <p:nvPr>
+            <p:ph type="body" idx="1"/>
+          </p:nvPr>
+        </p:nvSpPr>
+        <p:spPr/>
+        <p:txBody>
+          <a:bodyPr/>
+          <a:lstStyle/>
+          <a:p>
+            <a:endParaRPr lang="en-AU" dirty="0"/>
+          </a:p>
+        </p:txBody>
+      </p:sp>
+      <p:sp>
+        <p:nvSpPr>
+          <p:cNvPr id="4" name="Slide Number Placeholder 3"/>
+          <p:cNvSpPr>
+            <a:spLocks noGrp="1"/>
+          </p:cNvSpPr>
+          <p:nvPr>
+            <p:ph type="sldNum" sz="quarter" idx="10"/>
+          </p:nvPr>
+        </p:nvSpPr>
+        <p:spPr/>
+        <p:txBody>
+          <a:bodyPr/>
+          <a:lstStyle/>
+          <a:p>
+            <a:fld id="{CEC56B86-64AF-4FF7-832F-5FA704021CE4}" type="slidenum">
+              <a:rPr lang="en-AU" smtClean="0"/>
+              <a:t>6</a:t>
             </a:fld>
             <a:endParaRPr lang="en-AU"/>
           </a:p>
@@ -8450,6 +8770,186 @@
     <p:extLst>
       <p:ext uri="{BB962C8B-B14F-4D97-AF65-F5344CB8AC3E}">
         <p14:creationId xmlns:p14="http://schemas.microsoft.com/office/powerpoint/2010/main" val="383620848"/>
+      </p:ext>
+    </p:extLst>
+  </p:cSld>
+  <p:clrMapOvr>
+    <a:masterClrMapping/>
+  </p:clrMapOvr>
+</p:notes>
+</file>
+
+<file path=ppt/notesSlides/notesSlide5.xml><?xml version="1.0" encoding="utf-8"?>
+<p:notes xmlns:a="http://schemas.openxmlformats.org/drawingml/2006/main" xmlns:r="http://schemas.openxmlformats.org/officeDocument/2006/relationships" xmlns:p="http://schemas.openxmlformats.org/presentationml/2006/main">
+  <p:cSld>
+    <p:spTree>
+      <p:nvGrpSpPr>
+        <p:cNvPr id="1" name=""/>
+        <p:cNvGrpSpPr/>
+        <p:nvPr/>
+      </p:nvGrpSpPr>
+      <p:grpSpPr>
+        <a:xfrm>
+          <a:off x="0" y="0"/>
+          <a:ext cx="0" cy="0"/>
+          <a:chOff x="0" y="0"/>
+          <a:chExt cx="0" cy="0"/>
+        </a:xfrm>
+      </p:grpSpPr>
+      <p:sp>
+        <p:nvSpPr>
+          <p:cNvPr id="2" name="Slide Image Placeholder 1"/>
+          <p:cNvSpPr>
+            <a:spLocks noGrp="1" noRot="1" noChangeAspect="1"/>
+          </p:cNvSpPr>
+          <p:nvPr>
+            <p:ph type="sldImg"/>
+          </p:nvPr>
+        </p:nvSpPr>
+        <p:spPr/>
+      </p:sp>
+      <p:sp>
+        <p:nvSpPr>
+          <p:cNvPr id="3" name="Notes Placeholder 2"/>
+          <p:cNvSpPr>
+            <a:spLocks noGrp="1"/>
+          </p:cNvSpPr>
+          <p:nvPr>
+            <p:ph type="body" idx="1"/>
+          </p:nvPr>
+        </p:nvSpPr>
+        <p:spPr/>
+        <p:txBody>
+          <a:bodyPr/>
+          <a:lstStyle/>
+          <a:p>
+            <a:r>
+              <a:rPr lang="en-AU" dirty="0" smtClean="0"/>
+              <a:t>Note – unbalanced.</a:t>
+            </a:r>
+            <a:r>
+              <a:rPr lang="en-AU" baseline="0" dirty="0" smtClean="0"/>
+              <a:t> Large differences in chain length, number of outputs. Less than optimal.</a:t>
+            </a:r>
+            <a:endParaRPr lang="en-AU" dirty="0"/>
+          </a:p>
+        </p:txBody>
+      </p:sp>
+      <p:sp>
+        <p:nvSpPr>
+          <p:cNvPr id="4" name="Slide Number Placeholder 3"/>
+          <p:cNvSpPr>
+            <a:spLocks noGrp="1"/>
+          </p:cNvSpPr>
+          <p:nvPr>
+            <p:ph type="sldNum" sz="quarter" idx="10"/>
+          </p:nvPr>
+        </p:nvSpPr>
+        <p:spPr/>
+        <p:txBody>
+          <a:bodyPr/>
+          <a:lstStyle/>
+          <a:p>
+            <a:fld id="{CEC56B86-64AF-4FF7-832F-5FA704021CE4}" type="slidenum">
+              <a:rPr lang="en-AU" smtClean="0"/>
+              <a:t>7</a:t>
+            </a:fld>
+            <a:endParaRPr lang="en-AU"/>
+          </a:p>
+        </p:txBody>
+      </p:sp>
+    </p:spTree>
+    <p:extLst>
+      <p:ext uri="{BB962C8B-B14F-4D97-AF65-F5344CB8AC3E}">
+        <p14:creationId xmlns:p14="http://schemas.microsoft.com/office/powerpoint/2010/main" val="3802823024"/>
+      </p:ext>
+    </p:extLst>
+  </p:cSld>
+  <p:clrMapOvr>
+    <a:masterClrMapping/>
+  </p:clrMapOvr>
+</p:notes>
+</file>
+
+<file path=ppt/notesSlides/notesSlide6.xml><?xml version="1.0" encoding="utf-8"?>
+<p:notes xmlns:a="http://schemas.openxmlformats.org/drawingml/2006/main" xmlns:r="http://schemas.openxmlformats.org/officeDocument/2006/relationships" xmlns:p="http://schemas.openxmlformats.org/presentationml/2006/main">
+  <p:cSld>
+    <p:spTree>
+      <p:nvGrpSpPr>
+        <p:cNvPr id="1" name=""/>
+        <p:cNvGrpSpPr/>
+        <p:nvPr/>
+      </p:nvGrpSpPr>
+      <p:grpSpPr>
+        <a:xfrm>
+          <a:off x="0" y="0"/>
+          <a:ext cx="0" cy="0"/>
+          <a:chOff x="0" y="0"/>
+          <a:chExt cx="0" cy="0"/>
+        </a:xfrm>
+      </p:grpSpPr>
+      <p:sp>
+        <p:nvSpPr>
+          <p:cNvPr id="2" name="Slide Image Placeholder 1"/>
+          <p:cNvSpPr>
+            <a:spLocks noGrp="1" noRot="1" noChangeAspect="1"/>
+          </p:cNvSpPr>
+          <p:nvPr>
+            <p:ph type="sldImg"/>
+          </p:nvPr>
+        </p:nvSpPr>
+        <p:spPr/>
+      </p:sp>
+      <p:sp>
+        <p:nvSpPr>
+          <p:cNvPr id="3" name="Notes Placeholder 2"/>
+          <p:cNvSpPr>
+            <a:spLocks noGrp="1"/>
+          </p:cNvSpPr>
+          <p:nvPr>
+            <p:ph type="body" idx="1"/>
+          </p:nvPr>
+        </p:nvSpPr>
+        <p:spPr/>
+        <p:txBody>
+          <a:bodyPr/>
+          <a:lstStyle/>
+          <a:p>
+            <a:r>
+              <a:rPr lang="en-AU" dirty="0" smtClean="0"/>
+              <a:t>Need to average across more runs still</a:t>
+            </a:r>
+            <a:endParaRPr lang="en-AU" dirty="0"/>
+          </a:p>
+        </p:txBody>
+      </p:sp>
+      <p:sp>
+        <p:nvSpPr>
+          <p:cNvPr id="4" name="Slide Number Placeholder 3"/>
+          <p:cNvSpPr>
+            <a:spLocks noGrp="1"/>
+          </p:cNvSpPr>
+          <p:nvPr>
+            <p:ph type="sldNum" sz="quarter" idx="10"/>
+          </p:nvPr>
+        </p:nvSpPr>
+        <p:spPr/>
+        <p:txBody>
+          <a:bodyPr/>
+          <a:lstStyle/>
+          <a:p>
+            <a:fld id="{CEC56B86-64AF-4FF7-832F-5FA704021CE4}" type="slidenum">
+              <a:rPr lang="en-AU" smtClean="0"/>
+              <a:t>9</a:t>
+            </a:fld>
+            <a:endParaRPr lang="en-AU"/>
+          </a:p>
+        </p:txBody>
+      </p:sp>
+    </p:spTree>
+    <p:extLst>
+      <p:ext uri="{BB962C8B-B14F-4D97-AF65-F5344CB8AC3E}">
+        <p14:creationId xmlns:p14="http://schemas.microsoft.com/office/powerpoint/2010/main" val="1283973016"/>
       </p:ext>
     </p:extLst>
   </p:cSld>
@@ -8638,9 +9138,9 @@
           <a:bodyPr/>
           <a:lstStyle/>
           <a:p>
-            <a:fld id="{F7D867B1-BE59-4B7E-89AB-A6692B9502DC}" type="datetimeFigureOut">
+            <a:fld id="{B6796758-3FCD-42E0-B75A-8F579C3591EA}" type="datetime1">
               <a:rPr lang="en-AU" smtClean="0"/>
-              <a:t>25/05/2013</a:t>
+              <a:t>27/05/2013</a:t>
             </a:fld>
             <a:endParaRPr lang="en-AU"/>
           </a:p>
@@ -8808,9 +9308,9 @@
           <a:bodyPr/>
           <a:lstStyle/>
           <a:p>
-            <a:fld id="{F7D867B1-BE59-4B7E-89AB-A6692B9502DC}" type="datetimeFigureOut">
+            <a:fld id="{2EF36707-0BE1-4BC7-9BF4-5F53CF6F4EB7}" type="datetime1">
               <a:rPr lang="en-AU" smtClean="0"/>
-              <a:t>25/05/2013</a:t>
+              <a:t>27/05/2013</a:t>
             </a:fld>
             <a:endParaRPr lang="en-AU"/>
           </a:p>
@@ -8988,9 +9488,9 @@
           <a:bodyPr/>
           <a:lstStyle/>
           <a:p>
-            <a:fld id="{F7D867B1-BE59-4B7E-89AB-A6692B9502DC}" type="datetimeFigureOut">
+            <a:fld id="{F03DCC74-2596-4AFB-A5B3-F9E21187B50B}" type="datetime1">
               <a:rPr lang="en-AU" smtClean="0"/>
-              <a:t>25/05/2013</a:t>
+              <a:t>27/05/2013</a:t>
             </a:fld>
             <a:endParaRPr lang="en-AU"/>
           </a:p>
@@ -9158,9 +9658,9 @@
           <a:bodyPr/>
           <a:lstStyle/>
           <a:p>
-            <a:fld id="{F7D867B1-BE59-4B7E-89AB-A6692B9502DC}" type="datetimeFigureOut">
+            <a:fld id="{7F5FEC09-0DB1-4A93-B747-BE92A28E2322}" type="datetime1">
               <a:rPr lang="en-AU" smtClean="0"/>
-              <a:t>25/05/2013</a:t>
+              <a:t>27/05/2013</a:t>
             </a:fld>
             <a:endParaRPr lang="en-AU"/>
           </a:p>
@@ -9404,9 +9904,9 @@
           <a:bodyPr/>
           <a:lstStyle/>
           <a:p>
-            <a:fld id="{F7D867B1-BE59-4B7E-89AB-A6692B9502DC}" type="datetimeFigureOut">
+            <a:fld id="{91ECF9B8-88F5-45B2-A925-92FC07809AB2}" type="datetime1">
               <a:rPr lang="en-AU" smtClean="0"/>
-              <a:t>25/05/2013</a:t>
+              <a:t>27/05/2013</a:t>
             </a:fld>
             <a:endParaRPr lang="en-AU"/>
           </a:p>
@@ -9692,9 +10192,9 @@
           <a:bodyPr/>
           <a:lstStyle/>
           <a:p>
-            <a:fld id="{F7D867B1-BE59-4B7E-89AB-A6692B9502DC}" type="datetimeFigureOut">
+            <a:fld id="{8180AEED-7FDD-4AF1-92F9-CEB82D953C98}" type="datetime1">
               <a:rPr lang="en-AU" smtClean="0"/>
-              <a:t>25/05/2013</a:t>
+              <a:t>27/05/2013</a:t>
             </a:fld>
             <a:endParaRPr lang="en-AU"/>
           </a:p>
@@ -10114,9 +10614,9 @@
           <a:bodyPr/>
           <a:lstStyle/>
           <a:p>
-            <a:fld id="{F7D867B1-BE59-4B7E-89AB-A6692B9502DC}" type="datetimeFigureOut">
+            <a:fld id="{6BFAE6B9-7988-42A8-8E77-E6F19139FDDF}" type="datetime1">
               <a:rPr lang="en-AU" smtClean="0"/>
-              <a:t>25/05/2013</a:t>
+              <a:t>27/05/2013</a:t>
             </a:fld>
             <a:endParaRPr lang="en-AU"/>
           </a:p>
@@ -10232,9 +10732,9 @@
           <a:bodyPr/>
           <a:lstStyle/>
           <a:p>
-            <a:fld id="{F7D867B1-BE59-4B7E-89AB-A6692B9502DC}" type="datetimeFigureOut">
+            <a:fld id="{651E66D8-761E-4E0C-8FEA-08954E83D36D}" type="datetime1">
               <a:rPr lang="en-AU" smtClean="0"/>
-              <a:t>25/05/2013</a:t>
+              <a:t>27/05/2013</a:t>
             </a:fld>
             <a:endParaRPr lang="en-AU"/>
           </a:p>
@@ -10327,9 +10827,9 @@
           <a:bodyPr/>
           <a:lstStyle/>
           <a:p>
-            <a:fld id="{F7D867B1-BE59-4B7E-89AB-A6692B9502DC}" type="datetimeFigureOut">
+            <a:fld id="{FAC0D72C-60F1-4959-8C39-532DED80F40D}" type="datetime1">
               <a:rPr lang="en-AU" smtClean="0"/>
-              <a:t>25/05/2013</a:t>
+              <a:t>27/05/2013</a:t>
             </a:fld>
             <a:endParaRPr lang="en-AU"/>
           </a:p>
@@ -10604,9 +11104,9 @@
           <a:bodyPr/>
           <a:lstStyle/>
           <a:p>
-            <a:fld id="{F7D867B1-BE59-4B7E-89AB-A6692B9502DC}" type="datetimeFigureOut">
+            <a:fld id="{3A4FA90A-2AB0-46C9-9244-978569C2F0B1}" type="datetime1">
               <a:rPr lang="en-AU" smtClean="0"/>
-              <a:t>25/05/2013</a:t>
+              <a:t>27/05/2013</a:t>
             </a:fld>
             <a:endParaRPr lang="en-AU"/>
           </a:p>
@@ -10857,9 +11357,9 @@
           <a:bodyPr/>
           <a:lstStyle/>
           <a:p>
-            <a:fld id="{F7D867B1-BE59-4B7E-89AB-A6692B9502DC}" type="datetimeFigureOut">
+            <a:fld id="{1A0402DD-832E-4152-87DD-455356FA79F7}" type="datetime1">
               <a:rPr lang="en-AU" smtClean="0"/>
-              <a:t>25/05/2013</a:t>
+              <a:t>27/05/2013</a:t>
             </a:fld>
             <a:endParaRPr lang="en-AU"/>
           </a:p>
@@ -10924,9 +11424,12 @@
 <p:sldMaster xmlns:a="http://schemas.openxmlformats.org/drawingml/2006/main" xmlns:r="http://schemas.openxmlformats.org/officeDocument/2006/relationships" xmlns:p="http://schemas.openxmlformats.org/presentationml/2006/main">
   <p:cSld>
     <p:bg>
-      <p:bgRef idx="1001">
-        <a:schemeClr val="bg1"/>
-      </p:bgRef>
+      <p:bgPr>
+        <a:solidFill>
+          <a:schemeClr val="bg1"/>
+        </a:solidFill>
+        <a:effectLst/>
+      </p:bgPr>
     </p:bg>
     <p:spTree>
       <p:nvGrpSpPr>
@@ -11070,9 +11573,9 @@
             </a:lvl1pPr>
           </a:lstStyle>
           <a:p>
-            <a:fld id="{F7D867B1-BE59-4B7E-89AB-A6692B9502DC}" type="datetimeFigureOut">
+            <a:fld id="{F1B084A3-FE2D-4678-AA25-2553D73D47EF}" type="datetime1">
               <a:rPr lang="en-AU" smtClean="0"/>
-              <a:t>25/05/2013</a:t>
+              <a:t>27/05/2013</a:t>
             </a:fld>
             <a:endParaRPr lang="en-AU"/>
           </a:p>
@@ -11177,6 +11680,7 @@
     <p:sldLayoutId id="2147483658" r:id="rId10"/>
     <p:sldLayoutId id="2147483659" r:id="rId11"/>
   </p:sldLayoutIdLst>
+  <p:hf hdr="0" ftr="0" dt="0"/>
   <p:txStyles>
     <p:titleStyle>
       <a:lvl1pPr algn="ctr" defTabSz="914400" rtl="0" eaLnBrk="1" latinLnBrk="0" hangingPunct="1">
@@ -11553,556 +12057,6 @@
             <p:ph type="title"/>
           </p:nvPr>
         </p:nvSpPr>
-        <p:spPr>
-          <a:xfrm>
-            <a:off x="467544" y="0"/>
-            <a:ext cx="8229600" cy="692696"/>
-          </a:xfrm>
-        </p:spPr>
-        <p:txBody>
-          <a:bodyPr>
-            <a:normAutofit fontScale="90000"/>
-          </a:bodyPr>
-          <a:lstStyle/>
-          <a:p>
-            <a:r>
-              <a:rPr lang="en-AU" dirty="0" smtClean="0"/>
-              <a:t>Results</a:t>
-            </a:r>
-            <a:endParaRPr lang="en-AU" dirty="0"/>
-          </a:p>
-        </p:txBody>
-      </p:sp>
-      <p:graphicFrame>
-        <p:nvGraphicFramePr>
-          <p:cNvPr id="4" name="Content Placeholder 3"/>
-          <p:cNvGraphicFramePr>
-            <a:graphicFrameLocks noGrp="1" noChangeAspect="1"/>
-          </p:cNvGraphicFramePr>
-          <p:nvPr>
-            <p:ph idx="1"/>
-            <p:extLst>
-              <p:ext uri="{D42A27DB-BD31-4B8C-83A1-F6EECF244321}">
-                <p14:modId xmlns:p14="http://schemas.microsoft.com/office/powerpoint/2010/main" val="4050929072"/>
-              </p:ext>
-            </p:extLst>
-          </p:nvPr>
-        </p:nvGraphicFramePr>
-        <p:xfrm>
-          <a:off x="539553" y="836712"/>
-          <a:ext cx="8064896" cy="5289451"/>
-        </p:xfrm>
-        <a:graphic>
-          <a:graphicData uri="http://schemas.openxmlformats.org/presentationml/2006/ole">
-            <mc:AlternateContent xmlns:mc="http://schemas.openxmlformats.org/markup-compatibility/2006">
-              <mc:Choice xmlns:v="urn:schemas-microsoft-com:vml" Requires="v">
-                <p:oleObj spid="_x0000_s4104" name="Worksheet" r:id="rId3" imgW="6743599" imgH="5152950" progId="Excel.Sheet.12">
-                  <p:embed/>
-                </p:oleObj>
-              </mc:Choice>
-              <mc:Fallback>
-                <p:oleObj name="Worksheet" r:id="rId3" imgW="6743599" imgH="5152950" progId="Excel.Sheet.12">
-                  <p:embed/>
-                  <p:pic>
-                    <p:nvPicPr>
-                      <p:cNvPr id="0" name=""/>
-                      <p:cNvPicPr/>
-                      <p:nvPr/>
-                    </p:nvPicPr>
-                    <p:blipFill>
-                      <a:blip r:embed="rId4"/>
-                      <a:stretch>
-                        <a:fillRect/>
-                      </a:stretch>
-                    </p:blipFill>
-                    <p:spPr>
-                      <a:xfrm>
-                        <a:off x="539553" y="836712"/>
-                        <a:ext cx="8064896" cy="5289451"/>
-                      </a:xfrm>
-                      <a:prstGeom prst="rect">
-                        <a:avLst/>
-                      </a:prstGeom>
-                    </p:spPr>
-                  </p:pic>
-                </p:oleObj>
-              </mc:Fallback>
-            </mc:AlternateContent>
-          </a:graphicData>
-        </a:graphic>
-      </p:graphicFrame>
-    </p:spTree>
-    <p:extLst>
-      <p:ext uri="{BB962C8B-B14F-4D97-AF65-F5344CB8AC3E}">
-        <p14:creationId xmlns:p14="http://schemas.microsoft.com/office/powerpoint/2010/main" val="1048836920"/>
-      </p:ext>
-    </p:extLst>
-  </p:cSld>
-  <p:clrMapOvr>
-    <a:masterClrMapping/>
-  </p:clrMapOvr>
-  <p:timing>
-    <p:tnLst>
-      <p:par>
-        <p:cTn id="1" dur="indefinite" restart="never" nodeType="tmRoot"/>
-      </p:par>
-    </p:tnLst>
-  </p:timing>
-</p:sld>
-</file>
-
-<file path=ppt/slides/slide11.xml><?xml version="1.0" encoding="utf-8"?>
-<p:sld xmlns:a="http://schemas.openxmlformats.org/drawingml/2006/main" xmlns:r="http://schemas.openxmlformats.org/officeDocument/2006/relationships" xmlns:p="http://schemas.openxmlformats.org/presentationml/2006/main">
-  <p:cSld>
-    <p:spTree>
-      <p:nvGrpSpPr>
-        <p:cNvPr id="1" name=""/>
-        <p:cNvGrpSpPr/>
-        <p:nvPr/>
-      </p:nvGrpSpPr>
-      <p:grpSpPr>
-        <a:xfrm>
-          <a:off x="0" y="0"/>
-          <a:ext cx="0" cy="0"/>
-          <a:chOff x="0" y="0"/>
-          <a:chExt cx="0" cy="0"/>
-        </a:xfrm>
-      </p:grpSpPr>
-      <p:sp>
-        <p:nvSpPr>
-          <p:cNvPr id="2" name="Title 1"/>
-          <p:cNvSpPr>
-            <a:spLocks noGrp="1"/>
-          </p:cNvSpPr>
-          <p:nvPr>
-            <p:ph type="title"/>
-          </p:nvPr>
-        </p:nvSpPr>
-        <p:spPr/>
-        <p:txBody>
-          <a:bodyPr/>
-          <a:lstStyle/>
-          <a:p>
-            <a:r>
-              <a:rPr lang="en-AU" dirty="0" smtClean="0"/>
-              <a:t>Results</a:t>
-            </a:r>
-            <a:endParaRPr lang="en-AU" dirty="0"/>
-          </a:p>
-        </p:txBody>
-      </p:sp>
-      <p:sp>
-        <p:nvSpPr>
-          <p:cNvPr id="3" name="Content Placeholder 2"/>
-          <p:cNvSpPr>
-            <a:spLocks noGrp="1"/>
-          </p:cNvSpPr>
-          <p:nvPr>
-            <p:ph idx="1"/>
-          </p:nvPr>
-        </p:nvSpPr>
-        <p:spPr>
-          <a:xfrm>
-            <a:off x="457200" y="1600201"/>
-            <a:ext cx="8229600" cy="3196952"/>
-          </a:xfrm>
-        </p:spPr>
-        <p:txBody>
-          <a:bodyPr>
-            <a:normAutofit lnSpcReduction="10000"/>
-          </a:bodyPr>
-          <a:lstStyle/>
-          <a:p>
-            <a:r>
-              <a:rPr lang="en-AU" dirty="0" smtClean="0"/>
-              <a:t>Placer uses simulated annealing -&gt; Random factor.</a:t>
-            </a:r>
-          </a:p>
-          <a:p>
-            <a:r>
-              <a:rPr lang="en-AU" dirty="0" smtClean="0"/>
-              <a:t>Generally runs are within 10-20%, but some outliers.</a:t>
-            </a:r>
-          </a:p>
-          <a:p>
-            <a:r>
-              <a:rPr lang="en-AU" dirty="0" smtClean="0"/>
-              <a:t>Need to take average across multiple runs (aiming for 10 runs).</a:t>
-            </a:r>
-          </a:p>
-        </p:txBody>
-      </p:sp>
-      <p:graphicFrame>
-        <p:nvGraphicFramePr>
-          <p:cNvPr id="4" name="Object 3"/>
-          <p:cNvGraphicFramePr>
-            <a:graphicFrameLocks noChangeAspect="1"/>
-          </p:cNvGraphicFramePr>
-          <p:nvPr>
-            <p:extLst>
-              <p:ext uri="{D42A27DB-BD31-4B8C-83A1-F6EECF244321}">
-                <p14:modId xmlns:p14="http://schemas.microsoft.com/office/powerpoint/2010/main" val="1475912135"/>
-              </p:ext>
-            </p:extLst>
-          </p:nvPr>
-        </p:nvGraphicFramePr>
-        <p:xfrm>
-          <a:off x="4572000" y="2996952"/>
-          <a:ext cx="3667125" cy="581025"/>
-        </p:xfrm>
-        <a:graphic>
-          <a:graphicData uri="http://schemas.openxmlformats.org/presentationml/2006/ole">
-            <mc:AlternateContent xmlns:mc="http://schemas.openxmlformats.org/markup-compatibility/2006">
-              <mc:Choice xmlns:v="urn:schemas-microsoft-com:vml" Requires="v">
-                <p:oleObj spid="_x0000_s2075" name="Worksheet" r:id="rId3" imgW="3667055" imgH="581040" progId="Excel.Sheet.12">
-                  <p:embed/>
-                </p:oleObj>
-              </mc:Choice>
-              <mc:Fallback>
-                <p:oleObj name="Worksheet" r:id="rId3" imgW="3667055" imgH="581040" progId="Excel.Sheet.12">
-                  <p:embed/>
-                  <p:pic>
-                    <p:nvPicPr>
-                      <p:cNvPr id="0" name=""/>
-                      <p:cNvPicPr/>
-                      <p:nvPr/>
-                    </p:nvPicPr>
-                    <p:blipFill>
-                      <a:blip r:embed="rId4"/>
-                      <a:stretch>
-                        <a:fillRect/>
-                      </a:stretch>
-                    </p:blipFill>
-                    <p:spPr>
-                      <a:xfrm>
-                        <a:off x="4572000" y="2996952"/>
-                        <a:ext cx="3667125" cy="581025"/>
-                      </a:xfrm>
-                      <a:prstGeom prst="rect">
-                        <a:avLst/>
-                      </a:prstGeom>
-                    </p:spPr>
-                  </p:pic>
-                </p:oleObj>
-              </mc:Fallback>
-            </mc:AlternateContent>
-          </a:graphicData>
-        </a:graphic>
-      </p:graphicFrame>
-      <p:graphicFrame>
-        <p:nvGraphicFramePr>
-          <p:cNvPr id="7" name="Object 6"/>
-          <p:cNvGraphicFramePr>
-            <a:graphicFrameLocks noChangeAspect="1"/>
-          </p:cNvGraphicFramePr>
-          <p:nvPr>
-            <p:extLst>
-              <p:ext uri="{D42A27DB-BD31-4B8C-83A1-F6EECF244321}">
-                <p14:modId xmlns:p14="http://schemas.microsoft.com/office/powerpoint/2010/main" val="1433002576"/>
-              </p:ext>
-            </p:extLst>
-          </p:nvPr>
-        </p:nvGraphicFramePr>
-        <p:xfrm>
-          <a:off x="395288" y="4868863"/>
-          <a:ext cx="8305800" cy="1533525"/>
-        </p:xfrm>
-        <a:graphic>
-          <a:graphicData uri="http://schemas.openxmlformats.org/presentationml/2006/ole">
-            <mc:AlternateContent xmlns:mc="http://schemas.openxmlformats.org/markup-compatibility/2006">
-              <mc:Choice xmlns:v="urn:schemas-microsoft-com:vml" Requires="v">
-                <p:oleObj spid="_x0000_s2076" name="Worksheet" r:id="rId5" imgW="8305777" imgH="1533600" progId="Excel.Sheet.12">
-                  <p:embed/>
-                </p:oleObj>
-              </mc:Choice>
-              <mc:Fallback>
-                <p:oleObj name="Worksheet" r:id="rId5" imgW="8305777" imgH="1533600" progId="Excel.Sheet.12">
-                  <p:embed/>
-                  <p:pic>
-                    <p:nvPicPr>
-                      <p:cNvPr id="0" name=""/>
-                      <p:cNvPicPr/>
-                      <p:nvPr/>
-                    </p:nvPicPr>
-                    <p:blipFill>
-                      <a:blip r:embed="rId6"/>
-                      <a:stretch>
-                        <a:fillRect/>
-                      </a:stretch>
-                    </p:blipFill>
-                    <p:spPr>
-                      <a:xfrm>
-                        <a:off x="395288" y="4868863"/>
-                        <a:ext cx="8305800" cy="1533525"/>
-                      </a:xfrm>
-                      <a:prstGeom prst="rect">
-                        <a:avLst/>
-                      </a:prstGeom>
-                    </p:spPr>
-                  </p:pic>
-                </p:oleObj>
-              </mc:Fallback>
-            </mc:AlternateContent>
-          </a:graphicData>
-        </a:graphic>
-      </p:graphicFrame>
-    </p:spTree>
-    <p:extLst>
-      <p:ext uri="{BB962C8B-B14F-4D97-AF65-F5344CB8AC3E}">
-        <p14:creationId xmlns:p14="http://schemas.microsoft.com/office/powerpoint/2010/main" val="797798912"/>
-      </p:ext>
-    </p:extLst>
-  </p:cSld>
-  <p:clrMapOvr>
-    <a:masterClrMapping/>
-  </p:clrMapOvr>
-  <p:timing>
-    <p:tnLst>
-      <p:par>
-        <p:cTn id="1" dur="indefinite" restart="never" nodeType="tmRoot"/>
-      </p:par>
-    </p:tnLst>
-  </p:timing>
-</p:sld>
-</file>
-
-<file path=ppt/slides/slide12.xml><?xml version="1.0" encoding="utf-8"?>
-<p:sld xmlns:a="http://schemas.openxmlformats.org/drawingml/2006/main" xmlns:r="http://schemas.openxmlformats.org/officeDocument/2006/relationships" xmlns:p="http://schemas.openxmlformats.org/presentationml/2006/main">
-  <p:cSld>
-    <p:spTree>
-      <p:nvGrpSpPr>
-        <p:cNvPr id="1" name=""/>
-        <p:cNvGrpSpPr/>
-        <p:nvPr/>
-      </p:nvGrpSpPr>
-      <p:grpSpPr>
-        <a:xfrm>
-          <a:off x="0" y="0"/>
-          <a:ext cx="0" cy="0"/>
-          <a:chOff x="0" y="0"/>
-          <a:chExt cx="0" cy="0"/>
-        </a:xfrm>
-      </p:grpSpPr>
-      <p:sp>
-        <p:nvSpPr>
-          <p:cNvPr id="2" name="Title 1"/>
-          <p:cNvSpPr>
-            <a:spLocks noGrp="1"/>
-          </p:cNvSpPr>
-          <p:nvPr>
-            <p:ph type="title"/>
-          </p:nvPr>
-        </p:nvSpPr>
-        <p:spPr/>
-        <p:txBody>
-          <a:bodyPr/>
-          <a:lstStyle/>
-          <a:p>
-            <a:r>
-              <a:rPr lang="en-AU" dirty="0" smtClean="0"/>
-              <a:t>Results</a:t>
-            </a:r>
-            <a:endParaRPr lang="en-AU" dirty="0"/>
-          </a:p>
-        </p:txBody>
-      </p:sp>
-      <p:sp>
-        <p:nvSpPr>
-          <p:cNvPr id="3" name="Content Placeholder 2"/>
-          <p:cNvSpPr>
-            <a:spLocks noGrp="1"/>
-          </p:cNvSpPr>
-          <p:nvPr>
-            <p:ph idx="1"/>
-          </p:nvPr>
-        </p:nvSpPr>
-        <p:spPr>
-          <a:xfrm>
-            <a:off x="457200" y="1600201"/>
-            <a:ext cx="8229600" cy="1972816"/>
-          </a:xfrm>
-        </p:spPr>
-        <p:txBody>
-          <a:bodyPr>
-            <a:normAutofit fontScale="85000" lnSpcReduction="10000"/>
-          </a:bodyPr>
-          <a:lstStyle/>
-          <a:p>
-            <a:r>
-              <a:rPr lang="en-AU" dirty="0" smtClean="0"/>
-              <a:t>We traverse circuit to add nodes depth first i.e. explore children before finishing current level.</a:t>
-            </a:r>
-          </a:p>
-          <a:p>
-            <a:r>
-              <a:rPr lang="en-AU" dirty="0" smtClean="0"/>
-              <a:t>Significantly better results than breadth first. Far fewer voters and wires between partitions, so less slowdown.</a:t>
-            </a:r>
-            <a:endParaRPr lang="en-AU" dirty="0"/>
-          </a:p>
-        </p:txBody>
-      </p:sp>
-      <p:graphicFrame>
-        <p:nvGraphicFramePr>
-          <p:cNvPr id="4" name="Object 3"/>
-          <p:cNvGraphicFramePr>
-            <a:graphicFrameLocks noChangeAspect="1"/>
-          </p:cNvGraphicFramePr>
-          <p:nvPr>
-            <p:extLst>
-              <p:ext uri="{D42A27DB-BD31-4B8C-83A1-F6EECF244321}">
-                <p14:modId xmlns:p14="http://schemas.microsoft.com/office/powerpoint/2010/main" val="218537280"/>
-              </p:ext>
-            </p:extLst>
-          </p:nvPr>
-        </p:nvGraphicFramePr>
-        <p:xfrm>
-          <a:off x="1187624" y="4797152"/>
-          <a:ext cx="6743700" cy="1343025"/>
-        </p:xfrm>
-        <a:graphic>
-          <a:graphicData uri="http://schemas.openxmlformats.org/presentationml/2006/ole">
-            <mc:AlternateContent xmlns:mc="http://schemas.openxmlformats.org/markup-compatibility/2006">
-              <mc:Choice xmlns:v="urn:schemas-microsoft-com:vml" Requires="v">
-                <p:oleObj spid="_x0000_s3089" name="Worksheet" r:id="rId3" imgW="6743599" imgH="1342980" progId="Excel.Sheet.12">
-                  <p:embed/>
-                </p:oleObj>
-              </mc:Choice>
-              <mc:Fallback>
-                <p:oleObj name="Worksheet" r:id="rId3" imgW="6743599" imgH="1342980" progId="Excel.Sheet.12">
-                  <p:embed/>
-                  <p:pic>
-                    <p:nvPicPr>
-                      <p:cNvPr id="0" name=""/>
-                      <p:cNvPicPr/>
-                      <p:nvPr/>
-                    </p:nvPicPr>
-                    <p:blipFill>
-                      <a:blip r:embed="rId4"/>
-                      <a:stretch>
-                        <a:fillRect/>
-                      </a:stretch>
-                    </p:blipFill>
-                    <p:spPr>
-                      <a:xfrm>
-                        <a:off x="1187624" y="4797152"/>
-                        <a:ext cx="6743700" cy="1343025"/>
-                      </a:xfrm>
-                      <a:prstGeom prst="rect">
-                        <a:avLst/>
-                      </a:prstGeom>
-                    </p:spPr>
-                  </p:pic>
-                </p:oleObj>
-              </mc:Fallback>
-            </mc:AlternateContent>
-          </a:graphicData>
-        </a:graphic>
-      </p:graphicFrame>
-      <p:graphicFrame>
-        <p:nvGraphicFramePr>
-          <p:cNvPr id="5" name="Object 4"/>
-          <p:cNvGraphicFramePr>
-            <a:graphicFrameLocks noChangeAspect="1"/>
-          </p:cNvGraphicFramePr>
-          <p:nvPr>
-            <p:extLst>
-              <p:ext uri="{D42A27DB-BD31-4B8C-83A1-F6EECF244321}">
-                <p14:modId xmlns:p14="http://schemas.microsoft.com/office/powerpoint/2010/main" val="756058601"/>
-              </p:ext>
-            </p:extLst>
-          </p:nvPr>
-        </p:nvGraphicFramePr>
-        <p:xfrm>
-          <a:off x="1042988" y="3644900"/>
-          <a:ext cx="7170737" cy="1011238"/>
-        </p:xfrm>
-        <a:graphic>
-          <a:graphicData uri="http://schemas.openxmlformats.org/presentationml/2006/ole">
-            <mc:AlternateContent xmlns:mc="http://schemas.openxmlformats.org/markup-compatibility/2006">
-              <mc:Choice xmlns:v="urn:schemas-microsoft-com:vml" Requires="v">
-                <p:oleObj spid="_x0000_s3090" name="Worksheet" r:id="rId5" imgW="9505978" imgH="1342980" progId="Excel.Sheet.12">
-                  <p:embed/>
-                </p:oleObj>
-              </mc:Choice>
-              <mc:Fallback>
-                <p:oleObj name="Worksheet" r:id="rId5" imgW="9505978" imgH="1342980" progId="Excel.Sheet.12">
-                  <p:embed/>
-                  <p:pic>
-                    <p:nvPicPr>
-                      <p:cNvPr id="0" name=""/>
-                      <p:cNvPicPr/>
-                      <p:nvPr/>
-                    </p:nvPicPr>
-                    <p:blipFill>
-                      <a:blip r:embed="rId6"/>
-                      <a:stretch>
-                        <a:fillRect/>
-                      </a:stretch>
-                    </p:blipFill>
-                    <p:spPr>
-                      <a:xfrm>
-                        <a:off x="1042988" y="3644900"/>
-                        <a:ext cx="7170737" cy="1011238"/>
-                      </a:xfrm>
-                      <a:prstGeom prst="rect">
-                        <a:avLst/>
-                      </a:prstGeom>
-                    </p:spPr>
-                  </p:pic>
-                </p:oleObj>
-              </mc:Fallback>
-            </mc:AlternateContent>
-          </a:graphicData>
-        </a:graphic>
-      </p:graphicFrame>
-    </p:spTree>
-    <p:extLst>
-      <p:ext uri="{BB962C8B-B14F-4D97-AF65-F5344CB8AC3E}">
-        <p14:creationId xmlns:p14="http://schemas.microsoft.com/office/powerpoint/2010/main" val="3069367301"/>
-      </p:ext>
-    </p:extLst>
-  </p:cSld>
-  <p:clrMapOvr>
-    <a:masterClrMapping/>
-  </p:clrMapOvr>
-  <p:timing>
-    <p:tnLst>
-      <p:par>
-        <p:cTn id="1" dur="indefinite" restart="never" nodeType="tmRoot"/>
-      </p:par>
-    </p:tnLst>
-  </p:timing>
-</p:sld>
-</file>
-
-<file path=ppt/slides/slide13.xml><?xml version="1.0" encoding="utf-8"?>
-<p:sld xmlns:a="http://schemas.openxmlformats.org/drawingml/2006/main" xmlns:r="http://schemas.openxmlformats.org/officeDocument/2006/relationships" xmlns:p="http://schemas.openxmlformats.org/presentationml/2006/main">
-  <p:cSld>
-    <p:spTree>
-      <p:nvGrpSpPr>
-        <p:cNvPr id="1" name=""/>
-        <p:cNvGrpSpPr/>
-        <p:nvPr/>
-      </p:nvGrpSpPr>
-      <p:grpSpPr>
-        <a:xfrm>
-          <a:off x="0" y="0"/>
-          <a:ext cx="0" cy="0"/>
-          <a:chOff x="0" y="0"/>
-          <a:chExt cx="0" cy="0"/>
-        </a:xfrm>
-      </p:grpSpPr>
-      <p:sp>
-        <p:nvSpPr>
-          <p:cNvPr id="2" name="Title 1"/>
-          <p:cNvSpPr>
-            <a:spLocks noGrp="1"/>
-          </p:cNvSpPr>
-          <p:nvPr>
-            <p:ph type="title"/>
-          </p:nvPr>
-        </p:nvSpPr>
         <p:spPr/>
         <p:txBody>
           <a:bodyPr/>
@@ -12135,29 +12089,92 @@
           <a:p>
             <a:r>
               <a:rPr lang="en-AU" dirty="0" smtClean="0"/>
-              <a:t>Implementation to evaluate effectiveness, missing some functionality.</a:t>
-            </a:r>
-          </a:p>
-          <a:p>
+              <a:t>Implementation to evaluate effectiveness, missing some </a:t>
+            </a:r>
             <a:r>
               <a:rPr lang="en-AU" dirty="0" smtClean="0"/>
-              <a:t>E.g. Can’t constrain placement to ensure partitions are actually mapped to separate reconfiguration areas.</a:t>
-            </a:r>
-          </a:p>
-          <a:p>
+              <a:t>functionality</a:t>
+            </a:r>
+            <a:r>
+              <a:rPr lang="en-AU" dirty="0"/>
+              <a:t> </a:t>
+            </a:r>
             <a:r>
               <a:rPr lang="en-AU" dirty="0" smtClean="0"/>
-              <a:t>Our target architecture is still a theoretical simplified version. Only latches and LUTs.</a:t>
-            </a:r>
-          </a:p>
-          <a:p>
+              <a:t>e.g.</a:t>
+            </a:r>
+            <a:endParaRPr lang="en-AU" dirty="0" smtClean="0"/>
+          </a:p>
+          <a:p>
+            <a:pPr lvl="1"/>
             <a:r>
               <a:rPr lang="en-AU" dirty="0" smtClean="0"/>
-              <a:t>Partitioner doesn’t try very hard to be optimal.</a:t>
-            </a:r>
+              <a:t>Can’t </a:t>
+            </a:r>
+            <a:r>
+              <a:rPr lang="en-AU" dirty="0" smtClean="0"/>
+              <a:t>constrain placement to ensure partitions are actually mapped to separate reconfiguration areas.</a:t>
+            </a:r>
+          </a:p>
+          <a:p>
+            <a:pPr lvl="1"/>
+            <a:r>
+              <a:rPr lang="en-AU" dirty="0" smtClean="0"/>
+              <a:t>Our target architecture is still a theoretical simplified version. Only latches and LUTs</a:t>
+            </a:r>
+            <a:r>
+              <a:rPr lang="en-AU" dirty="0" smtClean="0"/>
+              <a:t>.</a:t>
+            </a:r>
+          </a:p>
+          <a:p>
+            <a:pPr lvl="1"/>
+            <a:r>
+              <a:rPr lang="en-AU" dirty="0" smtClean="0"/>
+              <a:t>Using a simplified voter (only one 3-LUT).</a:t>
+            </a:r>
+            <a:endParaRPr lang="en-AU" dirty="0" smtClean="0"/>
+          </a:p>
+          <a:p>
+            <a:r>
+              <a:rPr lang="en-AU" dirty="0" smtClean="0"/>
+              <a:t>Partitioner </a:t>
+            </a:r>
+            <a:r>
+              <a:rPr lang="en-AU" dirty="0" smtClean="0"/>
+              <a:t>is still an early version. Many </a:t>
+            </a:r>
+            <a:r>
+              <a:rPr lang="en-AU" dirty="0" smtClean="0"/>
+              <a:t>optimisations to be made.</a:t>
+            </a:r>
+            <a:endParaRPr lang="en-AU" dirty="0" smtClean="0"/>
           </a:p>
           <a:p>
             <a:endParaRPr lang="en-AU" dirty="0"/>
+          </a:p>
+        </p:txBody>
+      </p:sp>
+      <p:sp>
+        <p:nvSpPr>
+          <p:cNvPr id="4" name="Slide Number Placeholder 3"/>
+          <p:cNvSpPr>
+            <a:spLocks noGrp="1"/>
+          </p:cNvSpPr>
+          <p:nvPr>
+            <p:ph type="sldNum" sz="quarter" idx="12"/>
+          </p:nvPr>
+        </p:nvSpPr>
+        <p:spPr/>
+        <p:txBody>
+          <a:bodyPr/>
+          <a:lstStyle/>
+          <a:p>
+            <a:fld id="{05C6366E-3AB0-482E-AE30-A15454F5254A}" type="slidenum">
+              <a:rPr lang="en-AU" smtClean="0"/>
+              <a:t>10</a:t>
+            </a:fld>
+            <a:endParaRPr lang="en-AU"/>
           </a:p>
         </p:txBody>
       </p:sp>
@@ -12233,32 +12250,63 @@
         </p:nvSpPr>
         <p:spPr/>
         <p:txBody>
+          <a:bodyPr anchor="ctr"/>
+          <a:lstStyle/>
+          <a:p>
+            <a:pPr algn="ctr"/>
+            <a:r>
+              <a:rPr lang="en-AU" dirty="0" smtClean="0"/>
+              <a:t>Why and </a:t>
+            </a:r>
+            <a:r>
+              <a:rPr lang="en-AU" dirty="0" smtClean="0"/>
+              <a:t>What?</a:t>
+            </a:r>
+          </a:p>
+          <a:p>
+            <a:pPr algn="ctr"/>
+            <a:r>
+              <a:rPr lang="en-AU" dirty="0" smtClean="0"/>
+              <a:t>How?</a:t>
+            </a:r>
+          </a:p>
+          <a:p>
+            <a:pPr algn="ctr"/>
+            <a:r>
+              <a:rPr lang="en-AU" dirty="0" smtClean="0"/>
+              <a:t>Results.</a:t>
+            </a:r>
+          </a:p>
+          <a:p>
+            <a:pPr algn="ctr"/>
+            <a:r>
+              <a:rPr lang="en-AU" dirty="0" smtClean="0"/>
+              <a:t>Limitations.</a:t>
+            </a:r>
+            <a:endParaRPr lang="en-AU" dirty="0"/>
+          </a:p>
+        </p:txBody>
+      </p:sp>
+      <p:sp>
+        <p:nvSpPr>
+          <p:cNvPr id="4" name="Slide Number Placeholder 3"/>
+          <p:cNvSpPr>
+            <a:spLocks noGrp="1"/>
+          </p:cNvSpPr>
+          <p:nvPr>
+            <p:ph type="sldNum" sz="quarter" idx="12"/>
+          </p:nvPr>
+        </p:nvSpPr>
+        <p:spPr/>
+        <p:txBody>
           <a:bodyPr/>
           <a:lstStyle/>
           <a:p>
-            <a:r>
-              <a:rPr lang="en-AU" dirty="0" smtClean="0"/>
-              <a:t>Why and What? Quick discussion of motivation, and what this thesis is actually doing.</a:t>
-            </a:r>
-          </a:p>
-          <a:p>
-            <a:r>
-              <a:rPr lang="en-AU" dirty="0" smtClean="0"/>
-              <a:t>How? Very high level look at the implementation.</a:t>
-            </a:r>
-          </a:p>
-          <a:p>
-            <a:r>
-              <a:rPr lang="en-AU" dirty="0" smtClean="0"/>
-              <a:t>Results. The interesting bit.</a:t>
-            </a:r>
-          </a:p>
-          <a:p>
-            <a:r>
-              <a:rPr lang="en-AU" dirty="0" smtClean="0"/>
-              <a:t>Limitations. Every project has them.</a:t>
-            </a:r>
-            <a:endParaRPr lang="en-AU" dirty="0"/>
+            <a:fld id="{05C6366E-3AB0-482E-AE30-A15454F5254A}" type="slidenum">
+              <a:rPr lang="en-AU" smtClean="0"/>
+              <a:t>2</a:t>
+            </a:fld>
+            <a:endParaRPr lang="en-AU"/>
           </a:p>
         </p:txBody>
       </p:sp>
@@ -12349,8 +12397,29 @@
           <a:p>
             <a:r>
               <a:rPr lang="en-AU" sz="1800" dirty="0" smtClean="0"/>
-              <a:t>FPGAs are awesome…but vulnerable to configuration errors caused by e.g. space radiation, that ASICs aren’t.</a:t>
-            </a:r>
+              <a:t>FPGAs are awesome…but </a:t>
+            </a:r>
+            <a:r>
+              <a:rPr lang="en-AU" sz="1800" dirty="0" smtClean="0"/>
+              <a:t>more vulnerable </a:t>
+            </a:r>
+            <a:r>
+              <a:rPr lang="en-AU" sz="1800" dirty="0" smtClean="0"/>
+              <a:t>to </a:t>
+            </a:r>
+            <a:r>
+              <a:rPr lang="en-AU" sz="1800" dirty="0" smtClean="0"/>
+              <a:t>errors </a:t>
+            </a:r>
+            <a:r>
+              <a:rPr lang="en-AU" sz="1800" dirty="0" smtClean="0"/>
+              <a:t>caused by e.g. </a:t>
+            </a:r>
+            <a:r>
+              <a:rPr lang="en-AU" sz="1800" dirty="0" smtClean="0"/>
+              <a:t>ionising radiation than ASICs.</a:t>
+            </a:r>
+            <a:endParaRPr lang="en-AU" sz="1800" dirty="0" smtClean="0"/>
           </a:p>
           <a:p>
             <a:r>
@@ -12371,14 +12440,16 @@
                 <a:ea typeface="MS PGothic"/>
                 <a:cs typeface="MS PGothic"/>
               </a:rPr>
-              <a:t>Make </a:t>
-            </a:r>
+              <a:t>Make three copies of a circuit, and feed the outputs to a voter.</a:t>
+            </a:r>
+          </a:p>
+          <a:p>
             <a:r>
               <a:rPr lang="en-US" sz="1800" dirty="0" smtClean="0">
                 <a:ea typeface="MS PGothic"/>
                 <a:cs typeface="MS PGothic"/>
               </a:rPr>
-              <a:t>three copies of a circuit, and feed the outputs to a voter.</a:t>
+              <a:t>Once an error is detected we can fix it by selectively reconfiguring the incorrect module.</a:t>
             </a:r>
           </a:p>
           <a:p>
@@ -12387,44 +12458,7 @@
                 <a:ea typeface="MS PGothic"/>
                 <a:cs typeface="MS PGothic"/>
               </a:rPr>
-              <a:t>Once an error is detected we can fix it by </a:t>
-            </a:r>
-            <a:r>
-              <a:rPr lang="en-US" sz="1800" dirty="0" smtClean="0">
-                <a:ea typeface="MS PGothic"/>
-                <a:cs typeface="MS PGothic"/>
-              </a:rPr>
-              <a:t>selectively </a:t>
-            </a:r>
-            <a:r>
-              <a:rPr lang="en-US" sz="1800" dirty="0" smtClean="0">
-                <a:ea typeface="MS PGothic"/>
-                <a:cs typeface="MS PGothic"/>
-              </a:rPr>
-              <a:t>reconfiguring the incorrect </a:t>
-            </a:r>
-            <a:r>
-              <a:rPr lang="en-US" sz="1800" dirty="0" smtClean="0">
-                <a:ea typeface="MS PGothic"/>
-                <a:cs typeface="MS PGothic"/>
-              </a:rPr>
-              <a:t>module.</a:t>
-            </a:r>
-          </a:p>
-          <a:p>
-            <a:r>
-              <a:rPr lang="en-US" sz="1800" dirty="0" smtClean="0">
-                <a:ea typeface="MS PGothic"/>
-                <a:cs typeface="MS PGothic"/>
-              </a:rPr>
-              <a:t>Need </a:t>
-            </a:r>
-            <a:r>
-              <a:rPr lang="en-US" sz="1800" dirty="0" smtClean="0">
-                <a:ea typeface="MS PGothic"/>
-                <a:cs typeface="MS PGothic"/>
-              </a:rPr>
-              <a:t>to detect, reconfigure and </a:t>
+              <a:t>Need to detect, reconfigure and </a:t>
             </a:r>
             <a:r>
               <a:rPr lang="en-US" sz="1800" dirty="0" err="1" smtClean="0">
@@ -12438,19 +12472,8 @@
                 <a:ea typeface="MS PGothic"/>
                 <a:cs typeface="MS PGothic"/>
               </a:rPr>
-              <a:t> within error rate</a:t>
-            </a:r>
-            <a:r>
-              <a:rPr lang="en-US" sz="1800" dirty="0" smtClean="0">
-                <a:ea typeface="MS PGothic"/>
-                <a:cs typeface="MS PGothic"/>
-              </a:rPr>
-              <a:t>.</a:t>
-            </a:r>
-            <a:endParaRPr lang="en-US" sz="1800" dirty="0" smtClean="0">
-              <a:ea typeface="MS PGothic"/>
-              <a:cs typeface="MS PGothic"/>
-            </a:endParaRPr>
+              <a:t> within error rate.</a:t>
+            </a:r>
           </a:p>
         </p:txBody>
       </p:sp>
@@ -13477,6 +13500,29 @@
           <a:lstStyle/>
           <a:p>
             <a:pPr algn="ctr"/>
+            <a:endParaRPr lang="en-AU"/>
+          </a:p>
+        </p:txBody>
+      </p:sp>
+      <p:sp>
+        <p:nvSpPr>
+          <p:cNvPr id="4" name="Slide Number Placeholder 3"/>
+          <p:cNvSpPr>
+            <a:spLocks noGrp="1"/>
+          </p:cNvSpPr>
+          <p:nvPr>
+            <p:ph type="sldNum" sz="quarter" idx="12"/>
+          </p:nvPr>
+        </p:nvSpPr>
+        <p:spPr/>
+        <p:txBody>
+          <a:bodyPr/>
+          <a:lstStyle/>
+          <a:p>
+            <a:fld id="{05C6366E-3AB0-482E-AE30-A15454F5254A}" type="slidenum">
+              <a:rPr lang="en-AU" smtClean="0"/>
+              <a:t>3</a:t>
+            </a:fld>
             <a:endParaRPr lang="en-AU"/>
           </a:p>
         </p:txBody>
@@ -13847,166 +13893,6 @@
           <a:lstStyle/>
           <a:p>
             <a:r>
-              <a:rPr lang="en-AU" dirty="0" smtClean="0"/>
-              <a:t>Why</a:t>
-            </a:r>
-            <a:endParaRPr lang="en-AU" dirty="0"/>
-          </a:p>
-        </p:txBody>
-      </p:sp>
-      <p:sp>
-        <p:nvSpPr>
-          <p:cNvPr id="3" name="Content Placeholder 2"/>
-          <p:cNvSpPr>
-            <a:spLocks noGrp="1"/>
-          </p:cNvSpPr>
-          <p:nvPr>
-            <p:ph idx="1"/>
-          </p:nvPr>
-        </p:nvSpPr>
-        <p:spPr/>
-        <p:txBody>
-          <a:bodyPr>
-            <a:normAutofit fontScale="92500" lnSpcReduction="10000"/>
-          </a:bodyPr>
-          <a:lstStyle/>
-          <a:p>
-            <a:r>
-              <a:rPr lang="en-AU" dirty="0" smtClean="0"/>
-              <a:t>TMR entire circuit -&gt; lower overhead, lower fault tolerance (higher recovery time).</a:t>
-            </a:r>
-          </a:p>
-          <a:p>
-            <a:r>
-              <a:rPr lang="en-AU" dirty="0" smtClean="0"/>
-              <a:t>TMR every component in circuit -&gt; higher fault tolerance, higher overhead (4x instead of 3x).</a:t>
-            </a:r>
-          </a:p>
-          <a:p>
-            <a:r>
-              <a:rPr lang="en-AU" dirty="0" smtClean="0"/>
-              <a:t>Middle ground, TMR sections such that we meet target fault tolerance.</a:t>
-            </a:r>
-          </a:p>
-          <a:p>
-            <a:r>
-              <a:rPr lang="en-AU" dirty="0" smtClean="0"/>
-              <a:t>What is a reasonable Error Recovery Time? User specified, depends on application. For space based applications 1.4s mean time between errors</a:t>
-            </a:r>
-            <a:r>
-              <a:rPr lang="en-AU" baseline="30000" dirty="0" smtClean="0"/>
-              <a:t>1</a:t>
-            </a:r>
-            <a:r>
-              <a:rPr lang="en-AU" dirty="0" smtClean="0"/>
-              <a:t>.</a:t>
-            </a:r>
-          </a:p>
-        </p:txBody>
-      </p:sp>
-      <p:sp>
-        <p:nvSpPr>
-          <p:cNvPr id="4" name="TextBox 3"/>
-          <p:cNvSpPr txBox="1"/>
-          <p:nvPr/>
-        </p:nvSpPr>
-        <p:spPr>
-          <a:xfrm>
-            <a:off x="755576" y="6183305"/>
-            <a:ext cx="8064896" cy="246221"/>
-          </a:xfrm>
-          <a:prstGeom prst="rect">
-            <a:avLst/>
-          </a:prstGeom>
-          <a:noFill/>
-        </p:spPr>
-        <p:txBody>
-          <a:bodyPr wrap="square" rtlCol="0">
-            <a:spAutoFit/>
-          </a:bodyPr>
-          <a:lstStyle/>
-          <a:p>
-            <a:r>
-              <a:rPr lang="en-AU" sz="1000" dirty="0" smtClean="0"/>
-              <a:t>1. </a:t>
-            </a:r>
-            <a:r>
-              <a:rPr lang="en-AU" sz="1000" dirty="0" smtClean="0"/>
-              <a:t>P. J. </a:t>
-            </a:r>
-            <a:r>
-              <a:rPr lang="en-AU" sz="1000" dirty="0" err="1" smtClean="0"/>
-              <a:t>Pingree</a:t>
-            </a:r>
-            <a:r>
-              <a:rPr lang="en-AU" sz="1000" dirty="0" smtClean="0"/>
-              <a:t>, “Advancing NASA’s on-board processing capabilities with reconﬁgurable </a:t>
-            </a:r>
-            <a:r>
-              <a:rPr lang="en-AU" sz="1000" dirty="0" err="1" smtClean="0"/>
-              <a:t>fpga</a:t>
-            </a:r>
-            <a:r>
-              <a:rPr lang="en-AU" sz="1000" dirty="0" smtClean="0"/>
-              <a:t> technologies”. Aerospace Technologies Advancements.</a:t>
-            </a:r>
-            <a:endParaRPr lang="en-AU" sz="1000" dirty="0"/>
-          </a:p>
-        </p:txBody>
-      </p:sp>
-    </p:spTree>
-    <p:extLst>
-      <p:ext uri="{BB962C8B-B14F-4D97-AF65-F5344CB8AC3E}">
-        <p14:creationId xmlns:p14="http://schemas.microsoft.com/office/powerpoint/2010/main" val="3226135002"/>
-      </p:ext>
-    </p:extLst>
-  </p:cSld>
-  <p:clrMapOvr>
-    <a:masterClrMapping/>
-  </p:clrMapOvr>
-  <p:timing>
-    <p:tnLst>
-      <p:par>
-        <p:cTn id="1" dur="indefinite" restart="never" nodeType="tmRoot"/>
-      </p:par>
-    </p:tnLst>
-  </p:timing>
-</p:sld>
-</file>
-
-<file path=ppt/slides/slide5.xml><?xml version="1.0" encoding="utf-8"?>
-<p:sld xmlns:a="http://schemas.openxmlformats.org/drawingml/2006/main" xmlns:r="http://schemas.openxmlformats.org/officeDocument/2006/relationships" xmlns:p="http://schemas.openxmlformats.org/presentationml/2006/main">
-  <p:cSld>
-    <p:spTree>
-      <p:nvGrpSpPr>
-        <p:cNvPr id="1" name=""/>
-        <p:cNvGrpSpPr/>
-        <p:nvPr/>
-      </p:nvGrpSpPr>
-      <p:grpSpPr>
-        <a:xfrm>
-          <a:off x="0" y="0"/>
-          <a:ext cx="0" cy="0"/>
-          <a:chOff x="0" y="0"/>
-          <a:chExt cx="0" cy="0"/>
-        </a:xfrm>
-      </p:grpSpPr>
-      <p:sp>
-        <p:nvSpPr>
-          <p:cNvPr id="2" name="Title 1"/>
-          <p:cNvSpPr>
-            <a:spLocks noGrp="1"/>
-          </p:cNvSpPr>
-          <p:nvPr>
-            <p:ph type="title"/>
-          </p:nvPr>
-        </p:nvSpPr>
-        <p:spPr/>
-        <p:txBody>
-          <a:bodyPr/>
-          <a:lstStyle/>
-          <a:p>
-            <a:r>
               <a:rPr lang="en-AU" dirty="0" err="1" smtClean="0"/>
               <a:t>Toolchain</a:t>
             </a:r>
@@ -14035,7 +13921,7 @@
         </p:xfrm>
         <a:graphic>
           <a:graphicData uri="http://schemas.openxmlformats.org/drawingml/2006/diagram">
-            <dgm:relIds xmlns:dgm="http://schemas.openxmlformats.org/drawingml/2006/diagram" xmlns:r="http://schemas.openxmlformats.org/officeDocument/2006/relationships" r:dm="rId2" r:lo="rId3" r:qs="rId4" r:cs="rId5"/>
+            <dgm:relIds xmlns:dgm="http://schemas.openxmlformats.org/drawingml/2006/diagram" xmlns:r="http://schemas.openxmlformats.org/officeDocument/2006/relationships" r:dm="rId3" r:lo="rId4" r:qs="rId5" r:cs="rId6"/>
           </a:graphicData>
         </a:graphic>
       </p:graphicFrame>
@@ -14046,13 +13932,22 @@
           <p:nvPr/>
         </p:nvSpPr>
         <p:spPr>
-          <a:xfrm>
-            <a:off x="3593958" y="2348880"/>
-            <a:ext cx="504056" cy="720080"/>
+          <a:xfrm rot="4139853">
+            <a:off x="2067056" y="1940127"/>
+            <a:ext cx="504056" cy="1523086"/>
           </a:xfrm>
           <a:prstGeom prst="downArrow">
-            <a:avLst/>
+            <a:avLst>
+              <a:gd name="adj1" fmla="val 50000"/>
+              <a:gd name="adj2" fmla="val 51796"/>
+            </a:avLst>
           </a:prstGeom>
+          <a:scene3d>
+            <a:camera prst="orthographicFront">
+              <a:rot lat="21599976" lon="0" rev="0"/>
+            </a:camera>
+            <a:lightRig rig="threePt" dir="t"/>
+          </a:scene3d>
         </p:spPr>
         <p:style>
           <a:lnRef idx="2">
@@ -14097,7 +13992,7 @@
         </p:xfrm>
         <a:graphic>
           <a:graphicData uri="http://schemas.openxmlformats.org/drawingml/2006/diagram">
-            <dgm:relIds xmlns:dgm="http://schemas.openxmlformats.org/drawingml/2006/diagram" xmlns:r="http://schemas.openxmlformats.org/officeDocument/2006/relationships" r:dm="rId7" r:lo="rId8" r:qs="rId9" r:cs="rId10"/>
+            <dgm:relIds xmlns:dgm="http://schemas.openxmlformats.org/drawingml/2006/diagram" xmlns:r="http://schemas.openxmlformats.org/officeDocument/2006/relationships" r:dm="rId8" r:lo="rId9" r:qs="rId10" r:cs="rId11"/>
           </a:graphicData>
         </a:graphic>
       </p:graphicFrame>
@@ -14120,7 +14015,7 @@
         </p:spPr>
         <p:txBody>
           <a:bodyPr vert="horz" lIns="91440" tIns="45720" rIns="91440" bIns="45720" rtlCol="0">
-            <a:normAutofit fontScale="70000" lnSpcReduction="20000"/>
+            <a:normAutofit fontScale="92500" lnSpcReduction="10000"/>
           </a:bodyPr>
           <a:lstStyle>
             <a:lvl1pPr marL="342900" indent="-342900" algn="l" defTabSz="914400" rtl="0" eaLnBrk="1" latinLnBrk="0" hangingPunct="1">
@@ -14262,11 +14157,15 @@
           <a:p>
             <a:r>
               <a:rPr lang="en-AU" dirty="0" smtClean="0"/>
-              <a:t>Insert new ‘TMR’ step in normal CAD </a:t>
+              <a:t>Triplicate </a:t>
+            </a:r>
+            <a:r>
+              <a:rPr lang="en-AU" dirty="0" smtClean="0"/>
+              <a:t>and Join treat input as black box, create ‘glue’ from template to wire appropriate bits together in a hierarchical </a:t>
             </a:r>
             <a:r>
               <a:rPr lang="en-AU" dirty="0" err="1" smtClean="0"/>
-              <a:t>toolchain</a:t>
+              <a:t>netlist</a:t>
             </a:r>
             <a:r>
               <a:rPr lang="en-AU" dirty="0" smtClean="0"/>
@@ -14276,21 +14175,11 @@
           <a:p>
             <a:r>
               <a:rPr lang="en-AU" dirty="0" smtClean="0"/>
-              <a:t>TMR consists of several </a:t>
-            </a:r>
-            <a:r>
-              <a:rPr lang="en-AU" dirty="0" err="1" smtClean="0"/>
-              <a:t>substeps</a:t>
+              <a:t>Flatten </a:t>
             </a:r>
             <a:r>
               <a:rPr lang="en-AU" dirty="0" smtClean="0"/>
-              <a:t>, each a separate module.</a:t>
-            </a:r>
-          </a:p>
-          <a:p>
-            <a:r>
-              <a:rPr lang="en-AU" dirty="0" smtClean="0"/>
-              <a:t>Triplicate and Join treat input as black box, create ‘glue’ from template to wire appropriate bits together in a hierarchical </a:t>
+              <a:t>turns </a:t>
             </a:r>
             <a:r>
               <a:rPr lang="en-AU" dirty="0" err="1" smtClean="0"/>
@@ -14298,26 +14187,6 @@
             </a:r>
             <a:r>
               <a:rPr lang="en-AU" dirty="0" smtClean="0"/>
-              <a:t>.</a:t>
-            </a:r>
-          </a:p>
-          <a:p>
-            <a:r>
-              <a:rPr lang="en-AU" dirty="0" smtClean="0"/>
-              <a:t>Partition is more complicated.</a:t>
-            </a:r>
-          </a:p>
-          <a:p>
-            <a:r>
-              <a:rPr lang="en-AU" dirty="0" smtClean="0"/>
-              <a:t>Flatten turns </a:t>
-            </a:r>
-            <a:r>
-              <a:rPr lang="en-AU" dirty="0" err="1" smtClean="0"/>
-              <a:t>netlist</a:t>
-            </a:r>
-            <a:r>
-              <a:rPr lang="en-AU" dirty="0" smtClean="0"/>
               <a:t> back into format for VPR.</a:t>
             </a:r>
           </a:p>
@@ -14327,6 +14196,78 @@
               <a:t>Test verifies generated circuit is equivalent to the original.</a:t>
             </a:r>
             <a:endParaRPr lang="en-AU" dirty="0"/>
+          </a:p>
+        </p:txBody>
+      </p:sp>
+      <p:sp>
+        <p:nvSpPr>
+          <p:cNvPr id="3" name="Slide Number Placeholder 2"/>
+          <p:cNvSpPr>
+            <a:spLocks noGrp="1"/>
+          </p:cNvSpPr>
+          <p:nvPr>
+            <p:ph type="sldNum" sz="quarter" idx="12"/>
+          </p:nvPr>
+        </p:nvSpPr>
+        <p:spPr/>
+        <p:txBody>
+          <a:bodyPr/>
+          <a:lstStyle/>
+          <a:p>
+            <a:fld id="{05C6366E-3AB0-482E-AE30-A15454F5254A}" type="slidenum">
+              <a:rPr lang="en-AU" smtClean="0"/>
+              <a:t>4</a:t>
+            </a:fld>
+            <a:endParaRPr lang="en-AU"/>
+          </a:p>
+        </p:txBody>
+      </p:sp>
+      <p:sp>
+        <p:nvSpPr>
+          <p:cNvPr id="8" name="Down Arrow 7"/>
+          <p:cNvSpPr/>
+          <p:nvPr/>
+        </p:nvSpPr>
+        <p:spPr>
+          <a:xfrm rot="6688766">
+            <a:off x="4869885" y="1981154"/>
+            <a:ext cx="504056" cy="1477937"/>
+          </a:xfrm>
+          <a:prstGeom prst="downArrow">
+            <a:avLst>
+              <a:gd name="adj1" fmla="val 50000"/>
+              <a:gd name="adj2" fmla="val 51796"/>
+            </a:avLst>
+          </a:prstGeom>
+          <a:scene3d>
+            <a:camera prst="orthographicFront">
+              <a:rot lat="21599976" lon="0" rev="0"/>
+            </a:camera>
+            <a:lightRig rig="threePt" dir="t"/>
+          </a:scene3d>
+        </p:spPr>
+        <p:style>
+          <a:lnRef idx="2">
+            <a:schemeClr val="accent1">
+              <a:shade val="50000"/>
+            </a:schemeClr>
+          </a:lnRef>
+          <a:fillRef idx="1">
+            <a:schemeClr val="accent1"/>
+          </a:fillRef>
+          <a:effectRef idx="0">
+            <a:schemeClr val="accent1"/>
+          </a:effectRef>
+          <a:fontRef idx="minor">
+            <a:schemeClr val="lt1"/>
+          </a:fontRef>
+        </p:style>
+        <p:txBody>
+          <a:bodyPr rtlCol="0" anchor="ctr"/>
+          <a:lstStyle/>
+          <a:p>
+            <a:pPr algn="ctr"/>
+            <a:endParaRPr lang="en-AU"/>
           </a:p>
         </p:txBody>
       </p:sp>
@@ -14350,7 +14291,7 @@
 </p:sld>
 </file>
 
-<file path=ppt/slides/slide6.xml><?xml version="1.0" encoding="utf-8"?>
+<file path=ppt/slides/slide5.xml><?xml version="1.0" encoding="utf-8"?>
 <p:sld xmlns:a="http://schemas.openxmlformats.org/drawingml/2006/main" xmlns:r="http://schemas.openxmlformats.org/officeDocument/2006/relationships" xmlns:p="http://schemas.openxmlformats.org/presentationml/2006/main">
   <p:cSld>
     <p:spTree>
@@ -14384,7 +14325,15 @@
           <a:p>
             <a:r>
               <a:rPr lang="en-AU" dirty="0" smtClean="0"/>
-              <a:t>How? - Partition</a:t>
+              <a:t>How</a:t>
+            </a:r>
+            <a:r>
+              <a:rPr lang="en-AU" dirty="0" smtClean="0"/>
+              <a:t>? </a:t>
+            </a:r>
+            <a:r>
+              <a:rPr lang="en-AU" dirty="0" smtClean="0"/>
+              <a:t>Partition</a:t>
             </a:r>
             <a:endParaRPr lang="en-AU" dirty="0"/>
           </a:p>
@@ -14408,7 +14357,7 @@
         </p:spPr>
         <p:txBody>
           <a:bodyPr>
-            <a:normAutofit fontScale="77500" lnSpcReduction="20000"/>
+            <a:normAutofit fontScale="85000" lnSpcReduction="10000"/>
           </a:bodyPr>
           <a:lstStyle/>
           <a:p>
@@ -14420,25 +14369,19 @@
           <a:p>
             <a:r>
               <a:rPr lang="en-AU" dirty="0" smtClean="0"/>
-              <a:t>Visit each element once and only once. As you do, insert it into current partition.</a:t>
+              <a:t>Insert each element into partition.</a:t>
             </a:r>
           </a:p>
           <a:p>
             <a:r>
               <a:rPr lang="en-AU" dirty="0" smtClean="0"/>
-              <a:t>If inserting the element creates a cycle, cut it.</a:t>
+              <a:t>If inserting the element creates a cycle in that partition, cut it.</a:t>
             </a:r>
           </a:p>
           <a:p>
             <a:r>
               <a:rPr lang="en-AU" dirty="0" smtClean="0"/>
               <a:t>If it would exceed recovery time, write the partition out to file, create a new empty partition, and insert into that one instead.</a:t>
-            </a:r>
-          </a:p>
-          <a:p>
-            <a:r>
-              <a:rPr lang="en-AU" dirty="0" smtClean="0"/>
-              <a:t>Repeat until entire circuit is partitioned.</a:t>
             </a:r>
             <a:endParaRPr lang="en-AU" dirty="0"/>
           </a:p>
@@ -15634,6 +15577,753 @@
           </a:p>
         </p:txBody>
       </p:sp>
+      <p:sp>
+        <p:nvSpPr>
+          <p:cNvPr id="4" name="Slide Number Placeholder 3"/>
+          <p:cNvSpPr>
+            <a:spLocks noGrp="1"/>
+          </p:cNvSpPr>
+          <p:nvPr>
+            <p:ph type="sldNum" sz="quarter" idx="12"/>
+          </p:nvPr>
+        </p:nvSpPr>
+        <p:spPr/>
+        <p:txBody>
+          <a:bodyPr/>
+          <a:lstStyle/>
+          <a:p>
+            <a:fld id="{05C6366E-3AB0-482E-AE30-A15454F5254A}" type="slidenum">
+              <a:rPr lang="en-AU" smtClean="0"/>
+              <a:t>5</a:t>
+            </a:fld>
+            <a:endParaRPr lang="en-AU"/>
+          </a:p>
+        </p:txBody>
+      </p:sp>
+      <p:sp>
+        <p:nvSpPr>
+          <p:cNvPr id="9" name="Freeform 8"/>
+          <p:cNvSpPr/>
+          <p:nvPr/>
+        </p:nvSpPr>
+        <p:spPr>
+          <a:xfrm>
+            <a:off x="4796162" y="2177716"/>
+            <a:ext cx="2489161" cy="3304578"/>
+          </a:xfrm>
+          <a:custGeom>
+            <a:avLst/>
+            <a:gdLst>
+              <a:gd name="connsiteX0" fmla="*/ 2020259 w 3046243"/>
+              <a:gd name="connsiteY0" fmla="*/ 66351 h 4511720"/>
+              <a:gd name="connsiteX1" fmla="*/ 28496 w 3046243"/>
+              <a:gd name="connsiteY1" fmla="*/ 1505852 h 4511720"/>
+              <a:gd name="connsiteX2" fmla="*/ 915736 w 3046243"/>
+              <a:gd name="connsiteY2" fmla="*/ 4511602 h 4511720"/>
+              <a:gd name="connsiteX3" fmla="*/ 1920670 w 3046243"/>
+              <a:gd name="connsiteY3" fmla="*/ 1623547 h 4511720"/>
+              <a:gd name="connsiteX4" fmla="*/ 2934659 w 3046243"/>
+              <a:gd name="connsiteY4" fmla="*/ 1641654 h 4511720"/>
+              <a:gd name="connsiteX5" fmla="*/ 2916552 w 3046243"/>
+              <a:gd name="connsiteY5" fmla="*/ 383222 h 4511720"/>
+              <a:gd name="connsiteX6" fmla="*/ 2020259 w 3046243"/>
+              <a:gd name="connsiteY6" fmla="*/ 66351 h 4511720"/>
+              <a:gd name="connsiteX0" fmla="*/ 2019548 w 3045532"/>
+              <a:gd name="connsiteY0" fmla="*/ 66351 h 4512471"/>
+              <a:gd name="connsiteX1" fmla="*/ 27785 w 3045532"/>
+              <a:gd name="connsiteY1" fmla="*/ 1505852 h 4512471"/>
+              <a:gd name="connsiteX2" fmla="*/ 915025 w 3045532"/>
+              <a:gd name="connsiteY2" fmla="*/ 4511602 h 4512471"/>
+              <a:gd name="connsiteX3" fmla="*/ 1775103 w 3045532"/>
+              <a:gd name="connsiteY3" fmla="*/ 1816096 h 4512471"/>
+              <a:gd name="connsiteX4" fmla="*/ 2933948 w 3045532"/>
+              <a:gd name="connsiteY4" fmla="*/ 1641654 h 4512471"/>
+              <a:gd name="connsiteX5" fmla="*/ 2915841 w 3045532"/>
+              <a:gd name="connsiteY5" fmla="*/ 383222 h 4512471"/>
+              <a:gd name="connsiteX6" fmla="*/ 2019548 w 3045532"/>
+              <a:gd name="connsiteY6" fmla="*/ 66351 h 4512471"/>
+              <a:gd name="connsiteX0" fmla="*/ 2019548 w 3034183"/>
+              <a:gd name="connsiteY0" fmla="*/ 62138 h 4508271"/>
+              <a:gd name="connsiteX1" fmla="*/ 27785 w 3034183"/>
+              <a:gd name="connsiteY1" fmla="*/ 1501639 h 4508271"/>
+              <a:gd name="connsiteX2" fmla="*/ 915025 w 3034183"/>
+              <a:gd name="connsiteY2" fmla="*/ 4507389 h 4508271"/>
+              <a:gd name="connsiteX3" fmla="*/ 1775103 w 3034183"/>
+              <a:gd name="connsiteY3" fmla="*/ 1811883 h 4508271"/>
+              <a:gd name="connsiteX4" fmla="*/ 2915841 w 3034183"/>
+              <a:gd name="connsiteY4" fmla="*/ 1444891 h 4508271"/>
+              <a:gd name="connsiteX5" fmla="*/ 2915841 w 3034183"/>
+              <a:gd name="connsiteY5" fmla="*/ 379009 h 4508271"/>
+              <a:gd name="connsiteX6" fmla="*/ 2019548 w 3034183"/>
+              <a:gd name="connsiteY6" fmla="*/ 62138 h 4508271"/>
+              <a:gd name="connsiteX0" fmla="*/ 2020033 w 3034668"/>
+              <a:gd name="connsiteY0" fmla="*/ 62138 h 4508462"/>
+              <a:gd name="connsiteX1" fmla="*/ 28270 w 3034668"/>
+              <a:gd name="connsiteY1" fmla="*/ 1501639 h 4508462"/>
+              <a:gd name="connsiteX2" fmla="*/ 915510 w 3034668"/>
+              <a:gd name="connsiteY2" fmla="*/ 4507389 h 4508462"/>
+              <a:gd name="connsiteX3" fmla="*/ 1875176 w 3034668"/>
+              <a:gd name="connsiteY3" fmla="*/ 1842285 h 4508462"/>
+              <a:gd name="connsiteX4" fmla="*/ 2916326 w 3034668"/>
+              <a:gd name="connsiteY4" fmla="*/ 1444891 h 4508462"/>
+              <a:gd name="connsiteX5" fmla="*/ 2916326 w 3034668"/>
+              <a:gd name="connsiteY5" fmla="*/ 379009 h 4508462"/>
+              <a:gd name="connsiteX6" fmla="*/ 2020033 w 3034668"/>
+              <a:gd name="connsiteY6" fmla="*/ 62138 h 4508462"/>
+              <a:gd name="connsiteX0" fmla="*/ 2020033 w 3034668"/>
+              <a:gd name="connsiteY0" fmla="*/ 62138 h 4508407"/>
+              <a:gd name="connsiteX1" fmla="*/ 28270 w 3034668"/>
+              <a:gd name="connsiteY1" fmla="*/ 1501639 h 4508407"/>
+              <a:gd name="connsiteX2" fmla="*/ 915510 w 3034668"/>
+              <a:gd name="connsiteY2" fmla="*/ 4507389 h 4508407"/>
+              <a:gd name="connsiteX3" fmla="*/ 1875176 w 3034668"/>
+              <a:gd name="connsiteY3" fmla="*/ 1842285 h 4508407"/>
+              <a:gd name="connsiteX4" fmla="*/ 2916326 w 3034668"/>
+              <a:gd name="connsiteY4" fmla="*/ 1444891 h 4508407"/>
+              <a:gd name="connsiteX5" fmla="*/ 2916326 w 3034668"/>
+              <a:gd name="connsiteY5" fmla="*/ 379009 h 4508407"/>
+              <a:gd name="connsiteX6" fmla="*/ 2020033 w 3034668"/>
+              <a:gd name="connsiteY6" fmla="*/ 62138 h 4508407"/>
+              <a:gd name="connsiteX0" fmla="*/ 2020033 w 3010463"/>
+              <a:gd name="connsiteY0" fmla="*/ 61511 h 4507838"/>
+              <a:gd name="connsiteX1" fmla="*/ 28270 w 3010463"/>
+              <a:gd name="connsiteY1" fmla="*/ 1501012 h 4507838"/>
+              <a:gd name="connsiteX2" fmla="*/ 915510 w 3010463"/>
+              <a:gd name="connsiteY2" fmla="*/ 4506762 h 4507838"/>
+              <a:gd name="connsiteX3" fmla="*/ 1875176 w 3010463"/>
+              <a:gd name="connsiteY3" fmla="*/ 1841658 h 4507838"/>
+              <a:gd name="connsiteX4" fmla="*/ 2871058 w 3010463"/>
+              <a:gd name="connsiteY4" fmla="*/ 1413860 h 4507838"/>
+              <a:gd name="connsiteX5" fmla="*/ 2916326 w 3010463"/>
+              <a:gd name="connsiteY5" fmla="*/ 378382 h 4507838"/>
+              <a:gd name="connsiteX6" fmla="*/ 2020033 w 3010463"/>
+              <a:gd name="connsiteY6" fmla="*/ 61511 h 4507838"/>
+              <a:gd name="connsiteX0" fmla="*/ 2020033 w 2973110"/>
+              <a:gd name="connsiteY0" fmla="*/ 61511 h 4507838"/>
+              <a:gd name="connsiteX1" fmla="*/ 28270 w 2973110"/>
+              <a:gd name="connsiteY1" fmla="*/ 1501012 h 4507838"/>
+              <a:gd name="connsiteX2" fmla="*/ 915510 w 2973110"/>
+              <a:gd name="connsiteY2" fmla="*/ 4506762 h 4507838"/>
+              <a:gd name="connsiteX3" fmla="*/ 1875176 w 2973110"/>
+              <a:gd name="connsiteY3" fmla="*/ 1841658 h 4507838"/>
+              <a:gd name="connsiteX4" fmla="*/ 2871058 w 2973110"/>
+              <a:gd name="connsiteY4" fmla="*/ 1413860 h 4507838"/>
+              <a:gd name="connsiteX5" fmla="*/ 2916326 w 2973110"/>
+              <a:gd name="connsiteY5" fmla="*/ 378382 h 4507838"/>
+              <a:gd name="connsiteX6" fmla="*/ 2020033 w 2973110"/>
+              <a:gd name="connsiteY6" fmla="*/ 61511 h 4507838"/>
+              <a:gd name="connsiteX0" fmla="*/ 2020033 w 2910034"/>
+              <a:gd name="connsiteY0" fmla="*/ 55637 h 4501964"/>
+              <a:gd name="connsiteX1" fmla="*/ 28270 w 2910034"/>
+              <a:gd name="connsiteY1" fmla="*/ 1495138 h 4501964"/>
+              <a:gd name="connsiteX2" fmla="*/ 915510 w 2910034"/>
+              <a:gd name="connsiteY2" fmla="*/ 4500888 h 4501964"/>
+              <a:gd name="connsiteX3" fmla="*/ 1875176 w 2910034"/>
+              <a:gd name="connsiteY3" fmla="*/ 1835784 h 4501964"/>
+              <a:gd name="connsiteX4" fmla="*/ 2871058 w 2910034"/>
+              <a:gd name="connsiteY4" fmla="*/ 1407986 h 4501964"/>
+              <a:gd name="connsiteX5" fmla="*/ 2825791 w 2910034"/>
+              <a:gd name="connsiteY5" fmla="*/ 402911 h 4501964"/>
+              <a:gd name="connsiteX6" fmla="*/ 2020033 w 2910034"/>
+              <a:gd name="connsiteY6" fmla="*/ 55637 h 4501964"/>
+              <a:gd name="connsiteX0" fmla="*/ 1737765 w 2918166"/>
+              <a:gd name="connsiteY0" fmla="*/ 207687 h 4167573"/>
+              <a:gd name="connsiteX1" fmla="*/ 17606 w 2918166"/>
+              <a:gd name="connsiteY1" fmla="*/ 1160747 h 4167573"/>
+              <a:gd name="connsiteX2" fmla="*/ 904846 w 2918166"/>
+              <a:gd name="connsiteY2" fmla="*/ 4166497 h 4167573"/>
+              <a:gd name="connsiteX3" fmla="*/ 1864512 w 2918166"/>
+              <a:gd name="connsiteY3" fmla="*/ 1501393 h 4167573"/>
+              <a:gd name="connsiteX4" fmla="*/ 2860394 w 2918166"/>
+              <a:gd name="connsiteY4" fmla="*/ 1073595 h 4167573"/>
+              <a:gd name="connsiteX5" fmla="*/ 2815127 w 2918166"/>
+              <a:gd name="connsiteY5" fmla="*/ 68520 h 4167573"/>
+              <a:gd name="connsiteX6" fmla="*/ 1737765 w 2918166"/>
+              <a:gd name="connsiteY6" fmla="*/ 207687 h 4167573"/>
+              <a:gd name="connsiteX0" fmla="*/ 1737765 w 2863482"/>
+              <a:gd name="connsiteY0" fmla="*/ 112278 h 4072164"/>
+              <a:gd name="connsiteX1" fmla="*/ 17606 w 2863482"/>
+              <a:gd name="connsiteY1" fmla="*/ 1065338 h 4072164"/>
+              <a:gd name="connsiteX2" fmla="*/ 904846 w 2863482"/>
+              <a:gd name="connsiteY2" fmla="*/ 4071088 h 4072164"/>
+              <a:gd name="connsiteX3" fmla="*/ 1864512 w 2863482"/>
+              <a:gd name="connsiteY3" fmla="*/ 1405984 h 4072164"/>
+              <a:gd name="connsiteX4" fmla="*/ 2860394 w 2863482"/>
+              <a:gd name="connsiteY4" fmla="*/ 978186 h 4072164"/>
+              <a:gd name="connsiteX5" fmla="*/ 2606897 w 2863482"/>
+              <a:gd name="connsiteY5" fmla="*/ 114989 h 4072164"/>
+              <a:gd name="connsiteX6" fmla="*/ 1737765 w 2863482"/>
+              <a:gd name="connsiteY6" fmla="*/ 112278 h 4072164"/>
+              <a:gd name="connsiteX0" fmla="*/ 1737765 w 2777634"/>
+              <a:gd name="connsiteY0" fmla="*/ 106851 h 4066744"/>
+              <a:gd name="connsiteX1" fmla="*/ 17606 w 2777634"/>
+              <a:gd name="connsiteY1" fmla="*/ 1059911 h 4066744"/>
+              <a:gd name="connsiteX2" fmla="*/ 904846 w 2777634"/>
+              <a:gd name="connsiteY2" fmla="*/ 4065661 h 4066744"/>
+              <a:gd name="connsiteX3" fmla="*/ 1864512 w 2777634"/>
+              <a:gd name="connsiteY3" fmla="*/ 1400557 h 4066744"/>
+              <a:gd name="connsiteX4" fmla="*/ 2769860 w 2777634"/>
+              <a:gd name="connsiteY4" fmla="*/ 881551 h 4066744"/>
+              <a:gd name="connsiteX5" fmla="*/ 2606897 w 2777634"/>
+              <a:gd name="connsiteY5" fmla="*/ 109562 h 4066744"/>
+              <a:gd name="connsiteX6" fmla="*/ 1737765 w 2777634"/>
+              <a:gd name="connsiteY6" fmla="*/ 106851 h 4066744"/>
+              <a:gd name="connsiteX0" fmla="*/ 1737952 w 2777821"/>
+              <a:gd name="connsiteY0" fmla="*/ 106851 h 4066378"/>
+              <a:gd name="connsiteX1" fmla="*/ 17793 w 2777821"/>
+              <a:gd name="connsiteY1" fmla="*/ 1059911 h 4066378"/>
+              <a:gd name="connsiteX2" fmla="*/ 905033 w 2777821"/>
+              <a:gd name="connsiteY2" fmla="*/ 4065661 h 4066378"/>
+              <a:gd name="connsiteX3" fmla="*/ 1919020 w 2777821"/>
+              <a:gd name="connsiteY3" fmla="*/ 1339752 h 4066378"/>
+              <a:gd name="connsiteX4" fmla="*/ 2770047 w 2777821"/>
+              <a:gd name="connsiteY4" fmla="*/ 881551 h 4066378"/>
+              <a:gd name="connsiteX5" fmla="*/ 2607084 w 2777821"/>
+              <a:gd name="connsiteY5" fmla="*/ 109562 h 4066378"/>
+              <a:gd name="connsiteX6" fmla="*/ 1737952 w 2777821"/>
+              <a:gd name="connsiteY6" fmla="*/ 106851 h 4066378"/>
+              <a:gd name="connsiteX0" fmla="*/ 1737952 w 2777821"/>
+              <a:gd name="connsiteY0" fmla="*/ 106851 h 4066288"/>
+              <a:gd name="connsiteX1" fmla="*/ 17793 w 2777821"/>
+              <a:gd name="connsiteY1" fmla="*/ 1059911 h 4066288"/>
+              <a:gd name="connsiteX2" fmla="*/ 905033 w 2777821"/>
+              <a:gd name="connsiteY2" fmla="*/ 4065661 h 4066288"/>
+              <a:gd name="connsiteX3" fmla="*/ 1919020 w 2777821"/>
+              <a:gd name="connsiteY3" fmla="*/ 1339752 h 4066288"/>
+              <a:gd name="connsiteX4" fmla="*/ 2770047 w 2777821"/>
+              <a:gd name="connsiteY4" fmla="*/ 881551 h 4066288"/>
+              <a:gd name="connsiteX5" fmla="*/ 2607084 w 2777821"/>
+              <a:gd name="connsiteY5" fmla="*/ 109562 h 4066288"/>
+              <a:gd name="connsiteX6" fmla="*/ 1737952 w 2777821"/>
+              <a:gd name="connsiteY6" fmla="*/ 106851 h 4066288"/>
+              <a:gd name="connsiteX0" fmla="*/ 1735013 w 2774882"/>
+              <a:gd name="connsiteY0" fmla="*/ 106851 h 3975195"/>
+              <a:gd name="connsiteX1" fmla="*/ 14854 w 2774882"/>
+              <a:gd name="connsiteY1" fmla="*/ 1059911 h 3975195"/>
+              <a:gd name="connsiteX2" fmla="*/ 956415 w 2774882"/>
+              <a:gd name="connsiteY2" fmla="*/ 3974454 h 3975195"/>
+              <a:gd name="connsiteX3" fmla="*/ 1916081 w 2774882"/>
+              <a:gd name="connsiteY3" fmla="*/ 1339752 h 3975195"/>
+              <a:gd name="connsiteX4" fmla="*/ 2767108 w 2774882"/>
+              <a:gd name="connsiteY4" fmla="*/ 881551 h 3975195"/>
+              <a:gd name="connsiteX5" fmla="*/ 2604145 w 2774882"/>
+              <a:gd name="connsiteY5" fmla="*/ 109562 h 3975195"/>
+              <a:gd name="connsiteX6" fmla="*/ 1735013 w 2774882"/>
+              <a:gd name="connsiteY6" fmla="*/ 106851 h 3975195"/>
+              <a:gd name="connsiteX0" fmla="*/ 1741420 w 2781289"/>
+              <a:gd name="connsiteY0" fmla="*/ 106851 h 3975195"/>
+              <a:gd name="connsiteX1" fmla="*/ 21261 w 2781289"/>
+              <a:gd name="connsiteY1" fmla="*/ 1059911 h 3975195"/>
+              <a:gd name="connsiteX2" fmla="*/ 962822 w 2781289"/>
+              <a:gd name="connsiteY2" fmla="*/ 3974454 h 3975195"/>
+              <a:gd name="connsiteX3" fmla="*/ 1922488 w 2781289"/>
+              <a:gd name="connsiteY3" fmla="*/ 1339752 h 3975195"/>
+              <a:gd name="connsiteX4" fmla="*/ 2773515 w 2781289"/>
+              <a:gd name="connsiteY4" fmla="*/ 881551 h 3975195"/>
+              <a:gd name="connsiteX5" fmla="*/ 2610552 w 2781289"/>
+              <a:gd name="connsiteY5" fmla="*/ 109562 h 3975195"/>
+              <a:gd name="connsiteX6" fmla="*/ 1741420 w 2781289"/>
+              <a:gd name="connsiteY6" fmla="*/ 106851 h 3975195"/>
+              <a:gd name="connsiteX0" fmla="*/ 1734594 w 2774463"/>
+              <a:gd name="connsiteY0" fmla="*/ 106851 h 3975253"/>
+              <a:gd name="connsiteX1" fmla="*/ 14435 w 2774463"/>
+              <a:gd name="connsiteY1" fmla="*/ 1059911 h 3975253"/>
+              <a:gd name="connsiteX2" fmla="*/ 955996 w 2774463"/>
+              <a:gd name="connsiteY2" fmla="*/ 3974454 h 3975253"/>
+              <a:gd name="connsiteX3" fmla="*/ 1761753 w 2774463"/>
+              <a:gd name="connsiteY3" fmla="*/ 1349887 h 3975253"/>
+              <a:gd name="connsiteX4" fmla="*/ 2766689 w 2774463"/>
+              <a:gd name="connsiteY4" fmla="*/ 881551 h 3975253"/>
+              <a:gd name="connsiteX5" fmla="*/ 2603726 w 2774463"/>
+              <a:gd name="connsiteY5" fmla="*/ 109562 h 3975253"/>
+              <a:gd name="connsiteX6" fmla="*/ 1734594 w 2774463"/>
+              <a:gd name="connsiteY6" fmla="*/ 106851 h 3975253"/>
+              <a:gd name="connsiteX0" fmla="*/ 1734335 w 2774204"/>
+              <a:gd name="connsiteY0" fmla="*/ 106851 h 3978613"/>
+              <a:gd name="connsiteX1" fmla="*/ 14176 w 2774204"/>
+              <a:gd name="connsiteY1" fmla="*/ 1059911 h 3978613"/>
+              <a:gd name="connsiteX2" fmla="*/ 955737 w 2774204"/>
+              <a:gd name="connsiteY2" fmla="*/ 3974454 h 3978613"/>
+              <a:gd name="connsiteX3" fmla="*/ 1661906 w 2774204"/>
+              <a:gd name="connsiteY3" fmla="*/ 1684314 h 3978613"/>
+              <a:gd name="connsiteX4" fmla="*/ 2766430 w 2774204"/>
+              <a:gd name="connsiteY4" fmla="*/ 881551 h 3978613"/>
+              <a:gd name="connsiteX5" fmla="*/ 2603467 w 2774204"/>
+              <a:gd name="connsiteY5" fmla="*/ 109562 h 3978613"/>
+              <a:gd name="connsiteX6" fmla="*/ 1734335 w 2774204"/>
+              <a:gd name="connsiteY6" fmla="*/ 106851 h 3978613"/>
+              <a:gd name="connsiteX0" fmla="*/ 1734335 w 2908494"/>
+              <a:gd name="connsiteY0" fmla="*/ 106851 h 3978578"/>
+              <a:gd name="connsiteX1" fmla="*/ 14176 w 2908494"/>
+              <a:gd name="connsiteY1" fmla="*/ 1059911 h 3978578"/>
+              <a:gd name="connsiteX2" fmla="*/ 955737 w 2908494"/>
+              <a:gd name="connsiteY2" fmla="*/ 3974454 h 3978578"/>
+              <a:gd name="connsiteX3" fmla="*/ 1661906 w 2908494"/>
+              <a:gd name="connsiteY3" fmla="*/ 1684314 h 3978578"/>
+              <a:gd name="connsiteX4" fmla="*/ 2838858 w 2908494"/>
+              <a:gd name="connsiteY4" fmla="*/ 981842 h 3978578"/>
+              <a:gd name="connsiteX5" fmla="*/ 2766430 w 2908494"/>
+              <a:gd name="connsiteY5" fmla="*/ 881551 h 3978578"/>
+              <a:gd name="connsiteX6" fmla="*/ 2603467 w 2908494"/>
+              <a:gd name="connsiteY6" fmla="*/ 109562 h 3978578"/>
+              <a:gd name="connsiteX7" fmla="*/ 1734335 w 2908494"/>
+              <a:gd name="connsiteY7" fmla="*/ 106851 h 3978578"/>
+              <a:gd name="connsiteX0" fmla="*/ 1734335 w 2918109"/>
+              <a:gd name="connsiteY0" fmla="*/ 88155 h 3959882"/>
+              <a:gd name="connsiteX1" fmla="*/ 14176 w 2918109"/>
+              <a:gd name="connsiteY1" fmla="*/ 1041215 h 3959882"/>
+              <a:gd name="connsiteX2" fmla="*/ 955737 w 2918109"/>
+              <a:gd name="connsiteY2" fmla="*/ 3955758 h 3959882"/>
+              <a:gd name="connsiteX3" fmla="*/ 1661906 w 2918109"/>
+              <a:gd name="connsiteY3" fmla="*/ 1665618 h 3959882"/>
+              <a:gd name="connsiteX4" fmla="*/ 2838858 w 2918109"/>
+              <a:gd name="connsiteY4" fmla="*/ 963146 h 3959882"/>
+              <a:gd name="connsiteX5" fmla="*/ 2811697 w 2918109"/>
+              <a:gd name="connsiteY5" fmla="*/ 518293 h 3959882"/>
+              <a:gd name="connsiteX6" fmla="*/ 2603467 w 2918109"/>
+              <a:gd name="connsiteY6" fmla="*/ 90866 h 3959882"/>
+              <a:gd name="connsiteX7" fmla="*/ 1734335 w 2918109"/>
+              <a:gd name="connsiteY7" fmla="*/ 88155 h 3959882"/>
+              <a:gd name="connsiteX0" fmla="*/ 1734335 w 2935471"/>
+              <a:gd name="connsiteY0" fmla="*/ 88155 h 3959882"/>
+              <a:gd name="connsiteX1" fmla="*/ 14176 w 2935471"/>
+              <a:gd name="connsiteY1" fmla="*/ 1041215 h 3959882"/>
+              <a:gd name="connsiteX2" fmla="*/ 955737 w 2935471"/>
+              <a:gd name="connsiteY2" fmla="*/ 3955758 h 3959882"/>
+              <a:gd name="connsiteX3" fmla="*/ 1661906 w 2935471"/>
+              <a:gd name="connsiteY3" fmla="*/ 1665618 h 3959882"/>
+              <a:gd name="connsiteX4" fmla="*/ 2838858 w 2935471"/>
+              <a:gd name="connsiteY4" fmla="*/ 963146 h 3959882"/>
+              <a:gd name="connsiteX5" fmla="*/ 2811697 w 2935471"/>
+              <a:gd name="connsiteY5" fmla="*/ 518293 h 3959882"/>
+              <a:gd name="connsiteX6" fmla="*/ 2603467 w 2935471"/>
+              <a:gd name="connsiteY6" fmla="*/ 90866 h 3959882"/>
+              <a:gd name="connsiteX7" fmla="*/ 1734335 w 2935471"/>
+              <a:gd name="connsiteY7" fmla="*/ 88155 h 3959882"/>
+              <a:gd name="connsiteX0" fmla="*/ 1734335 w 2948718"/>
+              <a:gd name="connsiteY0" fmla="*/ 86664 h 3958391"/>
+              <a:gd name="connsiteX1" fmla="*/ 14176 w 2948718"/>
+              <a:gd name="connsiteY1" fmla="*/ 1039724 h 3958391"/>
+              <a:gd name="connsiteX2" fmla="*/ 955737 w 2948718"/>
+              <a:gd name="connsiteY2" fmla="*/ 3954267 h 3958391"/>
+              <a:gd name="connsiteX3" fmla="*/ 1661906 w 2948718"/>
+              <a:gd name="connsiteY3" fmla="*/ 1664127 h 3958391"/>
+              <a:gd name="connsiteX4" fmla="*/ 2838858 w 2948718"/>
+              <a:gd name="connsiteY4" fmla="*/ 961655 h 3958391"/>
+              <a:gd name="connsiteX5" fmla="*/ 2847911 w 2948718"/>
+              <a:gd name="connsiteY5" fmla="*/ 486399 h 3958391"/>
+              <a:gd name="connsiteX6" fmla="*/ 2603467 w 2948718"/>
+              <a:gd name="connsiteY6" fmla="*/ 89375 h 3958391"/>
+              <a:gd name="connsiteX7" fmla="*/ 1734335 w 2948718"/>
+              <a:gd name="connsiteY7" fmla="*/ 86664 h 3958391"/>
+              <a:gd name="connsiteX0" fmla="*/ 1734335 w 2948718"/>
+              <a:gd name="connsiteY0" fmla="*/ 86664 h 3958391"/>
+              <a:gd name="connsiteX1" fmla="*/ 14176 w 2948718"/>
+              <a:gd name="connsiteY1" fmla="*/ 1039724 h 3958391"/>
+              <a:gd name="connsiteX2" fmla="*/ 955737 w 2948718"/>
+              <a:gd name="connsiteY2" fmla="*/ 3954267 h 3958391"/>
+              <a:gd name="connsiteX3" fmla="*/ 1661906 w 2948718"/>
+              <a:gd name="connsiteY3" fmla="*/ 1664127 h 3958391"/>
+              <a:gd name="connsiteX4" fmla="*/ 2838858 w 2948718"/>
+              <a:gd name="connsiteY4" fmla="*/ 961655 h 3958391"/>
+              <a:gd name="connsiteX5" fmla="*/ 2847911 w 2948718"/>
+              <a:gd name="connsiteY5" fmla="*/ 486399 h 3958391"/>
+              <a:gd name="connsiteX6" fmla="*/ 2603467 w 2948718"/>
+              <a:gd name="connsiteY6" fmla="*/ 89375 h 3958391"/>
+              <a:gd name="connsiteX7" fmla="*/ 1734335 w 2948718"/>
+              <a:gd name="connsiteY7" fmla="*/ 86664 h 3958391"/>
+              <a:gd name="connsiteX0" fmla="*/ 1734335 w 2894173"/>
+              <a:gd name="connsiteY0" fmla="*/ 112827 h 3984554"/>
+              <a:gd name="connsiteX1" fmla="*/ 14176 w 2894173"/>
+              <a:gd name="connsiteY1" fmla="*/ 1065887 h 3984554"/>
+              <a:gd name="connsiteX2" fmla="*/ 955737 w 2894173"/>
+              <a:gd name="connsiteY2" fmla="*/ 3980430 h 3984554"/>
+              <a:gd name="connsiteX3" fmla="*/ 1661906 w 2894173"/>
+              <a:gd name="connsiteY3" fmla="*/ 1690290 h 3984554"/>
+              <a:gd name="connsiteX4" fmla="*/ 2838858 w 2894173"/>
+              <a:gd name="connsiteY4" fmla="*/ 987818 h 3984554"/>
+              <a:gd name="connsiteX5" fmla="*/ 2603467 w 2894173"/>
+              <a:gd name="connsiteY5" fmla="*/ 115538 h 3984554"/>
+              <a:gd name="connsiteX6" fmla="*/ 1734335 w 2894173"/>
+              <a:gd name="connsiteY6" fmla="*/ 112827 h 3984554"/>
+              <a:gd name="connsiteX0" fmla="*/ 1741519 w 2901357"/>
+              <a:gd name="connsiteY0" fmla="*/ 112827 h 3980499"/>
+              <a:gd name="connsiteX1" fmla="*/ 21360 w 2901357"/>
+              <a:gd name="connsiteY1" fmla="*/ 1065887 h 3980499"/>
+              <a:gd name="connsiteX2" fmla="*/ 962921 w 2901357"/>
+              <a:gd name="connsiteY2" fmla="*/ 3980430 h 3980499"/>
+              <a:gd name="connsiteX3" fmla="*/ 1669090 w 2901357"/>
+              <a:gd name="connsiteY3" fmla="*/ 1690290 h 3980499"/>
+              <a:gd name="connsiteX4" fmla="*/ 2846042 w 2901357"/>
+              <a:gd name="connsiteY4" fmla="*/ 987818 h 3980499"/>
+              <a:gd name="connsiteX5" fmla="*/ 2610651 w 2901357"/>
+              <a:gd name="connsiteY5" fmla="*/ 115538 h 3980499"/>
+              <a:gd name="connsiteX6" fmla="*/ 1741519 w 2901357"/>
+              <a:gd name="connsiteY6" fmla="*/ 112827 h 3980499"/>
+              <a:gd name="connsiteX0" fmla="*/ 1432202 w 2592040"/>
+              <a:gd name="connsiteY0" fmla="*/ 202138 h 4077507"/>
+              <a:gd name="connsiteX1" fmla="*/ 19860 w 2592040"/>
+              <a:gd name="connsiteY1" fmla="*/ 2442237 h 4077507"/>
+              <a:gd name="connsiteX2" fmla="*/ 653604 w 2592040"/>
+              <a:gd name="connsiteY2" fmla="*/ 4069741 h 4077507"/>
+              <a:gd name="connsiteX3" fmla="*/ 1359773 w 2592040"/>
+              <a:gd name="connsiteY3" fmla="*/ 1779601 h 4077507"/>
+              <a:gd name="connsiteX4" fmla="*/ 2536725 w 2592040"/>
+              <a:gd name="connsiteY4" fmla="*/ 1077129 h 4077507"/>
+              <a:gd name="connsiteX5" fmla="*/ 2301334 w 2592040"/>
+              <a:gd name="connsiteY5" fmla="*/ 204849 h 4077507"/>
+              <a:gd name="connsiteX6" fmla="*/ 1432202 w 2592040"/>
+              <a:gd name="connsiteY6" fmla="*/ 202138 h 4077507"/>
+              <a:gd name="connsiteX0" fmla="*/ 1414752 w 2574590"/>
+              <a:gd name="connsiteY0" fmla="*/ 202138 h 4077707"/>
+              <a:gd name="connsiteX1" fmla="*/ 2410 w 2574590"/>
+              <a:gd name="connsiteY1" fmla="*/ 2442237 h 4077707"/>
+              <a:gd name="connsiteX2" fmla="*/ 636154 w 2574590"/>
+              <a:gd name="connsiteY2" fmla="*/ 4069741 h 4077707"/>
+              <a:gd name="connsiteX3" fmla="*/ 1342323 w 2574590"/>
+              <a:gd name="connsiteY3" fmla="*/ 1779601 h 4077707"/>
+              <a:gd name="connsiteX4" fmla="*/ 2519275 w 2574590"/>
+              <a:gd name="connsiteY4" fmla="*/ 1077129 h 4077707"/>
+              <a:gd name="connsiteX5" fmla="*/ 2283884 w 2574590"/>
+              <a:gd name="connsiteY5" fmla="*/ 204849 h 4077707"/>
+              <a:gd name="connsiteX6" fmla="*/ 1414752 w 2574590"/>
+              <a:gd name="connsiteY6" fmla="*/ 202138 h 4077707"/>
+              <a:gd name="connsiteX0" fmla="*/ 1441803 w 2601641"/>
+              <a:gd name="connsiteY0" fmla="*/ 215289 h 4097449"/>
+              <a:gd name="connsiteX1" fmla="*/ 2301 w 2601641"/>
+              <a:gd name="connsiteY1" fmla="*/ 2637803 h 4097449"/>
+              <a:gd name="connsiteX2" fmla="*/ 663205 w 2601641"/>
+              <a:gd name="connsiteY2" fmla="*/ 4082892 h 4097449"/>
+              <a:gd name="connsiteX3" fmla="*/ 1369374 w 2601641"/>
+              <a:gd name="connsiteY3" fmla="*/ 1792752 h 4097449"/>
+              <a:gd name="connsiteX4" fmla="*/ 2546326 w 2601641"/>
+              <a:gd name="connsiteY4" fmla="*/ 1090280 h 4097449"/>
+              <a:gd name="connsiteX5" fmla="*/ 2310935 w 2601641"/>
+              <a:gd name="connsiteY5" fmla="*/ 218000 h 4097449"/>
+              <a:gd name="connsiteX6" fmla="*/ 1441803 w 2601641"/>
+              <a:gd name="connsiteY6" fmla="*/ 215289 h 4097449"/>
+              <a:gd name="connsiteX0" fmla="*/ 1028118 w 2615426"/>
+              <a:gd name="connsiteY0" fmla="*/ 562904 h 3886169"/>
+              <a:gd name="connsiteX1" fmla="*/ 5075 w 2615426"/>
+              <a:gd name="connsiteY1" fmla="*/ 2428038 h 3886169"/>
+              <a:gd name="connsiteX2" fmla="*/ 665979 w 2615426"/>
+              <a:gd name="connsiteY2" fmla="*/ 3873127 h 3886169"/>
+              <a:gd name="connsiteX3" fmla="*/ 1372148 w 2615426"/>
+              <a:gd name="connsiteY3" fmla="*/ 1582987 h 3886169"/>
+              <a:gd name="connsiteX4" fmla="*/ 2549100 w 2615426"/>
+              <a:gd name="connsiteY4" fmla="*/ 880515 h 3886169"/>
+              <a:gd name="connsiteX5" fmla="*/ 2313709 w 2615426"/>
+              <a:gd name="connsiteY5" fmla="*/ 8235 h 3886169"/>
+              <a:gd name="connsiteX6" fmla="*/ 1028118 w 2615426"/>
+              <a:gd name="connsiteY6" fmla="*/ 562904 h 3886169"/>
+              <a:gd name="connsiteX0" fmla="*/ 1028118 w 2590678"/>
+              <a:gd name="connsiteY0" fmla="*/ 455559 h 3778824"/>
+              <a:gd name="connsiteX1" fmla="*/ 5075 w 2590678"/>
+              <a:gd name="connsiteY1" fmla="*/ 2320693 h 3778824"/>
+              <a:gd name="connsiteX2" fmla="*/ 665979 w 2590678"/>
+              <a:gd name="connsiteY2" fmla="*/ 3765782 h 3778824"/>
+              <a:gd name="connsiteX3" fmla="*/ 1372148 w 2590678"/>
+              <a:gd name="connsiteY3" fmla="*/ 1475642 h 3778824"/>
+              <a:gd name="connsiteX4" fmla="*/ 2549100 w 2590678"/>
+              <a:gd name="connsiteY4" fmla="*/ 773170 h 3778824"/>
+              <a:gd name="connsiteX5" fmla="*/ 2132640 w 2590678"/>
+              <a:gd name="connsiteY5" fmla="*/ 12366 h 3778824"/>
+              <a:gd name="connsiteX6" fmla="*/ 1028118 w 2590678"/>
+              <a:gd name="connsiteY6" fmla="*/ 455559 h 3778824"/>
+              <a:gd name="connsiteX0" fmla="*/ 1028118 w 2492063"/>
+              <a:gd name="connsiteY0" fmla="*/ 457250 h 3780515"/>
+              <a:gd name="connsiteX1" fmla="*/ 5075 w 2492063"/>
+              <a:gd name="connsiteY1" fmla="*/ 2322384 h 3780515"/>
+              <a:gd name="connsiteX2" fmla="*/ 665979 w 2492063"/>
+              <a:gd name="connsiteY2" fmla="*/ 3767473 h 3780515"/>
+              <a:gd name="connsiteX3" fmla="*/ 1372148 w 2492063"/>
+              <a:gd name="connsiteY3" fmla="*/ 1477333 h 3780515"/>
+              <a:gd name="connsiteX4" fmla="*/ 2440459 w 2492063"/>
+              <a:gd name="connsiteY4" fmla="*/ 805265 h 3780515"/>
+              <a:gd name="connsiteX5" fmla="*/ 2132640 w 2492063"/>
+              <a:gd name="connsiteY5" fmla="*/ 14057 h 3780515"/>
+              <a:gd name="connsiteX6" fmla="*/ 1028118 w 2492063"/>
+              <a:gd name="connsiteY6" fmla="*/ 457250 h 3780515"/>
+              <a:gd name="connsiteX0" fmla="*/ 1026712 w 2490657"/>
+              <a:gd name="connsiteY0" fmla="*/ 457250 h 3820679"/>
+              <a:gd name="connsiteX1" fmla="*/ 3669 w 2490657"/>
+              <a:gd name="connsiteY1" fmla="*/ 2322384 h 3820679"/>
+              <a:gd name="connsiteX2" fmla="*/ 709840 w 2490657"/>
+              <a:gd name="connsiteY2" fmla="*/ 3808010 h 3820679"/>
+              <a:gd name="connsiteX3" fmla="*/ 1370742 w 2490657"/>
+              <a:gd name="connsiteY3" fmla="*/ 1477333 h 3820679"/>
+              <a:gd name="connsiteX4" fmla="*/ 2439053 w 2490657"/>
+              <a:gd name="connsiteY4" fmla="*/ 805265 h 3820679"/>
+              <a:gd name="connsiteX5" fmla="*/ 2131234 w 2490657"/>
+              <a:gd name="connsiteY5" fmla="*/ 14057 h 3820679"/>
+              <a:gd name="connsiteX6" fmla="*/ 1026712 w 2490657"/>
+              <a:gd name="connsiteY6" fmla="*/ 457250 h 3820679"/>
+              <a:gd name="connsiteX0" fmla="*/ 1033554 w 2497499"/>
+              <a:gd name="connsiteY0" fmla="*/ 457250 h 3874465"/>
+              <a:gd name="connsiteX1" fmla="*/ 10511 w 2497499"/>
+              <a:gd name="connsiteY1" fmla="*/ 2322384 h 3874465"/>
+              <a:gd name="connsiteX2" fmla="*/ 716682 w 2497499"/>
+              <a:gd name="connsiteY2" fmla="*/ 3808010 h 3874465"/>
+              <a:gd name="connsiteX3" fmla="*/ 1377584 w 2497499"/>
+              <a:gd name="connsiteY3" fmla="*/ 1477333 h 3874465"/>
+              <a:gd name="connsiteX4" fmla="*/ 2445895 w 2497499"/>
+              <a:gd name="connsiteY4" fmla="*/ 805265 h 3874465"/>
+              <a:gd name="connsiteX5" fmla="*/ 2138076 w 2497499"/>
+              <a:gd name="connsiteY5" fmla="*/ 14057 h 3874465"/>
+              <a:gd name="connsiteX6" fmla="*/ 1033554 w 2497499"/>
+              <a:gd name="connsiteY6" fmla="*/ 457250 h 3874465"/>
+              <a:gd name="connsiteX0" fmla="*/ 1025808 w 2489753"/>
+              <a:gd name="connsiteY0" fmla="*/ 457250 h 3835365"/>
+              <a:gd name="connsiteX1" fmla="*/ 2765 w 2489753"/>
+              <a:gd name="connsiteY1" fmla="*/ 2322384 h 3835365"/>
+              <a:gd name="connsiteX2" fmla="*/ 835684 w 2489753"/>
+              <a:gd name="connsiteY2" fmla="*/ 3767473 h 3835365"/>
+              <a:gd name="connsiteX3" fmla="*/ 1369838 w 2489753"/>
+              <a:gd name="connsiteY3" fmla="*/ 1477333 h 3835365"/>
+              <a:gd name="connsiteX4" fmla="*/ 2438149 w 2489753"/>
+              <a:gd name="connsiteY4" fmla="*/ 805265 h 3835365"/>
+              <a:gd name="connsiteX5" fmla="*/ 2130330 w 2489753"/>
+              <a:gd name="connsiteY5" fmla="*/ 14057 h 3835365"/>
+              <a:gd name="connsiteX6" fmla="*/ 1025808 w 2489753"/>
+              <a:gd name="connsiteY6" fmla="*/ 457250 h 3835365"/>
+              <a:gd name="connsiteX0" fmla="*/ 1025216 w 2489161"/>
+              <a:gd name="connsiteY0" fmla="*/ 457250 h 3699042"/>
+              <a:gd name="connsiteX1" fmla="*/ 2173 w 2489161"/>
+              <a:gd name="connsiteY1" fmla="*/ 2322384 h 3699042"/>
+              <a:gd name="connsiteX2" fmla="*/ 853199 w 2489161"/>
+              <a:gd name="connsiteY2" fmla="*/ 3625595 h 3699042"/>
+              <a:gd name="connsiteX3" fmla="*/ 1369246 w 2489161"/>
+              <a:gd name="connsiteY3" fmla="*/ 1477333 h 3699042"/>
+              <a:gd name="connsiteX4" fmla="*/ 2437557 w 2489161"/>
+              <a:gd name="connsiteY4" fmla="*/ 805265 h 3699042"/>
+              <a:gd name="connsiteX5" fmla="*/ 2129738 w 2489161"/>
+              <a:gd name="connsiteY5" fmla="*/ 14057 h 3699042"/>
+              <a:gd name="connsiteX6" fmla="*/ 1025216 w 2489161"/>
+              <a:gd name="connsiteY6" fmla="*/ 457250 h 3699042"/>
+            </a:gdLst>
+            <a:ahLst/>
+            <a:cxnLst>
+              <a:cxn ang="0">
+                <a:pos x="connsiteX0" y="connsiteY0"/>
+              </a:cxn>
+              <a:cxn ang="0">
+                <a:pos x="connsiteX1" y="connsiteY1"/>
+              </a:cxn>
+              <a:cxn ang="0">
+                <a:pos x="connsiteX2" y="connsiteY2"/>
+              </a:cxn>
+              <a:cxn ang="0">
+                <a:pos x="connsiteX3" y="connsiteY3"/>
+              </a:cxn>
+              <a:cxn ang="0">
+                <a:pos x="connsiteX4" y="connsiteY4"/>
+              </a:cxn>
+              <a:cxn ang="0">
+                <a:pos x="connsiteX5" y="connsiteY5"/>
+              </a:cxn>
+              <a:cxn ang="0">
+                <a:pos x="connsiteX6" y="connsiteY6"/>
+              </a:cxn>
+            </a:cxnLst>
+            <a:rect l="l" t="t" r="r" b="b"/>
+            <a:pathLst>
+              <a:path w="2489161" h="3699042">
+                <a:moveTo>
+                  <a:pt x="1025216" y="457250"/>
+                </a:moveTo>
+                <a:cubicBezTo>
+                  <a:pt x="670622" y="841971"/>
+                  <a:pt x="30842" y="1794327"/>
+                  <a:pt x="2173" y="2322384"/>
+                </a:cubicBezTo>
+                <a:cubicBezTo>
+                  <a:pt x="-26496" y="2850441"/>
+                  <a:pt x="227002" y="3999524"/>
+                  <a:pt x="853199" y="3625595"/>
+                </a:cubicBezTo>
+                <a:cubicBezTo>
+                  <a:pt x="1479396" y="3251666"/>
+                  <a:pt x="1105186" y="1947388"/>
+                  <a:pt x="1369246" y="1477333"/>
+                </a:cubicBezTo>
+                <a:cubicBezTo>
+                  <a:pt x="1633306" y="1007278"/>
+                  <a:pt x="2280630" y="1067724"/>
+                  <a:pt x="2437557" y="805265"/>
+                </a:cubicBezTo>
+                <a:cubicBezTo>
+                  <a:pt x="2594484" y="542806"/>
+                  <a:pt x="2365128" y="72060"/>
+                  <a:pt x="2129738" y="14057"/>
+                </a:cubicBezTo>
+                <a:cubicBezTo>
+                  <a:pt x="1894348" y="-43946"/>
+                  <a:pt x="1379810" y="72529"/>
+                  <a:pt x="1025216" y="457250"/>
+                </a:cubicBezTo>
+                <a:close/>
+              </a:path>
+            </a:pathLst>
+          </a:custGeom>
+          <a:noFill/>
+          <a:ln>
+            <a:solidFill>
+              <a:schemeClr val="tx2"/>
+            </a:solidFill>
+            <a:prstDash val="sysDot"/>
+          </a:ln>
+        </p:spPr>
+        <p:style>
+          <a:lnRef idx="2">
+            <a:schemeClr val="accent1">
+              <a:shade val="50000"/>
+            </a:schemeClr>
+          </a:lnRef>
+          <a:fillRef idx="1">
+            <a:schemeClr val="accent1"/>
+          </a:fillRef>
+          <a:effectRef idx="0">
+            <a:schemeClr val="accent1"/>
+          </a:effectRef>
+          <a:fontRef idx="minor">
+            <a:schemeClr val="lt1"/>
+          </a:fontRef>
+        </p:style>
+        <p:txBody>
+          <a:bodyPr rtlCol="0" anchor="ctr"/>
+          <a:lstStyle/>
+          <a:p>
+            <a:pPr algn="ctr"/>
+            <a:endParaRPr lang="en-AU"/>
+          </a:p>
+        </p:txBody>
+      </p:sp>
+      <p:sp>
+        <p:nvSpPr>
+          <p:cNvPr id="11" name="Freeform 10"/>
+          <p:cNvSpPr/>
+          <p:nvPr/>
+        </p:nvSpPr>
+        <p:spPr>
+          <a:xfrm>
+            <a:off x="6074221" y="2905513"/>
+            <a:ext cx="2735780" cy="2719501"/>
+          </a:xfrm>
+          <a:custGeom>
+            <a:avLst/>
+            <a:gdLst>
+              <a:gd name="connsiteX0" fmla="*/ 2137272 w 2735780"/>
+              <a:gd name="connsiteY0" fmla="*/ 649 h 2719501"/>
+              <a:gd name="connsiteX1" fmla="*/ 426167 w 2735780"/>
+              <a:gd name="connsiteY1" fmla="*/ 389948 h 2719501"/>
+              <a:gd name="connsiteX2" fmla="*/ 654 w 2735780"/>
+              <a:gd name="connsiteY2" fmla="*/ 1693647 h 2719501"/>
+              <a:gd name="connsiteX3" fmla="*/ 389953 w 2735780"/>
+              <a:gd name="connsiteY3" fmla="*/ 2662368 h 2719501"/>
+              <a:gd name="connsiteX4" fmla="*/ 2200646 w 2735780"/>
+              <a:gd name="connsiteY4" fmla="*/ 2372657 h 2719501"/>
+              <a:gd name="connsiteX5" fmla="*/ 2734801 w 2735780"/>
+              <a:gd name="connsiteY5" fmla="*/ 453323 h 2719501"/>
+              <a:gd name="connsiteX6" fmla="*/ 2137272 w 2735780"/>
+              <a:gd name="connsiteY6" fmla="*/ 649 h 2719501"/>
+            </a:gdLst>
+            <a:ahLst/>
+            <a:cxnLst>
+              <a:cxn ang="0">
+                <a:pos x="connsiteX0" y="connsiteY0"/>
+              </a:cxn>
+              <a:cxn ang="0">
+                <a:pos x="connsiteX1" y="connsiteY1"/>
+              </a:cxn>
+              <a:cxn ang="0">
+                <a:pos x="connsiteX2" y="connsiteY2"/>
+              </a:cxn>
+              <a:cxn ang="0">
+                <a:pos x="connsiteX3" y="connsiteY3"/>
+              </a:cxn>
+              <a:cxn ang="0">
+                <a:pos x="connsiteX4" y="connsiteY4"/>
+              </a:cxn>
+              <a:cxn ang="0">
+                <a:pos x="connsiteX5" y="connsiteY5"/>
+              </a:cxn>
+              <a:cxn ang="0">
+                <a:pos x="connsiteX6" y="connsiteY6"/>
+              </a:cxn>
+            </a:cxnLst>
+            <a:rect l="l" t="t" r="r" b="b"/>
+            <a:pathLst>
+              <a:path w="2735780" h="2719501">
+                <a:moveTo>
+                  <a:pt x="2137272" y="649"/>
+                </a:moveTo>
+                <a:cubicBezTo>
+                  <a:pt x="1752500" y="-9913"/>
+                  <a:pt x="782270" y="107782"/>
+                  <a:pt x="426167" y="389948"/>
+                </a:cubicBezTo>
+                <a:cubicBezTo>
+                  <a:pt x="70064" y="672114"/>
+                  <a:pt x="6690" y="1314910"/>
+                  <a:pt x="654" y="1693647"/>
+                </a:cubicBezTo>
+                <a:cubicBezTo>
+                  <a:pt x="-5382" y="2072384"/>
+                  <a:pt x="23288" y="2549200"/>
+                  <a:pt x="389953" y="2662368"/>
+                </a:cubicBezTo>
+                <a:cubicBezTo>
+                  <a:pt x="756618" y="2775536"/>
+                  <a:pt x="1809838" y="2740831"/>
+                  <a:pt x="2200646" y="2372657"/>
+                </a:cubicBezTo>
+                <a:cubicBezTo>
+                  <a:pt x="2591454" y="2004483"/>
+                  <a:pt x="2749890" y="845640"/>
+                  <a:pt x="2734801" y="453323"/>
+                </a:cubicBezTo>
+                <a:cubicBezTo>
+                  <a:pt x="2719712" y="61006"/>
+                  <a:pt x="2522044" y="11211"/>
+                  <a:pt x="2137272" y="649"/>
+                </a:cubicBezTo>
+                <a:close/>
+              </a:path>
+            </a:pathLst>
+          </a:custGeom>
+          <a:noFill/>
+          <a:ln>
+            <a:solidFill>
+              <a:schemeClr val="tx2"/>
+            </a:solidFill>
+            <a:prstDash val="sysDot"/>
+          </a:ln>
+        </p:spPr>
+        <p:style>
+          <a:lnRef idx="2">
+            <a:schemeClr val="accent1">
+              <a:shade val="50000"/>
+            </a:schemeClr>
+          </a:lnRef>
+          <a:fillRef idx="1">
+            <a:schemeClr val="accent1"/>
+          </a:fillRef>
+          <a:effectRef idx="0">
+            <a:schemeClr val="accent1"/>
+          </a:effectRef>
+          <a:fontRef idx="minor">
+            <a:schemeClr val="lt1"/>
+          </a:fontRef>
+        </p:style>
+        <p:txBody>
+          <a:bodyPr rtlCol="0" anchor="ctr"/>
+          <a:lstStyle/>
+          <a:p>
+            <a:pPr algn="ctr"/>
+            <a:endParaRPr lang="en-AU"/>
+          </a:p>
+        </p:txBody>
+      </p:sp>
     </p:spTree>
     <p:extLst>
       <p:ext uri="{BB962C8B-B14F-4D97-AF65-F5344CB8AC3E}">
@@ -15976,6 +16666,41 @@
                                   </p:childTnLst>
                                 </p:cTn>
                               </p:par>
+                              <p:par>
+                                <p:cTn id="32" presetID="10" presetClass="entr" presetSubtype="0" fill="hold" grpId="0" nodeType="withEffect">
+                                  <p:stCondLst>
+                                    <p:cond delay="0"/>
+                                  </p:stCondLst>
+                                  <p:childTnLst>
+                                    <p:set>
+                                      <p:cBhvr>
+                                        <p:cTn id="33" dur="1" fill="hold">
+                                          <p:stCondLst>
+                                            <p:cond delay="0"/>
+                                          </p:stCondLst>
+                                        </p:cTn>
+                                        <p:tgtEl>
+                                          <p:spTgt spid="9"/>
+                                        </p:tgtEl>
+                                        <p:attrNameLst>
+                                          <p:attrName>style.visibility</p:attrName>
+                                        </p:attrNameLst>
+                                      </p:cBhvr>
+                                      <p:to>
+                                        <p:strVal val="visible"/>
+                                      </p:to>
+                                    </p:set>
+                                    <p:animEffect transition="in" filter="fade">
+                                      <p:cBhvr>
+                                        <p:cTn id="34" dur="500"/>
+                                        <p:tgtEl>
+                                          <p:spTgt spid="9"/>
+                                        </p:tgtEl>
+                                      </p:cBhvr>
+                                    </p:animEffect>
+                                  </p:childTnLst>
+                                </p:cTn>
+                              </p:par>
                             </p:childTnLst>
                           </p:cTn>
                         </p:par>
@@ -15983,26 +16708,26 @@
                     </p:cTn>
                   </p:par>
                   <p:par>
-                    <p:cTn id="32" fill="hold">
+                    <p:cTn id="35" fill="hold">
                       <p:stCondLst>
                         <p:cond delay="indefinite"/>
                       </p:stCondLst>
                       <p:childTnLst>
                         <p:par>
-                          <p:cTn id="33" fill="hold">
+                          <p:cTn id="36" fill="hold">
                             <p:stCondLst>
                               <p:cond delay="0"/>
                             </p:stCondLst>
                             <p:childTnLst>
                               <p:par>
-                                <p:cTn id="34" presetID="10" presetClass="entr" presetSubtype="0" fill="hold" grpId="0" nodeType="clickEffect">
+                                <p:cTn id="37" presetID="10" presetClass="entr" presetSubtype="0" fill="hold" grpId="0" nodeType="clickEffect">
                                   <p:stCondLst>
                                     <p:cond delay="0"/>
                                   </p:stCondLst>
                                   <p:childTnLst>
                                     <p:set>
                                       <p:cBhvr>
-                                        <p:cTn id="35" dur="1" fill="hold">
+                                        <p:cTn id="38" dur="1" fill="hold">
                                           <p:stCondLst>
                                             <p:cond delay="0"/>
                                           </p:stCondLst>
@@ -16020,7 +16745,7 @@
                                     </p:set>
                                     <p:animEffect transition="in" filter="fade">
                                       <p:cBhvr>
-                                        <p:cTn id="36" dur="500"/>
+                                        <p:cTn id="39" dur="500"/>
                                         <p:tgtEl>
                                           <p:spTgt spid="54"/>
                                         </p:tgtEl>
@@ -16036,26 +16761,26 @@
                     </p:cTn>
                   </p:par>
                   <p:par>
-                    <p:cTn id="37" fill="hold">
+                    <p:cTn id="40" fill="hold">
                       <p:stCondLst>
                         <p:cond delay="indefinite"/>
                       </p:stCondLst>
                       <p:childTnLst>
                         <p:par>
-                          <p:cTn id="38" fill="hold">
+                          <p:cTn id="41" fill="hold">
                             <p:stCondLst>
                               <p:cond delay="0"/>
                             </p:stCondLst>
                             <p:childTnLst>
                               <p:par>
-                                <p:cTn id="39" presetID="10" presetClass="entr" presetSubtype="0" fill="hold" grpId="0" nodeType="clickEffect">
+                                <p:cTn id="42" presetID="10" presetClass="entr" presetSubtype="0" fill="hold" grpId="0" nodeType="clickEffect">
                                   <p:stCondLst>
                                     <p:cond delay="0"/>
                                   </p:stCondLst>
                                   <p:childTnLst>
                                     <p:set>
                                       <p:cBhvr>
-                                        <p:cTn id="40" dur="1" fill="hold">
+                                        <p:cTn id="43" dur="1" fill="hold">
                                           <p:stCondLst>
                                             <p:cond delay="0"/>
                                           </p:stCondLst>
@@ -16073,7 +16798,7 @@
                                     </p:set>
                                     <p:animEffect transition="in" filter="fade">
                                       <p:cBhvr>
-                                        <p:cTn id="41" dur="500"/>
+                                        <p:cTn id="44" dur="500"/>
                                         <p:tgtEl>
                                           <p:spTgt spid="55"/>
                                         </p:tgtEl>
@@ -16089,26 +16814,26 @@
                     </p:cTn>
                   </p:par>
                   <p:par>
-                    <p:cTn id="42" fill="hold">
+                    <p:cTn id="45" fill="hold">
                       <p:stCondLst>
                         <p:cond delay="indefinite"/>
                       </p:stCondLst>
                       <p:childTnLst>
                         <p:par>
-                          <p:cTn id="43" fill="hold">
+                          <p:cTn id="46" fill="hold">
                             <p:stCondLst>
                               <p:cond delay="0"/>
                             </p:stCondLst>
                             <p:childTnLst>
                               <p:par>
-                                <p:cTn id="44" presetID="10" presetClass="entr" presetSubtype="0" fill="hold" grpId="0" nodeType="clickEffect">
+                                <p:cTn id="47" presetID="10" presetClass="entr" presetSubtype="0" fill="hold" grpId="0" nodeType="clickEffect">
                                   <p:stCondLst>
                                     <p:cond delay="0"/>
                                   </p:stCondLst>
                                   <p:childTnLst>
                                     <p:set>
                                       <p:cBhvr>
-                                        <p:cTn id="45" dur="1" fill="hold">
+                                        <p:cTn id="48" dur="1" fill="hold">
                                           <p:stCondLst>
                                             <p:cond delay="0"/>
                                           </p:stCondLst>
@@ -16126,7 +16851,7 @@
                                     </p:set>
                                     <p:animEffect transition="in" filter="fade">
                                       <p:cBhvr>
-                                        <p:cTn id="46" dur="500"/>
+                                        <p:cTn id="49" dur="500"/>
                                         <p:tgtEl>
                                           <p:spTgt spid="56"/>
                                         </p:tgtEl>
@@ -16142,26 +16867,26 @@
                     </p:cTn>
                   </p:par>
                   <p:par>
-                    <p:cTn id="47" fill="hold">
+                    <p:cTn id="50" fill="hold">
                       <p:stCondLst>
                         <p:cond delay="indefinite"/>
                       </p:stCondLst>
                       <p:childTnLst>
                         <p:par>
-                          <p:cTn id="48" fill="hold">
+                          <p:cTn id="51" fill="hold">
                             <p:stCondLst>
                               <p:cond delay="0"/>
                             </p:stCondLst>
                             <p:childTnLst>
                               <p:par>
-                                <p:cTn id="49" presetID="22" presetClass="exit" presetSubtype="4" fill="hold" nodeType="clickEffect">
+                                <p:cTn id="52" presetID="22" presetClass="exit" presetSubtype="4" fill="hold" nodeType="clickEffect">
                                   <p:stCondLst>
                                     <p:cond delay="0"/>
                                   </p:stCondLst>
                                   <p:childTnLst>
                                     <p:animEffect transition="out" filter="wipe(down)">
                                       <p:cBhvr>
-                                        <p:cTn id="50" dur="500"/>
+                                        <p:cTn id="53" dur="500"/>
                                         <p:tgtEl>
                                           <p:spTgt spid="49"/>
                                         </p:tgtEl>
@@ -16169,7 +16894,7 @@
                                     </p:animEffect>
                                     <p:set>
                                       <p:cBhvr>
-                                        <p:cTn id="51" dur="1" fill="hold">
+                                        <p:cTn id="54" dur="1" fill="hold">
                                           <p:stCondLst>
                                             <p:cond delay="499"/>
                                           </p:stCondLst>
@@ -16189,14 +16914,14 @@
                                 </p:cTn>
                               </p:par>
                               <p:par>
-                                <p:cTn id="52" presetID="22" presetClass="entr" presetSubtype="4" fill="hold" nodeType="withEffect">
+                                <p:cTn id="55" presetID="22" presetClass="entr" presetSubtype="4" fill="hold" nodeType="withEffect">
                                   <p:stCondLst>
                                     <p:cond delay="0"/>
                                   </p:stCondLst>
                                   <p:childTnLst>
                                     <p:set>
                                       <p:cBhvr>
-                                        <p:cTn id="53" dur="1" fill="hold">
+                                        <p:cTn id="56" dur="1" fill="hold">
                                           <p:stCondLst>
                                             <p:cond delay="0"/>
                                           </p:stCondLst>
@@ -16214,7 +16939,7 @@
                                     </p:set>
                                     <p:animEffect transition="in" filter="wipe(down)">
                                       <p:cBhvr>
-                                        <p:cTn id="54" dur="500"/>
+                                        <p:cTn id="57" dur="500"/>
                                         <p:tgtEl>
                                           <p:spTgt spid="58"/>
                                         </p:tgtEl>
@@ -16224,14 +16949,14 @@
                                 </p:cTn>
                               </p:par>
                               <p:par>
-                                <p:cTn id="55" presetID="22" presetClass="entr" presetSubtype="4" fill="hold" grpId="0" nodeType="withEffect">
+                                <p:cTn id="58" presetID="22" presetClass="entr" presetSubtype="4" fill="hold" grpId="0" nodeType="withEffect">
                                   <p:stCondLst>
                                     <p:cond delay="0"/>
                                   </p:stCondLst>
                                   <p:childTnLst>
                                     <p:set>
                                       <p:cBhvr>
-                                        <p:cTn id="56" dur="1" fill="hold">
+                                        <p:cTn id="59" dur="1" fill="hold">
                                           <p:stCondLst>
                                             <p:cond delay="0"/>
                                           </p:stCondLst>
@@ -16249,7 +16974,7 @@
                                     </p:set>
                                     <p:animEffect transition="in" filter="wipe(down)">
                                       <p:cBhvr>
-                                        <p:cTn id="57" dur="500"/>
+                                        <p:cTn id="60" dur="500"/>
                                         <p:tgtEl>
                                           <p:spTgt spid="59"/>
                                         </p:tgtEl>
@@ -16259,14 +16984,14 @@
                                 </p:cTn>
                               </p:par>
                               <p:par>
-                                <p:cTn id="58" presetID="22" presetClass="entr" presetSubtype="4" fill="hold" nodeType="withEffect">
+                                <p:cTn id="61" presetID="22" presetClass="entr" presetSubtype="4" fill="hold" nodeType="withEffect">
                                   <p:stCondLst>
                                     <p:cond delay="0"/>
                                   </p:stCondLst>
                                   <p:childTnLst>
                                     <p:set>
                                       <p:cBhvr>
-                                        <p:cTn id="59" dur="1" fill="hold">
+                                        <p:cTn id="62" dur="1" fill="hold">
                                           <p:stCondLst>
                                             <p:cond delay="0"/>
                                           </p:stCondLst>
@@ -16284,7 +17009,7 @@
                                     </p:set>
                                     <p:animEffect transition="in" filter="wipe(down)">
                                       <p:cBhvr>
-                                        <p:cTn id="60" dur="500"/>
+                                        <p:cTn id="63" dur="500"/>
                                         <p:tgtEl>
                                           <p:spTgt spid="57"/>
                                         </p:tgtEl>
@@ -16294,14 +17019,14 @@
                                 </p:cTn>
                               </p:par>
                               <p:par>
-                                <p:cTn id="61" presetID="22" presetClass="entr" presetSubtype="4" fill="hold" grpId="0" nodeType="withEffect">
+                                <p:cTn id="64" presetID="22" presetClass="entr" presetSubtype="4" fill="hold" grpId="0" nodeType="withEffect">
                                   <p:stCondLst>
                                     <p:cond delay="0"/>
                                   </p:stCondLst>
                                   <p:childTnLst>
                                     <p:set>
                                       <p:cBhvr>
-                                        <p:cTn id="62" dur="1" fill="hold">
+                                        <p:cTn id="65" dur="1" fill="hold">
                                           <p:stCondLst>
                                             <p:cond delay="0"/>
                                           </p:stCondLst>
@@ -16319,7 +17044,7 @@
                                     </p:set>
                                     <p:animEffect transition="in" filter="wipe(down)">
                                       <p:cBhvr>
-                                        <p:cTn id="63" dur="500"/>
+                                        <p:cTn id="66" dur="500"/>
                                         <p:tgtEl>
                                           <p:spTgt spid="60"/>
                                         </p:tgtEl>
@@ -16335,26 +17060,26 @@
                     </p:cTn>
                   </p:par>
                   <p:par>
-                    <p:cTn id="64" fill="hold">
+                    <p:cTn id="67" fill="hold">
                       <p:stCondLst>
                         <p:cond delay="indefinite"/>
                       </p:stCondLst>
                       <p:childTnLst>
                         <p:par>
-                          <p:cTn id="65" fill="hold">
+                          <p:cTn id="68" fill="hold">
                             <p:stCondLst>
                               <p:cond delay="0"/>
                             </p:stCondLst>
                             <p:childTnLst>
                               <p:par>
-                                <p:cTn id="66" presetID="1" presetClass="emph" presetSubtype="2" fill="hold" nodeType="clickEffect">
+                                <p:cTn id="69" presetID="1" presetClass="emph" presetSubtype="2" fill="hold" nodeType="clickEffect">
                                   <p:stCondLst>
                                     <p:cond delay="0"/>
                                   </p:stCondLst>
                                   <p:childTnLst>
                                     <p:animClr clrSpc="rgb" dir="cw">
                                       <p:cBhvr>
-                                        <p:cTn id="67" dur="500" fill="hold"/>
+                                        <p:cTn id="70" dur="500" fill="hold"/>
                                         <p:tgtEl>
                                           <p:spTgt spid="54"/>
                                         </p:tgtEl>
@@ -16368,7 +17093,7 @@
                                     </p:animClr>
                                     <p:set>
                                       <p:cBhvr>
-                                        <p:cTn id="68" dur="500" fill="hold"/>
+                                        <p:cTn id="71" dur="500" fill="hold"/>
                                         <p:tgtEl>
                                           <p:spTgt spid="54"/>
                                         </p:tgtEl>
@@ -16382,7 +17107,7 @@
                                     </p:set>
                                     <p:set>
                                       <p:cBhvr>
-                                        <p:cTn id="69" dur="500" fill="hold"/>
+                                        <p:cTn id="72" dur="500" fill="hold"/>
                                         <p:tgtEl>
                                           <p:spTgt spid="54"/>
                                         </p:tgtEl>
@@ -16398,14 +17123,14 @@
                                 </p:cTn>
                               </p:par>
                               <p:par>
-                                <p:cTn id="70" presetID="1" presetClass="emph" presetSubtype="2" fill="hold" nodeType="withEffect">
+                                <p:cTn id="73" presetID="1" presetClass="emph" presetSubtype="2" fill="hold" nodeType="withEffect">
                                   <p:stCondLst>
                                     <p:cond delay="0"/>
                                   </p:stCondLst>
                                   <p:childTnLst>
                                     <p:animClr clrSpc="rgb" dir="cw">
                                       <p:cBhvr>
-                                        <p:cTn id="71" dur="500" fill="hold"/>
+                                        <p:cTn id="74" dur="500" fill="hold"/>
                                         <p:tgtEl>
                                           <p:spTgt spid="55"/>
                                         </p:tgtEl>
@@ -16419,7 +17144,7 @@
                                     </p:animClr>
                                     <p:set>
                                       <p:cBhvr>
-                                        <p:cTn id="72" dur="500" fill="hold"/>
+                                        <p:cTn id="75" dur="500" fill="hold"/>
                                         <p:tgtEl>
                                           <p:spTgt spid="55"/>
                                         </p:tgtEl>
@@ -16433,7 +17158,7 @@
                                     </p:set>
                                     <p:set>
                                       <p:cBhvr>
-                                        <p:cTn id="73" dur="500" fill="hold"/>
+                                        <p:cTn id="76" dur="500" fill="hold"/>
                                         <p:tgtEl>
                                           <p:spTgt spid="55"/>
                                         </p:tgtEl>
@@ -16449,14 +17174,14 @@
                                 </p:cTn>
                               </p:par>
                               <p:par>
-                                <p:cTn id="74" presetID="1" presetClass="emph" presetSubtype="2" fill="hold" nodeType="withEffect">
+                                <p:cTn id="77" presetID="1" presetClass="emph" presetSubtype="2" fill="hold" nodeType="withEffect">
                                   <p:stCondLst>
                                     <p:cond delay="0"/>
                                   </p:stCondLst>
                                   <p:childTnLst>
                                     <p:animClr clrSpc="rgb" dir="cw">
                                       <p:cBhvr>
-                                        <p:cTn id="75" dur="500" fill="hold"/>
+                                        <p:cTn id="78" dur="500" fill="hold"/>
                                         <p:tgtEl>
                                           <p:spTgt spid="56"/>
                                         </p:tgtEl>
@@ -16470,7 +17195,7 @@
                                     </p:animClr>
                                     <p:set>
                                       <p:cBhvr>
-                                        <p:cTn id="76" dur="500" fill="hold"/>
+                                        <p:cTn id="79" dur="500" fill="hold"/>
                                         <p:tgtEl>
                                           <p:spTgt spid="56"/>
                                         </p:tgtEl>
@@ -16484,7 +17209,7 @@
                                     </p:set>
                                     <p:set>
                                       <p:cBhvr>
-                                        <p:cTn id="77" dur="500" fill="hold"/>
+                                        <p:cTn id="80" dur="500" fill="hold"/>
                                         <p:tgtEl>
                                           <p:spTgt spid="56"/>
                                         </p:tgtEl>
@@ -16496,6 +17221,41 @@
                                         <p:strVal val="true"/>
                                       </p:to>
                                     </p:set>
+                                  </p:childTnLst>
+                                </p:cTn>
+                              </p:par>
+                              <p:par>
+                                <p:cTn id="81" presetID="10" presetClass="entr" presetSubtype="0" fill="hold" grpId="0" nodeType="withEffect">
+                                  <p:stCondLst>
+                                    <p:cond delay="0"/>
+                                  </p:stCondLst>
+                                  <p:childTnLst>
+                                    <p:set>
+                                      <p:cBhvr>
+                                        <p:cTn id="82" dur="1" fill="hold">
+                                          <p:stCondLst>
+                                            <p:cond delay="0"/>
+                                          </p:stCondLst>
+                                        </p:cTn>
+                                        <p:tgtEl>
+                                          <p:spTgt spid="11"/>
+                                        </p:tgtEl>
+                                        <p:attrNameLst>
+                                          <p:attrName>style.visibility</p:attrName>
+                                        </p:attrNameLst>
+                                      </p:cBhvr>
+                                      <p:to>
+                                        <p:strVal val="visible"/>
+                                      </p:to>
+                                    </p:set>
+                                    <p:animEffect transition="in" filter="fade">
+                                      <p:cBhvr>
+                                        <p:cTn id="83" dur="500"/>
+                                        <p:tgtEl>
+                                          <p:spTgt spid="11"/>
+                                        </p:tgtEl>
+                                      </p:cBhvr>
+                                    </p:animEffect>
                                   </p:childTnLst>
                                 </p:cTn>
                               </p:par>
@@ -16535,7 +17295,311 @@
       <p:bldP spid="56" grpId="0" animBg="1"/>
       <p:bldP spid="59" grpId="0"/>
       <p:bldP spid="60" grpId="0"/>
+      <p:bldP spid="9" grpId="0" animBg="1"/>
+      <p:bldP spid="11" grpId="0" animBg="1"/>
     </p:bldLst>
+  </p:timing>
+</p:sld>
+</file>
+
+<file path=ppt/slides/slide6.xml><?xml version="1.0" encoding="utf-8"?>
+<p:sld xmlns:a="http://schemas.openxmlformats.org/drawingml/2006/main" xmlns:r="http://schemas.openxmlformats.org/officeDocument/2006/relationships" xmlns:p="http://schemas.openxmlformats.org/presentationml/2006/main">
+  <p:cSld>
+    <p:spTree>
+      <p:nvGrpSpPr>
+        <p:cNvPr id="1" name=""/>
+        <p:cNvGrpSpPr/>
+        <p:nvPr/>
+      </p:nvGrpSpPr>
+      <p:grpSpPr>
+        <a:xfrm>
+          <a:off x="0" y="0"/>
+          <a:ext cx="0" cy="0"/>
+          <a:chOff x="0" y="0"/>
+          <a:chExt cx="0" cy="0"/>
+        </a:xfrm>
+      </p:grpSpPr>
+      <p:sp>
+        <p:nvSpPr>
+          <p:cNvPr id="2" name="Title 1"/>
+          <p:cNvSpPr>
+            <a:spLocks noGrp="1"/>
+          </p:cNvSpPr>
+          <p:nvPr>
+            <p:ph type="title"/>
+          </p:nvPr>
+        </p:nvSpPr>
+        <p:spPr/>
+        <p:txBody>
+          <a:bodyPr/>
+          <a:lstStyle/>
+          <a:p>
+            <a:r>
+              <a:rPr lang="en-AU" dirty="0" smtClean="0"/>
+              <a:t>Recovery Time</a:t>
+            </a:r>
+            <a:endParaRPr lang="en-AU" dirty="0"/>
+          </a:p>
+        </p:txBody>
+      </p:sp>
+      <p:sp>
+        <p:nvSpPr>
+          <p:cNvPr id="3" name="Content Placeholder 2"/>
+          <p:cNvSpPr>
+            <a:spLocks noGrp="1"/>
+          </p:cNvSpPr>
+          <p:nvPr>
+            <p:ph idx="1"/>
+          </p:nvPr>
+        </p:nvSpPr>
+        <p:spPr>
+          <a:xfrm>
+            <a:off x="395536" y="3717032"/>
+            <a:ext cx="8229600" cy="2664296"/>
+          </a:xfrm>
+          <a:solidFill>
+            <a:schemeClr val="bg1"/>
+          </a:solidFill>
+        </p:spPr>
+        <p:txBody>
+          <a:bodyPr>
+            <a:normAutofit lnSpcReduction="10000"/>
+          </a:bodyPr>
+          <a:lstStyle/>
+          <a:p>
+            <a:r>
+              <a:rPr lang="en-AU" dirty="0" smtClean="0"/>
+              <a:t>Reconfiguration Time dominates</a:t>
+            </a:r>
+          </a:p>
+          <a:p>
+            <a:r>
+              <a:rPr lang="en-AU" dirty="0"/>
+              <a:t>Target </a:t>
+            </a:r>
+            <a:r>
+              <a:rPr lang="en-AU" dirty="0" err="1"/>
+              <a:t>Virtex</a:t>
+            </a:r>
+            <a:r>
+              <a:rPr lang="en-AU" dirty="0"/>
+              <a:t> 5:</a:t>
+            </a:r>
+          </a:p>
+          <a:p>
+            <a:pPr lvl="1"/>
+            <a:r>
+              <a:rPr lang="en-AU" dirty="0"/>
+              <a:t>160 LUT/Latches per reconfiguration area</a:t>
+            </a:r>
+          </a:p>
+          <a:p>
+            <a:pPr lvl="1"/>
+            <a:r>
+              <a:rPr lang="en-AU" dirty="0"/>
+              <a:t>36 frames/reconfiguration area</a:t>
+            </a:r>
+          </a:p>
+          <a:p>
+            <a:pPr lvl="1"/>
+            <a:r>
+              <a:rPr lang="en-AU" dirty="0"/>
+              <a:t>410ns per frame (@100MHz)</a:t>
+            </a:r>
+          </a:p>
+          <a:p>
+            <a:endParaRPr lang="en-AU" dirty="0"/>
+          </a:p>
+          <a:p>
+            <a:endParaRPr lang="en-AU" dirty="0" smtClean="0"/>
+          </a:p>
+          <a:p>
+            <a:endParaRPr lang="en-AU" dirty="0"/>
+          </a:p>
+          <a:p>
+            <a:endParaRPr lang="en-AU" dirty="0" smtClean="0"/>
+          </a:p>
+          <a:p>
+            <a:endParaRPr lang="en-AU" dirty="0"/>
+          </a:p>
+          <a:p>
+            <a:pPr marL="457200" lvl="1" indent="0">
+              <a:buNone/>
+            </a:pPr>
+            <a:endParaRPr lang="en-AU" dirty="0" smtClean="0"/>
+          </a:p>
+          <a:p>
+            <a:endParaRPr lang="en-AU" dirty="0"/>
+          </a:p>
+        </p:txBody>
+      </p:sp>
+      <p:pic>
+        <p:nvPicPr>
+          <p:cNvPr id="5128" name="Picture 8" descr="http://latex.codecogs.com/png.latex?%5Cbg_white%20%5Cfn_cm%20Error%20Detection%20Time%20%5Cle%20Latency%20=%20ClockPeriod%5Ctimes%20PipelineSteps%20%5Capprox%2010%5E%7B-7%7D%5Cmbox%7Bs%7D%5C%5C%20CommunicationsDelay%20&amp;%5Cle&amp;%2050%20%5Ctimes%202%28NumPartitions+1%29%5Ctimes%20ClockPeriod%5C%5C%20&amp;=&amp;%20100%5Ctimes%20ClockPeriod%5Ctimes%20%28NumPartitions+1%29%5Capprox%2010%5E%7B-5%7D%5C%5C%20ReconfigurationTime%20=%20%5Cleft%20%5Clceil%20%5Cfrac%7B%5Cmbox%7Bmax%7D%28LUTs,%20Latches%29%7D%7B160%7D%5Cright%5Crceil%20%5Ctimes%201.48%5Ctimes10%5E%7B-5%7D%20%5Capprox%2010%5E%7B-4%7D%5C%5C%20ResynchronisationTime%20%5Cle%20Latency%20=%20ClockPeriod%5Ctimes%20PipelineSteps%20%5Capprox%2010%5E%7B-7%7D%5Cmbox%7Bs%7D"/>
+          <p:cNvPicPr>
+            <a:picLocks noChangeAspect="1" noChangeArrowheads="1"/>
+          </p:cNvPicPr>
+          <p:nvPr/>
+        </p:nvPicPr>
+        <p:blipFill>
+          <a:blip r:embed="rId3">
+            <a:extLst>
+              <a:ext uri="{28A0092B-C50C-407E-A947-70E740481C1C}">
+                <a14:useLocalDpi xmlns:a14="http://schemas.microsoft.com/office/drawing/2010/main" val="0"/>
+              </a:ext>
+            </a:extLst>
+          </a:blip>
+          <a:srcRect/>
+          <a:stretch>
+            <a:fillRect/>
+          </a:stretch>
+        </p:blipFill>
+        <p:spPr bwMode="auto">
+          <a:xfrm>
+            <a:off x="581742" y="1353835"/>
+            <a:ext cx="6048672" cy="2016224"/>
+          </a:xfrm>
+          <a:prstGeom prst="rect">
+            <a:avLst/>
+          </a:prstGeom>
+          <a:noFill/>
+          <a:extLst>
+            <a:ext uri="{909E8E84-426E-40DD-AFC4-6F175D3DCCD1}">
+              <a14:hiddenFill xmlns:a14="http://schemas.microsoft.com/office/drawing/2010/main">
+                <a:solidFill>
+                  <a:srgbClr val="FFFFFF"/>
+                </a:solidFill>
+              </a14:hiddenFill>
+            </a:ext>
+          </a:extLst>
+        </p:spPr>
+      </p:pic>
+      <p:sp>
+        <p:nvSpPr>
+          <p:cNvPr id="5" name="TextBox 4"/>
+          <p:cNvSpPr txBox="1"/>
+          <p:nvPr/>
+        </p:nvSpPr>
+        <p:spPr>
+          <a:xfrm>
+            <a:off x="6948264" y="1454006"/>
+            <a:ext cx="2376264" cy="1815882"/>
+          </a:xfrm>
+          <a:prstGeom prst="rect">
+            <a:avLst/>
+          </a:prstGeom>
+          <a:noFill/>
+        </p:spPr>
+        <p:txBody>
+          <a:bodyPr wrap="square" rtlCol="0">
+            <a:spAutoFit/>
+          </a:bodyPr>
+          <a:lstStyle/>
+          <a:p>
+            <a:r>
+              <a:rPr lang="en-AU" sz="1600" dirty="0" smtClean="0"/>
+              <a:t>Assumptions:</a:t>
+            </a:r>
+          </a:p>
+          <a:p>
+            <a:r>
+              <a:rPr lang="en-AU" sz="1600" dirty="0" err="1" smtClean="0"/>
+              <a:t>ClockPeriod</a:t>
+            </a:r>
+            <a:r>
+              <a:rPr lang="en-AU" sz="1600" dirty="0" smtClean="0"/>
+              <a:t> ~ 10ns</a:t>
+            </a:r>
+          </a:p>
+          <a:p>
+            <a:r>
+              <a:rPr lang="en-AU" sz="1600" dirty="0" err="1" smtClean="0"/>
+              <a:t>PipelineSteps</a:t>
+            </a:r>
+            <a:r>
+              <a:rPr lang="en-AU" sz="1600" dirty="0" smtClean="0"/>
+              <a:t> ~ 1-10</a:t>
+            </a:r>
+            <a:endParaRPr lang="en-AU" sz="1600" dirty="0"/>
+          </a:p>
+          <a:p>
+            <a:r>
+              <a:rPr lang="en-AU" sz="1600" dirty="0"/>
+              <a:t>50 clock </a:t>
+            </a:r>
+            <a:r>
+              <a:rPr lang="en-AU" sz="1600" dirty="0" err="1" smtClean="0"/>
+              <a:t>cyles</a:t>
+            </a:r>
+            <a:r>
+              <a:rPr lang="en-AU" sz="1600" dirty="0" smtClean="0"/>
+              <a:t>/hop</a:t>
+            </a:r>
+          </a:p>
+          <a:p>
+            <a:r>
+              <a:rPr lang="en-AU" sz="1600" dirty="0" err="1" smtClean="0"/>
+              <a:t>NumPartitions</a:t>
+            </a:r>
+            <a:r>
+              <a:rPr lang="en-AU" sz="1600" dirty="0" smtClean="0"/>
+              <a:t> ~ 10</a:t>
+            </a:r>
+          </a:p>
+          <a:p>
+            <a:r>
+              <a:rPr lang="en-AU" sz="1600" dirty="0" smtClean="0"/>
+              <a:t>LUTs ~ 1600</a:t>
+            </a:r>
+          </a:p>
+          <a:p>
+            <a:r>
+              <a:rPr lang="en-AU" sz="1600" dirty="0" smtClean="0"/>
+              <a:t>Latches ~ 1600</a:t>
+            </a:r>
+            <a:endParaRPr lang="en-AU" sz="1600" dirty="0"/>
+          </a:p>
+        </p:txBody>
+      </p:sp>
+      <p:sp>
+        <p:nvSpPr>
+          <p:cNvPr id="6" name="Slide Number Placeholder 5"/>
+          <p:cNvSpPr>
+            <a:spLocks noGrp="1"/>
+          </p:cNvSpPr>
+          <p:nvPr>
+            <p:ph type="sldNum" sz="quarter" idx="12"/>
+          </p:nvPr>
+        </p:nvSpPr>
+        <p:spPr/>
+        <p:txBody>
+          <a:bodyPr/>
+          <a:lstStyle/>
+          <a:p>
+            <a:fld id="{05C6366E-3AB0-482E-AE30-A15454F5254A}" type="slidenum">
+              <a:rPr lang="en-AU" smtClean="0"/>
+              <a:t>6</a:t>
+            </a:fld>
+            <a:endParaRPr lang="en-AU"/>
+          </a:p>
+        </p:txBody>
+      </p:sp>
+    </p:spTree>
+    <p:extLst>
+      <p:ext uri="{BB962C8B-B14F-4D97-AF65-F5344CB8AC3E}">
+        <p14:creationId xmlns:p14="http://schemas.microsoft.com/office/powerpoint/2010/main" val="1458404012"/>
+      </p:ext>
+    </p:extLst>
+  </p:cSld>
+  <p:clrMapOvr>
+    <a:masterClrMapping/>
+  </p:clrMapOvr>
+  <p:timing>
+    <p:tnLst>
+      <p:par>
+        <p:cTn id="1" dur="indefinite" restart="never" nodeType="tmRoot"/>
+      </p:par>
+    </p:tnLst>
   </p:timing>
 </p:sld>
 </file>
@@ -16574,7 +17638,7 @@
           <a:p>
             <a:r>
               <a:rPr lang="en-AU" dirty="0" smtClean="0"/>
-              <a:t>Recovery Time</a:t>
+              <a:t>Results</a:t>
             </a:r>
             <a:endParaRPr lang="en-AU" dirty="0"/>
           </a:p>
@@ -16590,7 +17654,12 @@
             <p:ph idx="1"/>
           </p:nvPr>
         </p:nvSpPr>
-        <p:spPr/>
+        <p:spPr>
+          <a:xfrm>
+            <a:off x="395536" y="1196753"/>
+            <a:ext cx="8229600" cy="1800199"/>
+          </a:xfrm>
+        </p:spPr>
         <p:txBody>
           <a:bodyPr>
             <a:normAutofit/>
@@ -16599,78 +17668,102 @@
           <a:p>
             <a:r>
               <a:rPr lang="en-AU" dirty="0" smtClean="0"/>
-              <a:t>Recovery time is error detection time + communication delay + reconfiguration time + resynchronisation time.</a:t>
-            </a:r>
-          </a:p>
-          <a:p>
-            <a:endParaRPr lang="en-AU" dirty="0"/>
-          </a:p>
-          <a:p>
-            <a:pPr marL="0" indent="0">
-              <a:buNone/>
-            </a:pPr>
-            <a:endParaRPr lang="en-AU" dirty="0"/>
-          </a:p>
-          <a:p>
-            <a:pPr marL="0" indent="0">
-              <a:buNone/>
-            </a:pPr>
+              <a:t>Using 20 largest MCNC circuits as provided by VTR to benchmark.</a:t>
+            </a:r>
+          </a:p>
+          <a:p>
+            <a:r>
+              <a:rPr lang="en-AU" dirty="0" smtClean="0"/>
+              <a:t>Sanity check, all the numbers add up.</a:t>
+            </a:r>
             <a:endParaRPr lang="en-AU" dirty="0" smtClean="0"/>
-          </a:p>
-          <a:p>
-            <a:r>
-              <a:rPr lang="en-AU" dirty="0" smtClean="0"/>
-              <a:t>Reconfiguration Time dominates</a:t>
-            </a:r>
-            <a:endParaRPr lang="en-AU" dirty="0"/>
           </a:p>
         </p:txBody>
       </p:sp>
-      <p:pic>
-        <p:nvPicPr>
-          <p:cNvPr id="5128" name="Picture 8" descr="http://latex.codecogs.com/png.latex?%5Cbg_white%20%5Cfn_cm%20Error%20Detection%20Time%20%5Cle%20Latency%20=%20ClockPeriod%5Ctimes%20PipelineSteps%20%5Capprox%2010%5E%7B-7%7D%5Cmbox%7Bs%7D%5C%5C%20CommunicationsDelay%20&amp;%5Cle&amp;%2050%20%5Ctimes%202%28NumPartitions+1%29%5Ctimes%20ClockPeriod%5C%5C%20&amp;=&amp;%20100%5Ctimes%20ClockPeriod%5Ctimes%20%28NumPartitions+1%29%5Capprox%2010%5E%7B-5%7D%5C%5C%20ReconfigurationTime%20=%20%5Cleft%20%5Clceil%20%5Cfrac%7B%5Cmbox%7Bmax%7D%28LUTs,%20Latches%29%7D%7B160%7D%5Cright%5Crceil%20%5Ctimes%201.48%5Ctimes10%5E%7B-5%7D%20%5Capprox%2010%5E%7B-4%7D%5C%5C%20ResynchronisationTime%20%5Cle%20Latency%20=%20ClockPeriod%5Ctimes%20PipelineSteps%20%5Capprox%2010%5E%7B-7%7D%5Cmbox%7Bs%7D"/>
-          <p:cNvPicPr>
-            <a:picLocks noChangeAspect="1" noChangeArrowheads="1"/>
-          </p:cNvPicPr>
-          <p:nvPr/>
-        </p:nvPicPr>
-        <p:blipFill>
-          <a:blip r:embed="rId3">
-            <a:extLst>
-              <a:ext uri="{28A0092B-C50C-407E-A947-70E740481C1C}">
-                <a14:useLocalDpi xmlns:a14="http://schemas.microsoft.com/office/drawing/2010/main" val="0"/>
-              </a:ext>
-            </a:extLst>
-          </a:blip>
-          <a:srcRect/>
-          <a:stretch>
-            <a:fillRect/>
-          </a:stretch>
-        </p:blipFill>
-        <p:spPr bwMode="auto">
-          <a:xfrm>
-            <a:off x="1907704" y="3429000"/>
-            <a:ext cx="5372100" cy="1247775"/>
-          </a:xfrm>
-          <a:prstGeom prst="rect">
-            <a:avLst/>
-          </a:prstGeom>
-          <a:noFill/>
-          <a:extLst>
-            <a:ext uri="{909E8E84-426E-40DD-AFC4-6F175D3DCCD1}">
-              <a14:hiddenFill xmlns:a14="http://schemas.microsoft.com/office/drawing/2010/main">
-                <a:solidFill>
-                  <a:srgbClr val="FFFFFF"/>
-                </a:solidFill>
-              </a14:hiddenFill>
-            </a:ext>
-          </a:extLst>
-        </p:spPr>
-      </p:pic>
+      <p:graphicFrame>
+        <p:nvGraphicFramePr>
+          <p:cNvPr id="5" name="Object 4"/>
+          <p:cNvGraphicFramePr>
+            <a:graphicFrameLocks noChangeAspect="1"/>
+          </p:cNvGraphicFramePr>
+          <p:nvPr>
+            <p:extLst>
+              <p:ext uri="{D42A27DB-BD31-4B8C-83A1-F6EECF244321}">
+                <p14:modId xmlns:p14="http://schemas.microsoft.com/office/powerpoint/2010/main" val="1381123225"/>
+              </p:ext>
+            </p:extLst>
+          </p:nvPr>
+        </p:nvGraphicFramePr>
+        <p:xfrm>
+          <a:off x="755650" y="3644900"/>
+          <a:ext cx="8048625" cy="2486025"/>
+        </p:xfrm>
+        <a:graphic>
+          <a:graphicData uri="http://schemas.openxmlformats.org/presentationml/2006/ole">
+            <mc:AlternateContent xmlns:mc="http://schemas.openxmlformats.org/markup-compatibility/2006">
+              <mc:Choice xmlns:v="urn:schemas-microsoft-com:vml" Requires="v">
+                <p:oleObj spid="_x0000_s1051" name="Worksheet" r:id="rId4" imgW="8048611" imgH="2486160" progId="Excel.Sheet.12">
+                  <p:embed/>
+                </p:oleObj>
+              </mc:Choice>
+              <mc:Fallback>
+                <p:oleObj name="Worksheet" r:id="rId4" imgW="8048611" imgH="2486160" progId="Excel.Sheet.12">
+                  <p:embed/>
+                  <p:pic>
+                    <p:nvPicPr>
+                      <p:cNvPr id="0" name=""/>
+                      <p:cNvPicPr/>
+                      <p:nvPr/>
+                    </p:nvPicPr>
+                    <p:blipFill>
+                      <a:blip r:embed="rId5"/>
+                      <a:stretch>
+                        <a:fillRect/>
+                      </a:stretch>
+                    </p:blipFill>
+                    <p:spPr>
+                      <a:xfrm>
+                        <a:off x="755650" y="3644900"/>
+                        <a:ext cx="8048625" cy="2486025"/>
+                      </a:xfrm>
+                      <a:prstGeom prst="rect">
+                        <a:avLst/>
+                      </a:prstGeom>
+                    </p:spPr>
+                  </p:pic>
+                </p:oleObj>
+              </mc:Fallback>
+            </mc:AlternateContent>
+          </a:graphicData>
+        </a:graphic>
+      </p:graphicFrame>
+      <p:sp>
+        <p:nvSpPr>
+          <p:cNvPr id="4" name="Slide Number Placeholder 3"/>
+          <p:cNvSpPr>
+            <a:spLocks noGrp="1"/>
+          </p:cNvSpPr>
+          <p:nvPr>
+            <p:ph type="sldNum" sz="quarter" idx="12"/>
+          </p:nvPr>
+        </p:nvSpPr>
+        <p:spPr/>
+        <p:txBody>
+          <a:bodyPr/>
+          <a:lstStyle/>
+          <a:p>
+            <a:fld id="{05C6366E-3AB0-482E-AE30-A15454F5254A}" type="slidenum">
+              <a:rPr lang="en-AU" smtClean="0"/>
+              <a:t>7</a:t>
+            </a:fld>
+            <a:endParaRPr lang="en-AU"/>
+          </a:p>
+        </p:txBody>
+      </p:sp>
     </p:spTree>
     <p:extLst>
       <p:ext uri="{BB962C8B-B14F-4D97-AF65-F5344CB8AC3E}">
-        <p14:creationId xmlns:p14="http://schemas.microsoft.com/office/powerpoint/2010/main" val="1458404012"/>
+        <p14:creationId xmlns:p14="http://schemas.microsoft.com/office/powerpoint/2010/main" val="2844569586"/>
       </p:ext>
     </p:extLst>
   </p:cSld>
@@ -16739,118 +17832,160 @@
         </p:nvSpPr>
         <p:spPr>
           <a:xfrm>
-            <a:off x="395536" y="1196753"/>
-            <a:ext cx="8229600" cy="1800199"/>
+            <a:off x="467544" y="1268760"/>
+            <a:ext cx="8229600" cy="1800200"/>
           </a:xfrm>
         </p:spPr>
         <p:txBody>
           <a:bodyPr>
-            <a:normAutofit fontScale="62500" lnSpcReduction="20000"/>
+            <a:normAutofit fontScale="92500" lnSpcReduction="20000"/>
           </a:bodyPr>
           <a:lstStyle/>
           <a:p>
             <a:r>
               <a:rPr lang="en-AU" dirty="0" smtClean="0"/>
-              <a:t>Some results use old formula for </a:t>
-            </a:r>
-            <a:r>
-              <a:rPr lang="en-AU" dirty="0" err="1" smtClean="0"/>
-              <a:t>RecoveryTime</a:t>
+              <a:t>Latency is interesting i.e. hard to predict. Very circuit dependent</a:t>
             </a:r>
             <a:r>
               <a:rPr lang="en-AU" dirty="0" smtClean="0"/>
-              <a:t> -&gt; Number of partitions and </a:t>
-            </a:r>
-            <a:r>
-              <a:rPr lang="en-AU" dirty="0" err="1" smtClean="0"/>
-              <a:t>RecoveryTime</a:t>
-            </a:r>
+              <a:t>.</a:t>
+            </a:r>
+          </a:p>
+          <a:p>
             <a:r>
               <a:rPr lang="en-AU" dirty="0" smtClean="0"/>
-              <a:t> may be different in final results. Overall trends and results still hold. No major changes.</a:t>
-            </a:r>
-          </a:p>
-          <a:p>
-            <a:r>
-              <a:rPr lang="en-AU" dirty="0" smtClean="0"/>
-              <a:t>Area usage is 3x + a bit. Unsurprising, but a nice sanity check.</a:t>
-            </a:r>
-          </a:p>
-          <a:p>
-            <a:r>
-              <a:rPr lang="en-AU" dirty="0" smtClean="0"/>
-              <a:t>SUM(Outputs)=645. </a:t>
-            </a:r>
-            <a:r>
-              <a:rPr lang="en-AU" dirty="0" err="1" smtClean="0"/>
-              <a:t>NumLUTsTMR</a:t>
-            </a:r>
-            <a:r>
-              <a:rPr lang="en-AU" dirty="0" smtClean="0"/>
-              <a:t> =3*Base+645</a:t>
-            </a:r>
-          </a:p>
-          <a:p>
-            <a:r>
-              <a:rPr lang="en-AU" dirty="0" err="1" smtClean="0"/>
-              <a:t>LatchesTMR</a:t>
-            </a:r>
-            <a:r>
-              <a:rPr lang="en-AU" dirty="0" smtClean="0"/>
-              <a:t>=3xBase</a:t>
-            </a:r>
+              <a:t>Placer uses simulated annealing, so random factor. Need multiple runs</a:t>
+            </a:r>
+            <a:endParaRPr lang="en-AU" dirty="0" smtClean="0"/>
+          </a:p>
+          <a:p>
+            <a:endParaRPr lang="en-AU" dirty="0"/>
           </a:p>
         </p:txBody>
       </p:sp>
       <p:graphicFrame>
         <p:nvGraphicFramePr>
-          <p:cNvPr id="5" name="Object 4"/>
+          <p:cNvPr id="4" name="Chart 3"/>
+          <p:cNvGraphicFramePr>
+            <a:graphicFrameLocks/>
+          </p:cNvGraphicFramePr>
+          <p:nvPr>
+            <p:extLst>
+              <p:ext uri="{D42A27DB-BD31-4B8C-83A1-F6EECF244321}">
+                <p14:modId xmlns:p14="http://schemas.microsoft.com/office/powerpoint/2010/main" val="4022823301"/>
+              </p:ext>
+            </p:extLst>
+          </p:nvPr>
+        </p:nvGraphicFramePr>
+        <p:xfrm>
+          <a:off x="323528" y="2996952"/>
+          <a:ext cx="5040560" cy="3543003"/>
+        </p:xfrm>
+        <a:graphic>
+          <a:graphicData uri="http://schemas.openxmlformats.org/drawingml/2006/chart">
+            <c:chart xmlns:c="http://schemas.openxmlformats.org/drawingml/2006/chart" xmlns:r="http://schemas.openxmlformats.org/officeDocument/2006/relationships" r:id="rId3"/>
+          </a:graphicData>
+        </a:graphic>
+      </p:graphicFrame>
+      <p:graphicFrame>
+        <p:nvGraphicFramePr>
+          <p:cNvPr id="5" name="Chart 4"/>
+          <p:cNvGraphicFramePr>
+            <a:graphicFrameLocks/>
+          </p:cNvGraphicFramePr>
+          <p:nvPr>
+            <p:extLst>
+              <p:ext uri="{D42A27DB-BD31-4B8C-83A1-F6EECF244321}">
+                <p14:modId xmlns:p14="http://schemas.microsoft.com/office/powerpoint/2010/main" val="2881360505"/>
+              </p:ext>
+            </p:extLst>
+          </p:nvPr>
+        </p:nvGraphicFramePr>
+        <p:xfrm>
+          <a:off x="5327576" y="3717032"/>
+          <a:ext cx="3816424" cy="2743200"/>
+        </p:xfrm>
+        <a:graphic>
+          <a:graphicData uri="http://schemas.openxmlformats.org/drawingml/2006/chart">
+            <c:chart xmlns:c="http://schemas.openxmlformats.org/drawingml/2006/chart" xmlns:r="http://schemas.openxmlformats.org/officeDocument/2006/relationships" r:id="rId4"/>
+          </a:graphicData>
+        </a:graphic>
+      </p:graphicFrame>
+      <p:graphicFrame>
+        <p:nvGraphicFramePr>
+          <p:cNvPr id="6" name="Object 5"/>
           <p:cNvGraphicFramePr>
             <a:graphicFrameLocks noChangeAspect="1"/>
           </p:cNvGraphicFramePr>
           <p:nvPr>
             <p:extLst>
               <p:ext uri="{D42A27DB-BD31-4B8C-83A1-F6EECF244321}">
-                <p14:modId xmlns:p14="http://schemas.microsoft.com/office/powerpoint/2010/main" val="2587410082"/>
+                <p14:modId xmlns:p14="http://schemas.microsoft.com/office/powerpoint/2010/main" val="3948431509"/>
               </p:ext>
             </p:extLst>
           </p:nvPr>
         </p:nvGraphicFramePr>
         <p:xfrm>
-          <a:off x="755650" y="3644900"/>
-          <a:ext cx="7962900" cy="2486025"/>
+          <a:off x="5364163" y="2997200"/>
+          <a:ext cx="3867150" cy="581025"/>
         </p:xfrm>
         <a:graphic>
           <a:graphicData uri="http://schemas.openxmlformats.org/presentationml/2006/ole">
             <mc:AlternateContent xmlns:mc="http://schemas.openxmlformats.org/markup-compatibility/2006">
               <mc:Choice xmlns:v="urn:schemas-microsoft-com:vml" Requires="v">
-                <p:oleObj spid="_x0000_s1041" name="Worksheet" r:id="rId3" imgW="7962979" imgH="2486160" progId="Excel.Sheet.12">
+                <p:oleObj spid="_x0000_s5129" name="Worksheet" r:id="rId5" imgW="3867223" imgH="581040" progId="Excel.Sheet.12">
                   <p:embed/>
                 </p:oleObj>
               </mc:Choice>
               <mc:Fallback>
-                <p:oleObj name="Worksheet" r:id="rId3" imgW="7962979" imgH="2486160" progId="Excel.Sheet.12">
+                <p:oleObj name="Worksheet" r:id="rId5" imgW="3867223" imgH="581040" progId="Excel.Sheet.12">
                   <p:embed/>
                   <p:pic>
                     <p:nvPicPr>
-                      <p:cNvPr id="0" name=""/>
-                      <p:cNvPicPr/>
+                      <p:cNvPr id="0" name="Object 3"/>
+                      <p:cNvPicPr>
+                        <a:picLocks noChangeAspect="1" noChangeArrowheads="1"/>
+                      </p:cNvPicPr>
                       <p:nvPr/>
                     </p:nvPicPr>
                     <p:blipFill>
-                      <a:blip r:embed="rId4"/>
+                      <a:blip r:embed="rId6"/>
+                      <a:srcRect/>
                       <a:stretch>
                         <a:fillRect/>
                       </a:stretch>
                     </p:blipFill>
-                    <p:spPr>
+                    <p:spPr bwMode="auto">
                       <a:xfrm>
-                        <a:off x="755650" y="3644900"/>
-                        <a:ext cx="7962900" cy="2486025"/>
+                        <a:off x="5364163" y="2997200"/>
+                        <a:ext cx="3867150" cy="581025"/>
                       </a:xfrm>
                       <a:prstGeom prst="rect">
                         <a:avLst/>
                       </a:prstGeom>
+                      <a:noFill/>
+                      <a:ln>
+                        <a:noFill/>
+                      </a:ln>
+                      <a:extLst>
+                        <a:ext uri="{909E8E84-426E-40DD-AFC4-6F175D3DCCD1}">
+                          <a14:hiddenFill xmlns:a14="http://schemas.microsoft.com/office/drawing/2010/main">
+                            <a:solidFill>
+                              <a:srgbClr val="FFFFFF"/>
+                            </a:solidFill>
+                          </a14:hiddenFill>
+                        </a:ext>
+                        <a:ext uri="{91240B29-F687-4F45-9708-019B960494DF}">
+                          <a14:hiddenLine xmlns:a14="http://schemas.microsoft.com/office/drawing/2010/main" w="9525">
+                            <a:solidFill>
+                              <a:srgbClr val="000000"/>
+                            </a:solidFill>
+                            <a:miter lim="800000"/>
+                            <a:headEnd/>
+                            <a:tailEnd/>
+                          </a14:hiddenLine>
+                        </a:ext>
+                      </a:extLst>
                     </p:spPr>
                   </p:pic>
                 </p:oleObj>
@@ -16859,10 +17994,33 @@
           </a:graphicData>
         </a:graphic>
       </p:graphicFrame>
+      <p:sp>
+        <p:nvSpPr>
+          <p:cNvPr id="7" name="Slide Number Placeholder 6"/>
+          <p:cNvSpPr>
+            <a:spLocks noGrp="1"/>
+          </p:cNvSpPr>
+          <p:nvPr>
+            <p:ph type="sldNum" sz="quarter" idx="12"/>
+          </p:nvPr>
+        </p:nvSpPr>
+        <p:spPr/>
+        <p:txBody>
+          <a:bodyPr/>
+          <a:lstStyle/>
+          <a:p>
+            <a:fld id="{05C6366E-3AB0-482E-AE30-A15454F5254A}" type="slidenum">
+              <a:rPr lang="en-AU" smtClean="0"/>
+              <a:t>8</a:t>
+            </a:fld>
+            <a:endParaRPr lang="en-AU"/>
+          </a:p>
+        </p:txBody>
+      </p:sp>
     </p:spTree>
     <p:extLst>
       <p:ext uri="{BB962C8B-B14F-4D97-AF65-F5344CB8AC3E}">
-        <p14:creationId xmlns:p14="http://schemas.microsoft.com/office/powerpoint/2010/main" val="2844569586"/>
+        <p14:creationId xmlns:p14="http://schemas.microsoft.com/office/powerpoint/2010/main" val="3266016281"/>
       </p:ext>
     </p:extLst>
   </p:cSld>
@@ -16906,115 +18064,111 @@
             <p:ph type="title"/>
           </p:nvPr>
         </p:nvSpPr>
-        <p:spPr/>
-        <p:txBody>
-          <a:bodyPr/>
-          <a:lstStyle/>
-          <a:p>
-            <a:r>
-              <a:rPr lang="en-AU" dirty="0" smtClean="0"/>
-              <a:t>Results</a:t>
-            </a:r>
-            <a:endParaRPr lang="en-AU" dirty="0"/>
-          </a:p>
-        </p:txBody>
-      </p:sp>
-      <p:sp>
-        <p:nvSpPr>
-          <p:cNvPr id="3" name="Content Placeholder 2"/>
-          <p:cNvSpPr>
-            <a:spLocks noGrp="1"/>
-          </p:cNvSpPr>
-          <p:nvPr>
-            <p:ph idx="1"/>
-          </p:nvPr>
-        </p:nvSpPr>
         <p:spPr>
           <a:xfrm>
-            <a:off x="467544" y="1268760"/>
-            <a:ext cx="8229600" cy="2044824"/>
+            <a:off x="467544" y="0"/>
+            <a:ext cx="8229600" cy="692696"/>
           </a:xfrm>
         </p:spPr>
         <p:txBody>
           <a:bodyPr>
-            <a:normAutofit/>
+            <a:normAutofit fontScale="90000"/>
           </a:bodyPr>
           <a:lstStyle/>
           <a:p>
             <a:r>
               <a:rPr lang="en-AU" dirty="0" smtClean="0"/>
-              <a:t>Latency is interesting i.e. hard to predict. Very circuit dependent.</a:t>
-            </a:r>
-          </a:p>
-          <a:p>
-            <a:r>
-              <a:rPr lang="en-AU" dirty="0" smtClean="0"/>
-              <a:t>In general, the more partitions, the slower.</a:t>
-            </a:r>
-          </a:p>
-          <a:p>
-            <a:pPr marL="0" indent="0">
-              <a:buNone/>
-            </a:pPr>
-            <a:endParaRPr lang="en-AU" dirty="0" smtClean="0"/>
-          </a:p>
-          <a:p>
+              <a:t>Results</a:t>
+            </a:r>
             <a:endParaRPr lang="en-AU" dirty="0"/>
           </a:p>
         </p:txBody>
       </p:sp>
       <p:graphicFrame>
         <p:nvGraphicFramePr>
-          <p:cNvPr id="4" name="Chart 3"/>
+          <p:cNvPr id="4" name="Content Placeholder 3"/>
           <p:cNvGraphicFramePr>
-            <a:graphicFrameLocks/>
+            <a:graphicFrameLocks noGrp="1" noChangeAspect="1"/>
           </p:cNvGraphicFramePr>
           <p:nvPr>
+            <p:ph idx="1"/>
             <p:extLst>
               <p:ext uri="{D42A27DB-BD31-4B8C-83A1-F6EECF244321}">
-                <p14:modId xmlns:p14="http://schemas.microsoft.com/office/powerpoint/2010/main" val="4022823301"/>
+                <p14:modId xmlns:p14="http://schemas.microsoft.com/office/powerpoint/2010/main" val="1536481419"/>
               </p:ext>
             </p:extLst>
           </p:nvPr>
         </p:nvGraphicFramePr>
         <p:xfrm>
-          <a:off x="323528" y="2996952"/>
-          <a:ext cx="5040560" cy="3543003"/>
+          <a:off x="539553" y="836712"/>
+          <a:ext cx="8064896" cy="5289451"/>
         </p:xfrm>
         <a:graphic>
-          <a:graphicData uri="http://schemas.openxmlformats.org/drawingml/2006/chart">
-            <c:chart xmlns:c="http://schemas.openxmlformats.org/drawingml/2006/chart" xmlns:r="http://schemas.openxmlformats.org/officeDocument/2006/relationships" r:id="rId2"/>
+          <a:graphicData uri="http://schemas.openxmlformats.org/presentationml/2006/ole">
+            <mc:AlternateContent xmlns:mc="http://schemas.openxmlformats.org/markup-compatibility/2006">
+              <mc:Choice xmlns:v="urn:schemas-microsoft-com:vml" Requires="v">
+                <p:oleObj spid="_x0000_s4114" name="Worksheet" r:id="rId4" imgW="6743599" imgH="5152950" progId="Excel.Sheet.12">
+                  <p:embed/>
+                </p:oleObj>
+              </mc:Choice>
+              <mc:Fallback>
+                <p:oleObj name="Worksheet" r:id="rId4" imgW="6743599" imgH="5152950" progId="Excel.Sheet.12">
+                  <p:embed/>
+                  <p:pic>
+                    <p:nvPicPr>
+                      <p:cNvPr id="0" name=""/>
+                      <p:cNvPicPr/>
+                      <p:nvPr/>
+                    </p:nvPicPr>
+                    <p:blipFill>
+                      <a:blip r:embed="rId5"/>
+                      <a:stretch>
+                        <a:fillRect/>
+                      </a:stretch>
+                    </p:blipFill>
+                    <p:spPr>
+                      <a:xfrm>
+                        <a:off x="539553" y="836712"/>
+                        <a:ext cx="8064896" cy="5289451"/>
+                      </a:xfrm>
+                      <a:prstGeom prst="rect">
+                        <a:avLst/>
+                      </a:prstGeom>
+                    </p:spPr>
+                  </p:pic>
+                </p:oleObj>
+              </mc:Fallback>
+            </mc:AlternateContent>
           </a:graphicData>
         </a:graphic>
       </p:graphicFrame>
-      <p:graphicFrame>
-        <p:nvGraphicFramePr>
-          <p:cNvPr id="5" name="Chart 4"/>
-          <p:cNvGraphicFramePr>
-            <a:graphicFrameLocks/>
-          </p:cNvGraphicFramePr>
+      <p:sp>
+        <p:nvSpPr>
+          <p:cNvPr id="3" name="Slide Number Placeholder 2"/>
+          <p:cNvSpPr>
+            <a:spLocks noGrp="1"/>
+          </p:cNvSpPr>
           <p:nvPr>
-            <p:extLst>
-              <p:ext uri="{D42A27DB-BD31-4B8C-83A1-F6EECF244321}">
-                <p14:modId xmlns:p14="http://schemas.microsoft.com/office/powerpoint/2010/main" val="2741024720"/>
-              </p:ext>
-            </p:extLst>
+            <p:ph type="sldNum" sz="quarter" idx="12"/>
           </p:nvPr>
-        </p:nvGraphicFramePr>
-        <p:xfrm>
-          <a:off x="5148064" y="3284984"/>
-          <a:ext cx="3816424" cy="2743200"/>
-        </p:xfrm>
-        <a:graphic>
-          <a:graphicData uri="http://schemas.openxmlformats.org/drawingml/2006/chart">
-            <c:chart xmlns:c="http://schemas.openxmlformats.org/drawingml/2006/chart" xmlns:r="http://schemas.openxmlformats.org/officeDocument/2006/relationships" r:id="rId3"/>
-          </a:graphicData>
-        </a:graphic>
-      </p:graphicFrame>
+        </p:nvSpPr>
+        <p:spPr/>
+        <p:txBody>
+          <a:bodyPr/>
+          <a:lstStyle/>
+          <a:p>
+            <a:fld id="{05C6366E-3AB0-482E-AE30-A15454F5254A}" type="slidenum">
+              <a:rPr lang="en-AU" smtClean="0"/>
+              <a:t>9</a:t>
+            </a:fld>
+            <a:endParaRPr lang="en-AU"/>
+          </a:p>
+        </p:txBody>
+      </p:sp>
     </p:spTree>
     <p:extLst>
       <p:ext uri="{BB962C8B-B14F-4D97-AF65-F5344CB8AC3E}">
-        <p14:creationId xmlns:p14="http://schemas.microsoft.com/office/powerpoint/2010/main" val="3266016281"/>
+        <p14:creationId xmlns:p14="http://schemas.microsoft.com/office/powerpoint/2010/main" val="1048836920"/>
       </p:ext>
     </p:extLst>
   </p:cSld>
